--- a/ICATM/ICATM-2024 presenation template.pptx
+++ b/ICATM/ICATM-2024 presenation template.pptx
@@ -6,39 +6,40 @@
     <p:sldMasterId id="2147483671" r:id="rId2"/>
   </p:sldMasterIdLst>
   <p:notesMasterIdLst>
-    <p:notesMasterId r:id="rId20"/>
+    <p:notesMasterId r:id="rId21"/>
   </p:notesMasterIdLst>
   <p:handoutMasterIdLst>
-    <p:handoutMasterId r:id="rId21"/>
+    <p:handoutMasterId r:id="rId22"/>
   </p:handoutMasterIdLst>
   <p:sldIdLst>
     <p:sldId id="256" r:id="rId3"/>
     <p:sldId id="267" r:id="rId4"/>
     <p:sldId id="268" r:id="rId5"/>
-    <p:sldId id="269" r:id="rId6"/>
-    <p:sldId id="275" r:id="rId7"/>
-    <p:sldId id="276" r:id="rId8"/>
-    <p:sldId id="277" r:id="rId9"/>
-    <p:sldId id="278" r:id="rId10"/>
-    <p:sldId id="285" r:id="rId11"/>
-    <p:sldId id="286" r:id="rId12"/>
-    <p:sldId id="279" r:id="rId13"/>
-    <p:sldId id="287" r:id="rId14"/>
-    <p:sldId id="280" r:id="rId15"/>
-    <p:sldId id="281" r:id="rId16"/>
-    <p:sldId id="283" r:id="rId17"/>
-    <p:sldId id="282" r:id="rId18"/>
-    <p:sldId id="284" r:id="rId19"/>
+    <p:sldId id="275" r:id="rId6"/>
+    <p:sldId id="269" r:id="rId7"/>
+    <p:sldId id="289" r:id="rId8"/>
+    <p:sldId id="276" r:id="rId9"/>
+    <p:sldId id="277" r:id="rId10"/>
+    <p:sldId id="278" r:id="rId11"/>
+    <p:sldId id="285" r:id="rId12"/>
+    <p:sldId id="286" r:id="rId13"/>
+    <p:sldId id="279" r:id="rId14"/>
+    <p:sldId id="287" r:id="rId15"/>
+    <p:sldId id="280" r:id="rId16"/>
+    <p:sldId id="281" r:id="rId17"/>
+    <p:sldId id="283" r:id="rId18"/>
+    <p:sldId id="282" r:id="rId19"/>
+    <p:sldId id="290" r:id="rId20"/>
   </p:sldIdLst>
   <p:sldSz cx="10688638" cy="7553325"/>
   <p:notesSz cx="6858000" cy="9144000"/>
   <p:embeddedFontLst>
     <p:embeddedFont>
-      <p:font typeface="Merriweather" panose="020F0502020204030204" pitchFamily="2" charset="0"/>
-      <p:regular r:id="rId22"/>
-      <p:bold r:id="rId23"/>
-      <p:italic r:id="rId24"/>
-      <p:boldItalic r:id="rId25"/>
+      <p:font typeface="Merriweather" panose="00000500000000000000" pitchFamily="2" charset="0"/>
+      <p:regular r:id="rId23"/>
+      <p:bold r:id="rId24"/>
+      <p:italic r:id="rId25"/>
+      <p:boldItalic r:id="rId26"/>
     </p:embeddedFont>
   </p:embeddedFontLst>
   <p:defaultTextStyle>
@@ -383,7 +384,7 @@
           <a:p>
             <a:fld id="{AC6DE52B-B922-4874-A347-E89D4A126438}" type="datetimeFigureOut">
               <a:rPr lang="en-IN" smtClean="0"/>
-              <a:t>03-04-2024</a:t>
+              <a:t>04-04-2024</a:t>
             </a:fld>
             <a:endParaRPr lang="en-IN"/>
           </a:p>
@@ -1865,6 +1866,115 @@
 </p:notes>
 </file>
 
+<file path=ppt/notesSlides/notesSlide18.xml><?xml version="1.0" encoding="utf-8"?>
+<p:notes xmlns:a="http://schemas.openxmlformats.org/drawingml/2006/main" xmlns:r="http://schemas.openxmlformats.org/officeDocument/2006/relationships" xmlns:p="http://schemas.openxmlformats.org/presentationml/2006/main" showMasterSp="0" showMasterPhAnim="0">
+  <p:cSld>
+    <p:spTree>
+      <p:nvGrpSpPr>
+        <p:cNvPr id="1" name="Shape 125"/>
+        <p:cNvGrpSpPr/>
+        <p:nvPr/>
+      </p:nvGrpSpPr>
+      <p:grpSpPr>
+        <a:xfrm>
+          <a:off x="0" y="0"/>
+          <a:ext cx="0" cy="0"/>
+          <a:chOff x="0" y="0"/>
+          <a:chExt cx="0" cy="0"/>
+        </a:xfrm>
+      </p:grpSpPr>
+      <p:sp>
+        <p:nvSpPr>
+          <p:cNvPr id="126" name="Google Shape;126;g2c66a712100_0_1162:notes"/>
+          <p:cNvSpPr txBox="1">
+            <a:spLocks noGrp="1"/>
+          </p:cNvSpPr>
+          <p:nvPr>
+            <p:ph type="body" idx="1"/>
+          </p:nvPr>
+        </p:nvSpPr>
+        <p:spPr>
+          <a:xfrm>
+            <a:off x="685800" y="4343400"/>
+            <a:ext cx="5486400" cy="4114800"/>
+          </a:xfrm>
+          <a:prstGeom prst="rect">
+            <a:avLst/>
+          </a:prstGeom>
+        </p:spPr>
+        <p:txBody>
+          <a:bodyPr spcFirstLastPara="1" wrap="square" lIns="91425" tIns="91425" rIns="91425" bIns="91425" anchor="t" anchorCtr="0">
+            <a:noAutofit/>
+          </a:bodyPr>
+          <a:lstStyle/>
+          <a:p>
+            <a:pPr marL="0" lvl="0" indent="0" algn="l" rtl="0">
+              <a:spcBef>
+                <a:spcPts val="0"/>
+              </a:spcBef>
+              <a:spcAft>
+                <a:spcPts val="0"/>
+              </a:spcAft>
+              <a:buNone/>
+            </a:pPr>
+            <a:endParaRPr/>
+          </a:p>
+        </p:txBody>
+      </p:sp>
+      <p:sp>
+        <p:nvSpPr>
+          <p:cNvPr id="127" name="Google Shape;127;g2c66a712100_0_1162:notes"/>
+          <p:cNvSpPr>
+            <a:spLocks noGrp="1" noRot="1" noChangeAspect="1"/>
+          </p:cNvSpPr>
+          <p:nvPr>
+            <p:ph type="sldImg" idx="2"/>
+          </p:nvPr>
+        </p:nvSpPr>
+        <p:spPr>
+          <a:xfrm>
+            <a:off x="1003300" y="685800"/>
+            <a:ext cx="4851400" cy="3429000"/>
+          </a:xfrm>
+          <a:custGeom>
+            <a:avLst/>
+            <a:gdLst/>
+            <a:ahLst/>
+            <a:cxnLst/>
+            <a:rect l="l" t="t" r="r" b="b"/>
+            <a:pathLst>
+              <a:path w="120000" h="120000" extrusionOk="0">
+                <a:moveTo>
+                  <a:pt x="0" y="0"/>
+                </a:moveTo>
+                <a:lnTo>
+                  <a:pt x="120000" y="0"/>
+                </a:lnTo>
+                <a:lnTo>
+                  <a:pt x="120000" y="120000"/>
+                </a:lnTo>
+                <a:lnTo>
+                  <a:pt x="0" y="120000"/>
+                </a:lnTo>
+                <a:close/>
+              </a:path>
+            </a:pathLst>
+          </a:custGeom>
+        </p:spPr>
+      </p:sp>
+    </p:spTree>
+    <p:extLst>
+      <p:ext uri="{BB962C8B-B14F-4D97-AF65-F5344CB8AC3E}">
+        <p14:creationId xmlns:p14="http://schemas.microsoft.com/office/powerpoint/2010/main" val="843530543"/>
+      </p:ext>
+    </p:extLst>
+  </p:cSld>
+  <p:clrMapOvr>
+    <a:masterClrMapping/>
+  </p:clrMapOvr>
+</p:notes>
+</file>
+
 <file path=ppt/notesSlides/notesSlide2.xml><?xml version="1.0" encoding="utf-8"?>
 <p:notes xmlns:a="http://schemas.openxmlformats.org/drawingml/2006/main" xmlns:r="http://schemas.openxmlformats.org/officeDocument/2006/relationships" xmlns:p="http://schemas.openxmlformats.org/presentationml/2006/main" showMasterSp="0" showMasterPhAnim="0">
   <p:cSld>
@@ -2378,6 +2488,11 @@
         </p:spPr>
       </p:sp>
     </p:spTree>
+    <p:extLst>
+      <p:ext uri="{BB962C8B-B14F-4D97-AF65-F5344CB8AC3E}">
+        <p14:creationId xmlns:p14="http://schemas.microsoft.com/office/powerpoint/2010/main" val="2962704587"/>
+      </p:ext>
+    </p:extLst>
   </p:cSld>
   <p:clrMapOvr>
     <a:masterClrMapping/>
@@ -2436,7 +2551,7 @@
               </a:spcAft>
               <a:buNone/>
             </a:pPr>
-            <a:endParaRPr/>
+            <a:endParaRPr dirty="0"/>
           </a:p>
         </p:txBody>
       </p:sp>
@@ -3702,7 +3817,7 @@
           <a:p>
             <a:fld id="{6655C1DC-48FB-40C2-8DEF-863A27E4E798}" type="datetime1">
               <a:rPr lang="en-US" smtClean="0"/>
-              <a:t>4/3/2024</a:t>
+              <a:t>4/4/2024</a:t>
             </a:fld>
             <a:endParaRPr/>
           </a:p>
@@ -4444,7 +4559,7 @@
           <a:p>
             <a:fld id="{1EA95AB0-DBA4-4A1D-9EA2-1D5F8DC59E73}" type="datetime1">
               <a:rPr lang="en-US" smtClean="0"/>
-              <a:t>4/3/2024</a:t>
+              <a:t>4/4/2024</a:t>
             </a:fld>
             <a:endParaRPr/>
           </a:p>
@@ -5309,7 +5424,7 @@
           <a:p>
             <a:fld id="{055DCCB5-346B-4208-A9FA-9E6BD818EE2A}" type="datetime1">
               <a:rPr lang="en-US" smtClean="0"/>
-              <a:t>4/3/2024</a:t>
+              <a:t>4/4/2024</a:t>
             </a:fld>
             <a:endParaRPr/>
           </a:p>
@@ -6495,7 +6610,7 @@
           <a:p>
             <a:fld id="{F88EE34D-EC97-4C29-A5DF-53B358DFD43C}" type="datetime1">
               <a:rPr lang="en-US" smtClean="0"/>
-              <a:t>4/3/2024</a:t>
+              <a:t>4/4/2024</a:t>
             </a:fld>
             <a:endParaRPr/>
           </a:p>
@@ -7040,7 +7155,7 @@
           <a:p>
             <a:fld id="{E17800B7-E1CA-4CD1-A781-5475D2E1ED09}" type="datetime1">
               <a:rPr lang="en-US" smtClean="0"/>
-              <a:t>4/3/2024</a:t>
+              <a:t>4/4/2024</a:t>
             </a:fld>
             <a:endParaRPr/>
           </a:p>
@@ -7906,7 +8021,7 @@
           <a:p>
             <a:fld id="{C28A9E17-04BF-4084-B243-657A4CA1B112}" type="datetime1">
               <a:rPr lang="en-US" smtClean="0"/>
-              <a:t>4/3/2024</a:t>
+              <a:t>4/4/2024</a:t>
             </a:fld>
             <a:endParaRPr/>
           </a:p>
@@ -8636,7 +8751,7 @@
           <a:p>
             <a:fld id="{03347EA4-2418-44E4-B72E-A9B6DA584418}" type="datetime1">
               <a:rPr lang="en-US" smtClean="0"/>
-              <a:t>4/3/2024</a:t>
+              <a:t>4/4/2024</a:t>
             </a:fld>
             <a:endParaRPr/>
           </a:p>
@@ -9341,7 +9456,7 @@
           <a:p>
             <a:fld id="{ED64FA04-0011-4D8C-800B-2A8668D8616A}" type="datetime1">
               <a:rPr lang="en-US" smtClean="0"/>
-              <a:t>4/3/2024</a:t>
+              <a:t>4/4/2024</a:t>
             </a:fld>
             <a:endParaRPr/>
           </a:p>
@@ -10279,7 +10394,7 @@
           <a:p>
             <a:fld id="{1752F098-11E8-421A-BB80-91DE1586C441}" type="datetime1">
               <a:rPr lang="en-US" smtClean="0"/>
-              <a:t>4/3/2024</a:t>
+              <a:t>4/4/2024</a:t>
             </a:fld>
             <a:endParaRPr/>
           </a:p>
@@ -14813,7 +14928,7 @@
           <a:p>
             <a:fld id="{C4FB4E6D-049E-4E2B-8B69-5C4AB76F237E}" type="datetime1">
               <a:rPr lang="en-US" smtClean="0"/>
-              <a:t>4/3/2024</a:t>
+              <a:t>4/4/2024</a:t>
             </a:fld>
             <a:endParaRPr/>
           </a:p>
@@ -16559,7 +16674,7 @@
           <a:p>
             <a:fld id="{A174D43B-D405-4C66-AAFC-12F687A583A3}" type="datetime1">
               <a:rPr lang="en-US" smtClean="0"/>
-              <a:t>4/3/2024</a:t>
+              <a:t>4/4/2024</a:t>
             </a:fld>
             <a:endParaRPr lang="en-US"/>
           </a:p>
@@ -17420,7 +17535,7 @@
           <a:p>
             <a:fld id="{A174D43B-D405-4C66-AAFC-12F687A583A3}" type="datetime1">
               <a:rPr lang="en-US" smtClean="0"/>
-              <a:t>4/3/2024</a:t>
+              <a:t>4/4/2024</a:t>
             </a:fld>
             <a:endParaRPr lang="en-US"/>
           </a:p>
@@ -17536,80 +17651,6 @@
               </a:rPr>
               <a:t>Methodology (1-3  slides)</a:t>
             </a:r>
-          </a:p>
-        </p:txBody>
-      </p:sp>
-      <p:sp>
-        <p:nvSpPr>
-          <p:cNvPr id="9" name="TextBox 8"/>
-          <p:cNvSpPr txBox="1"/>
-          <p:nvPr/>
-        </p:nvSpPr>
-        <p:spPr>
-          <a:xfrm>
-            <a:off x="609358" y="2756349"/>
-            <a:ext cx="9344696" cy="2308324"/>
-          </a:xfrm>
-          <a:prstGeom prst="rect">
-            <a:avLst/>
-          </a:prstGeom>
-          <a:noFill/>
-        </p:spPr>
-        <p:txBody>
-          <a:bodyPr wrap="square" rtlCol="0">
-            <a:spAutoFit/>
-          </a:bodyPr>
-          <a:lstStyle/>
-          <a:p>
-            <a:pPr marL="285750" indent="-285750">
-              <a:lnSpc>
-                <a:spcPct val="150000"/>
-              </a:lnSpc>
-              <a:buFont typeface="Arial" pitchFamily="34" charset="0"/>
-              <a:buChar char="•"/>
-            </a:pPr>
-            <a:r>
-              <a:rPr lang="en-US" sz="1600" dirty="0"/>
-              <a:t>Data science is the study of data to extract meaningful insights for business. It is a multidisciplinary approach that combines principles and practices from the fields of mathematics, statistics, artificial intelligence, and computer engineering to analyze large amounts of data.</a:t>
-            </a:r>
-          </a:p>
-          <a:p>
-            <a:pPr marL="285750" indent="-285750">
-              <a:lnSpc>
-                <a:spcPct val="150000"/>
-              </a:lnSpc>
-              <a:buFont typeface="Arial" pitchFamily="34" charset="0"/>
-              <a:buChar char="•"/>
-            </a:pPr>
-            <a:r>
-              <a:rPr lang="en-US" sz="1600" dirty="0" err="1"/>
-              <a:t>Ghfg</a:t>
-            </a:r>
-            <a:endParaRPr lang="en-US" sz="1600" dirty="0"/>
-          </a:p>
-          <a:p>
-            <a:pPr marL="285750" indent="-285750">
-              <a:lnSpc>
-                <a:spcPct val="150000"/>
-              </a:lnSpc>
-              <a:buFont typeface="Arial" pitchFamily="34" charset="0"/>
-              <a:buChar char="•"/>
-            </a:pPr>
-            <a:r>
-              <a:rPr lang="en-US" sz="1600" dirty="0" err="1"/>
-              <a:t>Gfhg</a:t>
-            </a:r>
-            <a:endParaRPr lang="en-US" sz="1600" dirty="0"/>
-          </a:p>
-          <a:p>
-            <a:pPr marL="285750" indent="-285750">
-              <a:lnSpc>
-                <a:spcPct val="150000"/>
-              </a:lnSpc>
-              <a:buFont typeface="Arial" pitchFamily="34" charset="0"/>
-              <a:buChar char="•"/>
-            </a:pPr>
-            <a:endParaRPr lang="en-IN" sz="1600" dirty="0"/>
           </a:p>
         </p:txBody>
       </p:sp>
@@ -18186,7 +18227,7 @@
           <a:p>
             <a:fld id="{A174D43B-D405-4C66-AAFC-12F687A583A3}" type="datetime1">
               <a:rPr lang="en-US" smtClean="0"/>
-              <a:t>4/3/2024</a:t>
+              <a:t>4/4/2024</a:t>
             </a:fld>
             <a:endParaRPr lang="en-US"/>
           </a:p>
@@ -18300,7 +18341,7 @@
                 <a:latin typeface="Times New Roman" pitchFamily="18" charset="0"/>
                 <a:cs typeface="Times New Roman" pitchFamily="18" charset="0"/>
               </a:rPr>
-              <a:t>Results &amp; Discussion (1-3  slides)</a:t>
+              <a:t>Methodology (1-3  slides)</a:t>
             </a:r>
           </a:p>
         </p:txBody>
@@ -18382,7 +18423,7 @@
     </p:spTree>
     <p:extLst>
       <p:ext uri="{BB962C8B-B14F-4D97-AF65-F5344CB8AC3E}">
-        <p14:creationId xmlns:p14="http://schemas.microsoft.com/office/powerpoint/2010/main" val="1528573335"/>
+        <p14:creationId xmlns:p14="http://schemas.microsoft.com/office/powerpoint/2010/main" val="3395871090"/>
       </p:ext>
     </p:extLst>
   </p:cSld>
@@ -18952,7 +18993,7 @@
           <a:p>
             <a:fld id="{A174D43B-D405-4C66-AAFC-12F687A583A3}" type="datetime1">
               <a:rPr lang="en-US" smtClean="0"/>
-              <a:t>4/3/2024</a:t>
+              <a:t>4/4/2024</a:t>
             </a:fld>
             <a:endParaRPr lang="en-US"/>
           </a:p>
@@ -19148,7 +19189,7 @@
     </p:spTree>
     <p:extLst>
       <p:ext uri="{BB962C8B-B14F-4D97-AF65-F5344CB8AC3E}">
-        <p14:creationId xmlns:p14="http://schemas.microsoft.com/office/powerpoint/2010/main" val="1192136154"/>
+        <p14:creationId xmlns:p14="http://schemas.microsoft.com/office/powerpoint/2010/main" val="1528573335"/>
       </p:ext>
     </p:extLst>
   </p:cSld>
@@ -19718,7 +19759,7 @@
           <a:p>
             <a:fld id="{A174D43B-D405-4C66-AAFC-12F687A583A3}" type="datetime1">
               <a:rPr lang="en-US" smtClean="0"/>
-              <a:t>4/3/2024</a:t>
+              <a:t>4/4/2024</a:t>
             </a:fld>
             <a:endParaRPr lang="en-US"/>
           </a:p>
@@ -19832,7 +19873,7 @@
                 <a:latin typeface="Times New Roman" pitchFamily="18" charset="0"/>
                 <a:cs typeface="Times New Roman" pitchFamily="18" charset="0"/>
               </a:rPr>
-              <a:t>SWOT Analysis (1 slide)</a:t>
+              <a:t>Results &amp; Discussion (1-3  slides)</a:t>
             </a:r>
           </a:p>
         </p:txBody>
@@ -19914,7 +19955,7 @@
     </p:spTree>
     <p:extLst>
       <p:ext uri="{BB962C8B-B14F-4D97-AF65-F5344CB8AC3E}">
-        <p14:creationId xmlns:p14="http://schemas.microsoft.com/office/powerpoint/2010/main" val="1528573335"/>
+        <p14:creationId xmlns:p14="http://schemas.microsoft.com/office/powerpoint/2010/main" val="1192136154"/>
       </p:ext>
     </p:extLst>
   </p:cSld>
@@ -20484,7 +20525,7 @@
           <a:p>
             <a:fld id="{A174D43B-D405-4C66-AAFC-12F687A583A3}" type="datetime1">
               <a:rPr lang="en-US" smtClean="0"/>
-              <a:t>4/3/2024</a:t>
+              <a:t>4/4/2024</a:t>
             </a:fld>
             <a:endParaRPr lang="en-US"/>
           </a:p>
@@ -20598,7 +20639,7 @@
                 <a:latin typeface="Times New Roman" pitchFamily="18" charset="0"/>
                 <a:cs typeface="Times New Roman" pitchFamily="18" charset="0"/>
               </a:rPr>
-              <a:t>Conclusion / Future Scope (1 slide)</a:t>
+              <a:t>SWOT Analysis (1 slide)</a:t>
             </a:r>
           </a:p>
         </p:txBody>
@@ -20680,7 +20721,7 @@
     </p:spTree>
     <p:extLst>
       <p:ext uri="{BB962C8B-B14F-4D97-AF65-F5344CB8AC3E}">
-        <p14:creationId xmlns:p14="http://schemas.microsoft.com/office/powerpoint/2010/main" val="2426809802"/>
+        <p14:creationId xmlns:p14="http://schemas.microsoft.com/office/powerpoint/2010/main" val="1528573335"/>
       </p:ext>
     </p:extLst>
   </p:cSld>
@@ -21250,7 +21291,7 @@
           <a:p>
             <a:fld id="{A174D43B-D405-4C66-AAFC-12F687A583A3}" type="datetime1">
               <a:rPr lang="en-US" smtClean="0"/>
-              <a:t>4/3/2024</a:t>
+              <a:t>4/4/2024</a:t>
             </a:fld>
             <a:endParaRPr lang="en-US"/>
           </a:p>
@@ -21341,7 +21382,7 @@
         <p:spPr>
           <a:xfrm>
             <a:off x="782345" y="1948423"/>
-            <a:ext cx="9171709" cy="646331"/>
+            <a:ext cx="9171709" cy="579967"/>
           </a:xfrm>
           <a:prstGeom prst="rect">
             <a:avLst/>
@@ -21364,26 +21405,20 @@
                 <a:latin typeface="Times New Roman" pitchFamily="18" charset="0"/>
                 <a:cs typeface="Times New Roman" pitchFamily="18" charset="0"/>
               </a:rPr>
-              <a:t>Conclusion / Future Scope (1 slide)</a:t>
+              <a:t>Conclusion</a:t>
             </a:r>
           </a:p>
         </p:txBody>
       </p:sp>
       <p:sp>
         <p:nvSpPr>
-          <p:cNvPr id="10" name="TextBox 9">
-            <a:extLst>
-              <a:ext uri="{FF2B5EF4-FFF2-40B4-BE49-F238E27FC236}">
-                <a16:creationId xmlns:a16="http://schemas.microsoft.com/office/drawing/2014/main" id="{95D04100-395D-B083-0DA2-C055CF01D529}"/>
-              </a:ext>
-            </a:extLst>
-          </p:cNvPr>
+          <p:cNvPr id="9" name="TextBox 8"/>
           <p:cNvSpPr txBox="1"/>
           <p:nvPr/>
         </p:nvSpPr>
         <p:spPr>
           <a:xfrm>
-            <a:off x="695851" y="2834397"/>
+            <a:off x="609358" y="2756349"/>
             <a:ext cx="9344696" cy="1893339"/>
           </a:xfrm>
           <a:prstGeom prst="rect">
@@ -21397,77 +21432,229 @@
           </a:bodyPr>
           <a:lstStyle/>
           <a:p>
-            <a:pPr marL="285750" indent="-285750">
+            <a:pPr>
               <a:lnSpc>
                 <a:spcPct val="150000"/>
               </a:lnSpc>
-              <a:buFont typeface="Arial" pitchFamily="34" charset="0"/>
-              <a:buChar char="•"/>
             </a:pPr>
             <a:r>
               <a:rPr lang="en-US" sz="1600" dirty="0"/>
-              <a:t>Respect disadvantages of VR</a:t>
+              <a:t>Our VR horror game incorporates a holistic approach to gaming, seamlessly blending immersive environments with advanced technology while catering to the traditional enthusiasm for consuming horror stories. It represents a </a:t>
             </a:r>
-          </a:p>
-          <a:p>
-            <a:pPr marL="285750" indent="-285750">
-              <a:lnSpc>
-                <a:spcPct val="150000"/>
-              </a:lnSpc>
-              <a:buFont typeface="Arial" pitchFamily="34" charset="0"/>
-              <a:buChar char="•"/>
-            </a:pPr>
+            <a:r>
+              <a:rPr lang="en-US" sz="1600" i="1" dirty="0"/>
+              <a:t>fusion of past, present, and future elements</a:t>
+            </a:r>
             <a:r>
               <a:rPr lang="en-US" sz="1600" dirty="0"/>
-              <a:t>Nausea</a:t>
-            </a:r>
-          </a:p>
-          <a:p>
-            <a:pPr marL="285750" indent="-285750">
-              <a:lnSpc>
-                <a:spcPct val="150000"/>
-              </a:lnSpc>
-              <a:buFont typeface="Arial" pitchFamily="34" charset="0"/>
-              <a:buChar char="•"/>
-            </a:pPr>
-            <a:r>
-              <a:rPr lang="en-US" sz="1600" dirty="0"/>
-              <a:t>Multimedia</a:t>
-            </a:r>
-          </a:p>
-          <a:p>
-            <a:pPr marL="285750" indent="-285750">
-              <a:lnSpc>
-                <a:spcPct val="150000"/>
-              </a:lnSpc>
-              <a:buFont typeface="Arial" pitchFamily="34" charset="0"/>
-              <a:buChar char="•"/>
-            </a:pPr>
-            <a:r>
-              <a:rPr lang="en-US" sz="1600" dirty="0"/>
-              <a:t>DLC</a:t>
-            </a:r>
-          </a:p>
-          <a:p>
-            <a:pPr marL="285750" indent="-285750">
-              <a:lnSpc>
-                <a:spcPct val="150000"/>
-              </a:lnSpc>
-              <a:buFont typeface="Arial" pitchFamily="34" charset="0"/>
-              <a:buChar char="•"/>
-            </a:pPr>
-            <a:r>
-              <a:rPr lang="en-US" sz="1600" dirty="0"/>
-              <a:t>Optimization</a:t>
+              <a:t>, presenting VR seamlessly into daily life experiences. Adhering to VR rules and integrating cohesive features, our game sets a new standard for immersive entertainment.</a:t>
             </a:r>
             <a:endParaRPr lang="en-IN" sz="1600" dirty="0"/>
+          </a:p>
+        </p:txBody>
+      </p:sp>
+      <p:sp>
+        <p:nvSpPr>
+          <p:cNvPr id="3" name="Rectangle: Rounded Corners 2">
+            <a:extLst>
+              <a:ext uri="{FF2B5EF4-FFF2-40B4-BE49-F238E27FC236}">
+                <a16:creationId xmlns:a16="http://schemas.microsoft.com/office/drawing/2014/main" id="{4CFDFB56-B24B-005E-900B-F7934BDE7706}"/>
+              </a:ext>
+            </a:extLst>
+          </p:cNvPr>
+          <p:cNvSpPr/>
+          <p:nvPr/>
+        </p:nvSpPr>
+        <p:spPr>
+          <a:xfrm>
+            <a:off x="1408620" y="5294518"/>
+            <a:ext cx="2362211" cy="578724"/>
+          </a:xfrm>
+          <a:prstGeom prst="roundRect">
+            <a:avLst>
+              <a:gd name="adj" fmla="val 12500"/>
+            </a:avLst>
+          </a:prstGeom>
+          <a:solidFill>
+            <a:srgbClr val="DBB986"/>
+          </a:solidFill>
+          <a:ln>
+            <a:solidFill>
+              <a:srgbClr val="E31F55"/>
+            </a:solidFill>
+          </a:ln>
+        </p:spPr>
+        <p:style>
+          <a:lnRef idx="0">
+            <a:scrgbClr r="0" g="0" b="0"/>
+          </a:lnRef>
+          <a:fillRef idx="0">
+            <a:scrgbClr r="0" g="0" b="0"/>
+          </a:fillRef>
+          <a:effectRef idx="0">
+            <a:scrgbClr r="0" g="0" b="0"/>
+          </a:effectRef>
+          <a:fontRef idx="minor">
+            <a:schemeClr val="lt1"/>
+          </a:fontRef>
+        </p:style>
+        <p:txBody>
+          <a:bodyPr rtlCol="0" anchor="ctr"/>
+          <a:lstStyle/>
+          <a:p>
+            <a:pPr marL="85725" algn="ctr"/>
+            <a:r>
+              <a:rPr lang="en-US" sz="1100" dirty="0">
+                <a:solidFill>
+                  <a:schemeClr val="tx1"/>
+                </a:solidFill>
+              </a:rPr>
+              <a:t>introducing interactive computing</a:t>
+            </a:r>
+            <a:endParaRPr lang="en-IN" sz="1100" dirty="0">
+              <a:solidFill>
+                <a:schemeClr val="tx1"/>
+              </a:solidFill>
+            </a:endParaRPr>
+          </a:p>
+        </p:txBody>
+      </p:sp>
+      <p:sp>
+        <p:nvSpPr>
+          <p:cNvPr id="8" name="Rectangle: Rounded Corners 7">
+            <a:extLst>
+              <a:ext uri="{FF2B5EF4-FFF2-40B4-BE49-F238E27FC236}">
+                <a16:creationId xmlns:a16="http://schemas.microsoft.com/office/drawing/2014/main" id="{DEB05BDE-294C-7C29-92D4-9032F3B4EA11}"/>
+              </a:ext>
+            </a:extLst>
+          </p:cNvPr>
+          <p:cNvSpPr/>
+          <p:nvPr/>
+        </p:nvSpPr>
+        <p:spPr>
+          <a:xfrm>
+            <a:off x="4100291" y="5294518"/>
+            <a:ext cx="2362211" cy="578724"/>
+          </a:xfrm>
+          <a:prstGeom prst="roundRect">
+            <a:avLst>
+              <a:gd name="adj" fmla="val 12500"/>
+            </a:avLst>
+          </a:prstGeom>
+          <a:solidFill>
+            <a:srgbClr val="DBB986"/>
+          </a:solidFill>
+          <a:ln>
+            <a:solidFill>
+              <a:srgbClr val="E31F55"/>
+            </a:solidFill>
+          </a:ln>
+        </p:spPr>
+        <p:style>
+          <a:lnRef idx="0">
+            <a:scrgbClr r="0" g="0" b="0"/>
+          </a:lnRef>
+          <a:fillRef idx="0">
+            <a:scrgbClr r="0" g="0" b="0"/>
+          </a:fillRef>
+          <a:effectRef idx="0">
+            <a:scrgbClr r="0" g="0" b="0"/>
+          </a:effectRef>
+          <a:fontRef idx="minor">
+            <a:schemeClr val="lt1"/>
+          </a:fontRef>
+        </p:style>
+        <p:txBody>
+          <a:bodyPr rtlCol="0" anchor="ctr"/>
+          <a:lstStyle/>
+          <a:p>
+            <a:pPr marL="85725" algn="ctr"/>
+            <a:r>
+              <a:rPr lang="en-US" sz="1100" dirty="0">
+                <a:solidFill>
+                  <a:schemeClr val="tx1"/>
+                </a:solidFill>
+              </a:rPr>
+              <a:t>integration into day-to-day life</a:t>
+            </a:r>
+            <a:endParaRPr lang="en-IN" sz="1100" dirty="0">
+              <a:solidFill>
+                <a:schemeClr val="tx1"/>
+              </a:solidFill>
+            </a:endParaRPr>
+          </a:p>
+        </p:txBody>
+      </p:sp>
+      <p:sp>
+        <p:nvSpPr>
+          <p:cNvPr id="10" name="Rectangle: Rounded Corners 9">
+            <a:extLst>
+              <a:ext uri="{FF2B5EF4-FFF2-40B4-BE49-F238E27FC236}">
+                <a16:creationId xmlns:a16="http://schemas.microsoft.com/office/drawing/2014/main" id="{DC850543-F8B8-0E0F-853F-B2C3AF311BEE}"/>
+              </a:ext>
+            </a:extLst>
+          </p:cNvPr>
+          <p:cNvSpPr/>
+          <p:nvPr/>
+        </p:nvSpPr>
+        <p:spPr>
+          <a:xfrm>
+            <a:off x="6791962" y="5294518"/>
+            <a:ext cx="2362211" cy="578724"/>
+          </a:xfrm>
+          <a:prstGeom prst="roundRect">
+            <a:avLst>
+              <a:gd name="adj" fmla="val 12500"/>
+            </a:avLst>
+          </a:prstGeom>
+          <a:solidFill>
+            <a:srgbClr val="DBB986"/>
+          </a:solidFill>
+          <a:ln>
+            <a:solidFill>
+              <a:srgbClr val="E31F55"/>
+            </a:solidFill>
+          </a:ln>
+        </p:spPr>
+        <p:style>
+          <a:lnRef idx="0">
+            <a:scrgbClr r="0" g="0" b="0"/>
+          </a:lnRef>
+          <a:fillRef idx="0">
+            <a:scrgbClr r="0" g="0" b="0"/>
+          </a:fillRef>
+          <a:effectRef idx="0">
+            <a:scrgbClr r="0" g="0" b="0"/>
+          </a:effectRef>
+          <a:fontRef idx="minor">
+            <a:schemeClr val="lt1"/>
+          </a:fontRef>
+        </p:style>
+        <p:txBody>
+          <a:bodyPr rtlCol="0" anchor="ctr"/>
+          <a:lstStyle/>
+          <a:p>
+            <a:pPr marL="85725" algn="ctr"/>
+            <a:r>
+              <a:rPr lang="en-US" sz="1100" dirty="0">
+                <a:solidFill>
+                  <a:schemeClr val="tx1"/>
+                </a:solidFill>
+              </a:rPr>
+              <a:t>blending past-present-future</a:t>
+            </a:r>
+            <a:endParaRPr lang="en-IN" sz="1100" dirty="0">
+              <a:solidFill>
+                <a:schemeClr val="tx1"/>
+              </a:solidFill>
+            </a:endParaRPr>
           </a:p>
         </p:txBody>
       </p:sp>
     </p:spTree>
     <p:extLst>
       <p:ext uri="{BB962C8B-B14F-4D97-AF65-F5344CB8AC3E}">
-        <p14:creationId xmlns:p14="http://schemas.microsoft.com/office/powerpoint/2010/main" val="2934417631"/>
+        <p14:creationId xmlns:p14="http://schemas.microsoft.com/office/powerpoint/2010/main" val="2426809802"/>
       </p:ext>
     </p:extLst>
   </p:cSld>
@@ -22037,7 +22224,7 @@
           <a:p>
             <a:fld id="{A174D43B-D405-4C66-AAFC-12F687A583A3}" type="datetime1">
               <a:rPr lang="en-US" smtClean="0"/>
-              <a:t>4/3/2024</a:t>
+              <a:t>4/4/2024</a:t>
             </a:fld>
             <a:endParaRPr lang="en-US"/>
           </a:p>
@@ -22128,7 +22315,7 @@
         <p:spPr>
           <a:xfrm>
             <a:off x="782345" y="1948423"/>
-            <a:ext cx="9171709" cy="646331"/>
+            <a:ext cx="9171709" cy="579967"/>
           </a:xfrm>
           <a:prstGeom prst="rect">
             <a:avLst/>
@@ -22151,21 +22338,27 @@
                 <a:latin typeface="Times New Roman" pitchFamily="18" charset="0"/>
                 <a:cs typeface="Times New Roman" pitchFamily="18" charset="0"/>
               </a:rPr>
-              <a:t>References (1 slide)</a:t>
+              <a:t>Future Scope</a:t>
             </a:r>
           </a:p>
         </p:txBody>
       </p:sp>
       <p:sp>
         <p:nvSpPr>
-          <p:cNvPr id="9" name="TextBox 8"/>
+          <p:cNvPr id="10" name="TextBox 9">
+            <a:extLst>
+              <a:ext uri="{FF2B5EF4-FFF2-40B4-BE49-F238E27FC236}">
+                <a16:creationId xmlns:a16="http://schemas.microsoft.com/office/drawing/2014/main" id="{95D04100-395D-B083-0DA2-C055CF01D529}"/>
+              </a:ext>
+            </a:extLst>
+          </p:cNvPr>
           <p:cNvSpPr txBox="1"/>
           <p:nvPr/>
         </p:nvSpPr>
         <p:spPr>
           <a:xfrm>
-            <a:off x="609358" y="2756349"/>
-            <a:ext cx="9344696" cy="6690742"/>
+            <a:off x="695851" y="2834397"/>
+            <a:ext cx="9344696" cy="1893339"/>
           </a:xfrm>
           <a:prstGeom prst="rect">
             <a:avLst/>
@@ -22178,793 +22371,70 @@
           </a:bodyPr>
           <a:lstStyle/>
           <a:p>
-            <a:pPr marL="342900" marR="27305" indent="-342900" algn="just">
+            <a:pPr marL="285750" indent="-285750">
               <a:lnSpc>
-                <a:spcPct val="107000"/>
+                <a:spcPct val="150000"/>
               </a:lnSpc>
-              <a:spcAft>
-                <a:spcPts val="1060"/>
-              </a:spcAft>
-              <a:buFont typeface="+mj-lt"/>
-              <a:buAutoNum type="arabicPeriod"/>
+              <a:buFont typeface="Arial" pitchFamily="34" charset="0"/>
+              <a:buChar char="•"/>
             </a:pPr>
             <a:r>
-              <a:rPr lang="en-IN" sz="1800" kern="100" dirty="0">
-                <a:solidFill>
-                  <a:srgbClr val="000000"/>
-                </a:solidFill>
-                <a:effectLst/>
-                <a:latin typeface="Times New Roman" panose="02020603050405020304" pitchFamily="18" charset="0"/>
-                <a:ea typeface="Times New Roman" panose="02020603050405020304" pitchFamily="18" charset="0"/>
-              </a:rPr>
-              <a:t> </a:t>
+              <a:rPr lang="en-US" sz="1600" dirty="0"/>
+              <a:t>Respect disadvantages of VR</a:t>
             </a:r>
-            <a:r>
-              <a:rPr lang="en-IN" sz="1800" u="none" strike="noStrike" kern="100" dirty="0" err="1">
-                <a:solidFill>
-                  <a:srgbClr val="000000"/>
-                </a:solidFill>
-                <a:effectLst/>
-                <a:uFill>
-                  <a:solidFill>
-                    <a:srgbClr val="000000"/>
-                  </a:solidFill>
-                </a:uFill>
-                <a:latin typeface="Times New Roman" panose="02020603050405020304" pitchFamily="18" charset="0"/>
-                <a:ea typeface="Times New Roman" panose="02020603050405020304" pitchFamily="18" charset="0"/>
-                <a:cs typeface="Times New Roman" panose="02020603050405020304" pitchFamily="18" charset="0"/>
-              </a:rPr>
-              <a:t>Ntokos</a:t>
-            </a:r>
-            <a:r>
-              <a:rPr lang="en-IN" sz="1800" u="none" strike="noStrike" kern="100" dirty="0">
-                <a:solidFill>
-                  <a:srgbClr val="000000"/>
-                </a:solidFill>
-                <a:effectLst/>
-                <a:uFill>
-                  <a:solidFill>
-                    <a:srgbClr val="000000"/>
-                  </a:solidFill>
-                </a:uFill>
-                <a:latin typeface="Times New Roman" panose="02020603050405020304" pitchFamily="18" charset="0"/>
-                <a:ea typeface="Times New Roman" panose="02020603050405020304" pitchFamily="18" charset="0"/>
-                <a:cs typeface="Times New Roman" panose="02020603050405020304" pitchFamily="18" charset="0"/>
-              </a:rPr>
-              <a:t>, Konstantinos. </a:t>
-            </a:r>
-            <a:r>
-              <a:rPr lang="en-IN" sz="1800" i="1" u="none" strike="noStrike" kern="100" dirty="0">
-                <a:solidFill>
-                  <a:srgbClr val="000000"/>
-                </a:solidFill>
-                <a:effectLst/>
-                <a:uFill>
-                  <a:solidFill>
-                    <a:srgbClr val="000000"/>
-                  </a:solidFill>
-                </a:uFill>
-                <a:latin typeface="Times New Roman" panose="02020603050405020304" pitchFamily="18" charset="0"/>
-                <a:ea typeface="Times New Roman" panose="02020603050405020304" pitchFamily="18" charset="0"/>
-                <a:cs typeface="Times New Roman" panose="02020603050405020304" pitchFamily="18" charset="0"/>
-              </a:rPr>
-              <a:t>"Level of fear”</a:t>
-            </a:r>
-            <a:r>
-              <a:rPr lang="en-IN" sz="1800" u="none" strike="noStrike" kern="100" dirty="0">
-                <a:solidFill>
-                  <a:srgbClr val="000000"/>
-                </a:solidFill>
-                <a:effectLst/>
-                <a:uFill>
-                  <a:solidFill>
-                    <a:srgbClr val="000000"/>
-                  </a:solidFill>
-                </a:uFill>
-                <a:latin typeface="Times New Roman" panose="02020603050405020304" pitchFamily="18" charset="0"/>
-                <a:ea typeface="Times New Roman" panose="02020603050405020304" pitchFamily="18" charset="0"/>
-                <a:cs typeface="Times New Roman" panose="02020603050405020304" pitchFamily="18" charset="0"/>
-              </a:rPr>
-              <a:t>: Analysis of fear spectrum into a tool to support horror game design for immersion and fear." An International Journal (CGDEIJ) 1, no. 33-43 (2018).</a:t>
-            </a:r>
-          </a:p>
-          <a:p>
-            <a:pPr marL="342900" marR="27305" indent="-342900" algn="just">
+          </a:p>
+          <a:p>
+            <a:pPr marL="285750" indent="-285750">
               <a:lnSpc>
-                <a:spcPct val="107000"/>
+                <a:spcPct val="150000"/>
               </a:lnSpc>
-              <a:spcAft>
-                <a:spcPts val="1060"/>
-              </a:spcAft>
-              <a:buFont typeface="+mj-lt"/>
-              <a:buAutoNum type="arabicPeriod"/>
+              <a:buFont typeface="Arial" pitchFamily="34" charset="0"/>
+              <a:buChar char="•"/>
             </a:pPr>
             <a:r>
-              <a:rPr lang="en-IN" sz="1800" u="none" strike="noStrike" kern="100" dirty="0" err="1">
-                <a:solidFill>
-                  <a:srgbClr val="000000"/>
-                </a:solidFill>
-                <a:effectLst/>
-                <a:uFill>
-                  <a:solidFill>
-                    <a:srgbClr val="000000"/>
-                  </a:solidFill>
-                </a:uFill>
-                <a:latin typeface="Times New Roman" panose="02020603050405020304" pitchFamily="18" charset="0"/>
-                <a:ea typeface="Times New Roman" panose="02020603050405020304" pitchFamily="18" charset="0"/>
-                <a:cs typeface="Times New Roman" panose="02020603050405020304" pitchFamily="18" charset="0"/>
-              </a:rPr>
-              <a:t>Årnell</a:t>
+              <a:rPr lang="en-US" sz="1600" dirty="0"/>
+              <a:t>Nausea</a:t>
             </a:r>
-            <a:r>
-              <a:rPr lang="en-IN" sz="1800" u="none" strike="noStrike" kern="100" dirty="0">
-                <a:solidFill>
-                  <a:srgbClr val="000000"/>
-                </a:solidFill>
-                <a:effectLst/>
-                <a:uFill>
-                  <a:solidFill>
-                    <a:srgbClr val="000000"/>
-                  </a:solidFill>
-                </a:uFill>
-                <a:latin typeface="Times New Roman" panose="02020603050405020304" pitchFamily="18" charset="0"/>
-                <a:ea typeface="Times New Roman" panose="02020603050405020304" pitchFamily="18" charset="0"/>
-                <a:cs typeface="Times New Roman" panose="02020603050405020304" pitchFamily="18" charset="0"/>
-              </a:rPr>
-              <a:t>, Tobias, and Nikola </a:t>
-            </a:r>
-            <a:r>
-              <a:rPr lang="en-IN" sz="1800" u="none" strike="noStrike" kern="100" dirty="0" err="1">
-                <a:solidFill>
-                  <a:srgbClr val="000000"/>
-                </a:solidFill>
-                <a:effectLst/>
-                <a:uFill>
-                  <a:solidFill>
-                    <a:srgbClr val="000000"/>
-                  </a:solidFill>
-                </a:uFill>
-                <a:latin typeface="Times New Roman" panose="02020603050405020304" pitchFamily="18" charset="0"/>
-                <a:ea typeface="Times New Roman" panose="02020603050405020304" pitchFamily="18" charset="0"/>
-                <a:cs typeface="Times New Roman" panose="02020603050405020304" pitchFamily="18" charset="0"/>
-              </a:rPr>
-              <a:t>Stojanovic</a:t>
-            </a:r>
-            <a:r>
-              <a:rPr lang="en-IN" sz="1800" u="none" strike="noStrike" kern="100" dirty="0">
-                <a:solidFill>
-                  <a:srgbClr val="000000"/>
-                </a:solidFill>
-                <a:effectLst/>
-                <a:uFill>
-                  <a:solidFill>
-                    <a:srgbClr val="000000"/>
-                  </a:solidFill>
-                </a:uFill>
-                <a:latin typeface="Times New Roman" panose="02020603050405020304" pitchFamily="18" charset="0"/>
-                <a:ea typeface="Times New Roman" panose="02020603050405020304" pitchFamily="18" charset="0"/>
-                <a:cs typeface="Times New Roman" panose="02020603050405020304" pitchFamily="18" charset="0"/>
-              </a:rPr>
-              <a:t>. "</a:t>
-            </a:r>
-            <a:r>
-              <a:rPr lang="en-IN" sz="1800" i="1" u="none" strike="noStrike" kern="100" dirty="0">
-                <a:solidFill>
-                  <a:srgbClr val="000000"/>
-                </a:solidFill>
-                <a:effectLst/>
-                <a:uFill>
-                  <a:solidFill>
-                    <a:srgbClr val="000000"/>
-                  </a:solidFill>
-                </a:uFill>
-                <a:latin typeface="Times New Roman" panose="02020603050405020304" pitchFamily="18" charset="0"/>
-                <a:ea typeface="Times New Roman" panose="02020603050405020304" pitchFamily="18" charset="0"/>
-                <a:cs typeface="Times New Roman" panose="02020603050405020304" pitchFamily="18" charset="0"/>
-              </a:rPr>
-              <a:t>Horror game design–what </a:t>
-            </a:r>
-            <a:r>
-              <a:rPr lang="en-IN" sz="1800" i="1" u="none" strike="noStrike" kern="100" dirty="0" err="1">
-                <a:solidFill>
-                  <a:srgbClr val="000000"/>
-                </a:solidFill>
-                <a:effectLst/>
-                <a:uFill>
-                  <a:solidFill>
-                    <a:srgbClr val="000000"/>
-                  </a:solidFill>
-                </a:uFill>
-                <a:latin typeface="Times New Roman" panose="02020603050405020304" pitchFamily="18" charset="0"/>
-                <a:ea typeface="Times New Roman" panose="02020603050405020304" pitchFamily="18" charset="0"/>
-                <a:cs typeface="Times New Roman" panose="02020603050405020304" pitchFamily="18" charset="0"/>
-              </a:rPr>
-              <a:t>instills</a:t>
-            </a:r>
-            <a:r>
-              <a:rPr lang="en-IN" sz="1800" i="1" u="none" strike="noStrike" kern="100" dirty="0">
-                <a:solidFill>
-                  <a:srgbClr val="000000"/>
-                </a:solidFill>
-                <a:effectLst/>
-                <a:uFill>
-                  <a:solidFill>
-                    <a:srgbClr val="000000"/>
-                  </a:solidFill>
-                </a:uFill>
-                <a:latin typeface="Times New Roman" panose="02020603050405020304" pitchFamily="18" charset="0"/>
-                <a:ea typeface="Times New Roman" panose="02020603050405020304" pitchFamily="18" charset="0"/>
-                <a:cs typeface="Times New Roman" panose="02020603050405020304" pitchFamily="18" charset="0"/>
-              </a:rPr>
-              <a:t> fear in the player?:</a:t>
-            </a:r>
-            <a:r>
-              <a:rPr lang="en-IN" sz="1800" u="none" strike="noStrike" kern="100" dirty="0">
-                <a:solidFill>
-                  <a:srgbClr val="000000"/>
-                </a:solidFill>
-                <a:effectLst/>
-                <a:uFill>
-                  <a:solidFill>
-                    <a:srgbClr val="000000"/>
-                  </a:solidFill>
-                </a:uFill>
-                <a:latin typeface="Times New Roman" panose="02020603050405020304" pitchFamily="18" charset="0"/>
-                <a:ea typeface="Times New Roman" panose="02020603050405020304" pitchFamily="18" charset="0"/>
-                <a:cs typeface="Times New Roman" panose="02020603050405020304" pitchFamily="18" charset="0"/>
-              </a:rPr>
-              <a:t> A study on the effects of horror game design theories and level design patterns on player behaviour in a horror environment." (2020).</a:t>
-            </a:r>
-          </a:p>
-          <a:p>
-            <a:pPr marL="342900" marR="47625" indent="-342900" algn="just">
+          </a:p>
+          <a:p>
+            <a:pPr marL="285750" indent="-285750">
               <a:lnSpc>
-                <a:spcPct val="107000"/>
+                <a:spcPct val="150000"/>
               </a:lnSpc>
-              <a:spcAft>
-                <a:spcPts val="1060"/>
-              </a:spcAft>
-              <a:buFont typeface="+mj-lt"/>
-              <a:buAutoNum type="arabicPeriod"/>
+              <a:buFont typeface="Arial" pitchFamily="34" charset="0"/>
+              <a:buChar char="•"/>
             </a:pPr>
             <a:r>
-              <a:rPr lang="en-IN" sz="1800" kern="100" dirty="0">
-                <a:solidFill>
-                  <a:srgbClr val="000000"/>
-                </a:solidFill>
-                <a:effectLst/>
-                <a:latin typeface="Times New Roman" panose="02020603050405020304" pitchFamily="18" charset="0"/>
-                <a:ea typeface="Times New Roman" panose="02020603050405020304" pitchFamily="18" charset="0"/>
-              </a:rPr>
-              <a:t> </a:t>
+              <a:rPr lang="en-US" sz="1600" dirty="0"/>
+              <a:t>Multiplayer</a:t>
             </a:r>
-            <a:r>
-              <a:rPr lang="en-IN" sz="1800" u="none" strike="noStrike" kern="100" dirty="0">
-                <a:solidFill>
-                  <a:srgbClr val="000000"/>
-                </a:solidFill>
-                <a:effectLst/>
-                <a:uFill>
-                  <a:solidFill>
-                    <a:srgbClr val="000000"/>
-                  </a:solidFill>
-                </a:uFill>
-                <a:latin typeface="Times New Roman" panose="02020603050405020304" pitchFamily="18" charset="0"/>
-                <a:ea typeface="Times New Roman" panose="02020603050405020304" pitchFamily="18" charset="0"/>
-                <a:cs typeface="Times New Roman" panose="02020603050405020304" pitchFamily="18" charset="0"/>
-              </a:rPr>
-              <a:t>Zhang, </a:t>
-            </a:r>
-            <a:r>
-              <a:rPr lang="en-IN" sz="1800" u="none" strike="noStrike" kern="100" dirty="0" err="1">
-                <a:solidFill>
-                  <a:srgbClr val="000000"/>
-                </a:solidFill>
-                <a:effectLst/>
-                <a:uFill>
-                  <a:solidFill>
-                    <a:srgbClr val="000000"/>
-                  </a:solidFill>
-                </a:uFill>
-                <a:latin typeface="Times New Roman" panose="02020603050405020304" pitchFamily="18" charset="0"/>
-                <a:ea typeface="Times New Roman" panose="02020603050405020304" pitchFamily="18" charset="0"/>
-                <a:cs typeface="Times New Roman" panose="02020603050405020304" pitchFamily="18" charset="0"/>
-              </a:rPr>
-              <a:t>Ziwen</a:t>
-            </a:r>
-            <a:r>
-              <a:rPr lang="en-IN" sz="1800" u="none" strike="noStrike" kern="100" dirty="0">
-                <a:solidFill>
-                  <a:srgbClr val="000000"/>
-                </a:solidFill>
-                <a:effectLst/>
-                <a:uFill>
-                  <a:solidFill>
-                    <a:srgbClr val="000000"/>
-                  </a:solidFill>
-                </a:uFill>
-                <a:latin typeface="Times New Roman" panose="02020603050405020304" pitchFamily="18" charset="0"/>
-                <a:ea typeface="Times New Roman" panose="02020603050405020304" pitchFamily="18" charset="0"/>
-                <a:cs typeface="Times New Roman" panose="02020603050405020304" pitchFamily="18" charset="0"/>
-              </a:rPr>
-              <a:t>. "Analysis of the design aesthetics and player emotions of horror games: Take ‘Little Nightmares’ as a case." (2022).</a:t>
-            </a:r>
-          </a:p>
-          <a:p>
-            <a:pPr marL="342900" marR="27305" indent="-342900" algn="just">
+          </a:p>
+          <a:p>
+            <a:pPr marL="285750" indent="-285750">
               <a:lnSpc>
-                <a:spcPct val="107000"/>
+                <a:spcPct val="150000"/>
               </a:lnSpc>
-              <a:spcAft>
-                <a:spcPts val="1060"/>
-              </a:spcAft>
-              <a:buFont typeface="+mj-lt"/>
-              <a:buAutoNum type="arabicPeriod"/>
+              <a:buFont typeface="Arial" pitchFamily="34" charset="0"/>
+              <a:buChar char="•"/>
             </a:pPr>
             <a:r>
-              <a:rPr lang="en-IN" sz="1800" kern="100" dirty="0">
-                <a:solidFill>
-                  <a:srgbClr val="000000"/>
-                </a:solidFill>
-                <a:effectLst/>
-                <a:latin typeface="Times New Roman" panose="02020603050405020304" pitchFamily="18" charset="0"/>
-                <a:ea typeface="Times New Roman" panose="02020603050405020304" pitchFamily="18" charset="0"/>
-              </a:rPr>
-              <a:t> </a:t>
+              <a:rPr lang="en-US" sz="1600" dirty="0"/>
+              <a:t>DLC</a:t>
             </a:r>
-            <a:r>
-              <a:rPr lang="en-IN" sz="1800" u="none" strike="noStrike" kern="100" dirty="0">
-                <a:solidFill>
-                  <a:srgbClr val="000000"/>
-                </a:solidFill>
-                <a:effectLst/>
-                <a:uFill>
-                  <a:solidFill>
-                    <a:srgbClr val="000000"/>
-                  </a:solidFill>
-                </a:uFill>
-                <a:latin typeface="Times New Roman" panose="02020603050405020304" pitchFamily="18" charset="0"/>
-                <a:ea typeface="Times New Roman" panose="02020603050405020304" pitchFamily="18" charset="0"/>
-                <a:cs typeface="Times New Roman" panose="02020603050405020304" pitchFamily="18" charset="0"/>
-              </a:rPr>
-              <a:t>de Lima, </a:t>
-            </a:r>
-            <a:r>
-              <a:rPr lang="en-IN" sz="1800" u="none" strike="noStrike" kern="100" dirty="0" err="1">
-                <a:solidFill>
-                  <a:srgbClr val="000000"/>
-                </a:solidFill>
-                <a:effectLst/>
-                <a:uFill>
-                  <a:solidFill>
-                    <a:srgbClr val="000000"/>
-                  </a:solidFill>
-                </a:uFill>
-                <a:latin typeface="Times New Roman" panose="02020603050405020304" pitchFamily="18" charset="0"/>
-                <a:ea typeface="Times New Roman" panose="02020603050405020304" pitchFamily="18" charset="0"/>
-                <a:cs typeface="Times New Roman" panose="02020603050405020304" pitchFamily="18" charset="0"/>
-              </a:rPr>
-              <a:t>Edirlei</a:t>
-            </a:r>
-            <a:r>
-              <a:rPr lang="en-IN" sz="1800" u="none" strike="noStrike" kern="100" dirty="0">
-                <a:solidFill>
-                  <a:srgbClr val="000000"/>
-                </a:solidFill>
-                <a:effectLst/>
-                <a:uFill>
-                  <a:solidFill>
-                    <a:srgbClr val="000000"/>
-                  </a:solidFill>
-                </a:uFill>
-                <a:latin typeface="Times New Roman" panose="02020603050405020304" pitchFamily="18" charset="0"/>
-                <a:ea typeface="Times New Roman" panose="02020603050405020304" pitchFamily="18" charset="0"/>
-                <a:cs typeface="Times New Roman" panose="02020603050405020304" pitchFamily="18" charset="0"/>
-              </a:rPr>
-              <a:t> Soares, Bruno MC Silva, and Gabriel Teixeira </a:t>
-            </a:r>
-            <a:r>
-              <a:rPr lang="en-IN" sz="1800" u="none" strike="noStrike" kern="100" dirty="0" err="1">
-                <a:solidFill>
-                  <a:srgbClr val="000000"/>
-                </a:solidFill>
-                <a:effectLst/>
-                <a:uFill>
-                  <a:solidFill>
-                    <a:srgbClr val="000000"/>
-                  </a:solidFill>
-                </a:uFill>
-                <a:latin typeface="Times New Roman" panose="02020603050405020304" pitchFamily="18" charset="0"/>
-                <a:ea typeface="Times New Roman" panose="02020603050405020304" pitchFamily="18" charset="0"/>
-                <a:cs typeface="Times New Roman" panose="02020603050405020304" pitchFamily="18" charset="0"/>
-              </a:rPr>
-              <a:t>Galam</a:t>
-            </a:r>
-            <a:r>
-              <a:rPr lang="en-IN" sz="1800" u="none" strike="noStrike" kern="100" dirty="0">
-                <a:solidFill>
-                  <a:srgbClr val="000000"/>
-                </a:solidFill>
-                <a:effectLst/>
-                <a:uFill>
-                  <a:solidFill>
-                    <a:srgbClr val="000000"/>
-                  </a:solidFill>
-                </a:uFill>
-                <a:latin typeface="Times New Roman" panose="02020603050405020304" pitchFamily="18" charset="0"/>
-                <a:ea typeface="Times New Roman" panose="02020603050405020304" pitchFamily="18" charset="0"/>
-                <a:cs typeface="Times New Roman" panose="02020603050405020304" pitchFamily="18" charset="0"/>
-              </a:rPr>
-              <a:t>. "Adaptive virtual reality horror games based on Machine learning and player </a:t>
-            </a:r>
-            <a:r>
-              <a:rPr lang="en-IN" sz="1800" u="none" strike="noStrike" kern="100" dirty="0" err="1">
-                <a:solidFill>
-                  <a:srgbClr val="000000"/>
-                </a:solidFill>
-                <a:effectLst/>
-                <a:uFill>
-                  <a:solidFill>
-                    <a:srgbClr val="000000"/>
-                  </a:solidFill>
-                </a:uFill>
-                <a:latin typeface="Times New Roman" panose="02020603050405020304" pitchFamily="18" charset="0"/>
-                <a:ea typeface="Times New Roman" panose="02020603050405020304" pitchFamily="18" charset="0"/>
-                <a:cs typeface="Times New Roman" panose="02020603050405020304" pitchFamily="18" charset="0"/>
-              </a:rPr>
-              <a:t>modeling</a:t>
-            </a:r>
-            <a:r>
-              <a:rPr lang="en-IN" sz="1800" u="none" strike="noStrike" kern="100" dirty="0">
-                <a:solidFill>
-                  <a:srgbClr val="000000"/>
-                </a:solidFill>
-                <a:effectLst/>
-                <a:uFill>
-                  <a:solidFill>
-                    <a:srgbClr val="000000"/>
-                  </a:solidFill>
-                </a:uFill>
-                <a:latin typeface="Times New Roman" panose="02020603050405020304" pitchFamily="18" charset="0"/>
-                <a:ea typeface="Times New Roman" panose="02020603050405020304" pitchFamily="18" charset="0"/>
-                <a:cs typeface="Times New Roman" panose="02020603050405020304" pitchFamily="18" charset="0"/>
-              </a:rPr>
-              <a:t>." Entertainment Computing 43 (2022): 100515.</a:t>
-            </a:r>
-          </a:p>
-          <a:p>
-            <a:pPr marL="342900" marR="27305" indent="-342900" algn="just">
+          </a:p>
+          <a:p>
+            <a:pPr marL="285750" indent="-285750">
               <a:lnSpc>
-                <a:spcPct val="107000"/>
+                <a:spcPct val="150000"/>
               </a:lnSpc>
-              <a:spcAft>
-                <a:spcPts val="1060"/>
-              </a:spcAft>
-              <a:buFont typeface="+mj-lt"/>
-              <a:buAutoNum type="arabicPeriod"/>
+              <a:buFont typeface="Arial" pitchFamily="34" charset="0"/>
+              <a:buChar char="•"/>
             </a:pPr>
             <a:r>
-              <a:rPr lang="en-IN" sz="1800" kern="100" dirty="0">
-                <a:solidFill>
-                  <a:srgbClr val="000000"/>
-                </a:solidFill>
-                <a:effectLst/>
-                <a:latin typeface="Times New Roman" panose="02020603050405020304" pitchFamily="18" charset="0"/>
-                <a:ea typeface="Times New Roman" panose="02020603050405020304" pitchFamily="18" charset="0"/>
-              </a:rPr>
-              <a:t> </a:t>
+              <a:rPr lang="en-US" sz="1600" dirty="0"/>
+              <a:t>Optimization</a:t>
             </a:r>
-            <a:r>
-              <a:rPr lang="en-IN" sz="1800" u="none" strike="noStrike" kern="100" dirty="0">
-                <a:solidFill>
-                  <a:srgbClr val="000000"/>
-                </a:solidFill>
-                <a:effectLst/>
-                <a:uFill>
-                  <a:solidFill>
-                    <a:srgbClr val="000000"/>
-                  </a:solidFill>
-                </a:uFill>
-                <a:latin typeface="Times New Roman" panose="02020603050405020304" pitchFamily="18" charset="0"/>
-                <a:ea typeface="Times New Roman" panose="02020603050405020304" pitchFamily="18" charset="0"/>
-                <a:cs typeface="Times New Roman" panose="02020603050405020304" pitchFamily="18" charset="0"/>
-              </a:rPr>
-              <a:t>Lin, Jih-</a:t>
-            </a:r>
-            <a:r>
-              <a:rPr lang="en-IN" sz="1800" u="none" strike="noStrike" kern="100" dirty="0" err="1">
-                <a:solidFill>
-                  <a:srgbClr val="000000"/>
-                </a:solidFill>
-                <a:effectLst/>
-                <a:uFill>
-                  <a:solidFill>
-                    <a:srgbClr val="000000"/>
-                  </a:solidFill>
-                </a:uFill>
-                <a:latin typeface="Times New Roman" panose="02020603050405020304" pitchFamily="18" charset="0"/>
-                <a:ea typeface="Times New Roman" panose="02020603050405020304" pitchFamily="18" charset="0"/>
-                <a:cs typeface="Times New Roman" panose="02020603050405020304" pitchFamily="18" charset="0"/>
-              </a:rPr>
-              <a:t>Hsuan</a:t>
-            </a:r>
-            <a:r>
-              <a:rPr lang="en-IN" sz="1800" u="none" strike="noStrike" kern="100" dirty="0">
-                <a:solidFill>
-                  <a:srgbClr val="000000"/>
-                </a:solidFill>
-                <a:effectLst/>
-                <a:uFill>
-                  <a:solidFill>
-                    <a:srgbClr val="000000"/>
-                  </a:solidFill>
-                </a:uFill>
-                <a:latin typeface="Times New Roman" panose="02020603050405020304" pitchFamily="18" charset="0"/>
-                <a:ea typeface="Times New Roman" panose="02020603050405020304" pitchFamily="18" charset="0"/>
-                <a:cs typeface="Times New Roman" panose="02020603050405020304" pitchFamily="18" charset="0"/>
-              </a:rPr>
-              <a:t> Tammy, Dai-Yun Wu, and Chen-Chao Tao. "So scary, yet so fun: The role of self-efficacy in enjoyment of a virtual reality horror game." New Media &amp; Society 20, no. 9 (2018): 3223-3242.</a:t>
-            </a:r>
-          </a:p>
-          <a:p>
-            <a:pPr marL="342900" marR="27305" indent="-342900" algn="just">
-              <a:lnSpc>
-                <a:spcPct val="107000"/>
-              </a:lnSpc>
-              <a:spcAft>
-                <a:spcPts val="1060"/>
-              </a:spcAft>
-              <a:buFont typeface="+mj-lt"/>
-              <a:buAutoNum type="arabicPeriod"/>
-            </a:pPr>
-            <a:r>
-              <a:rPr lang="en-IN" sz="1800" kern="100" dirty="0">
-                <a:solidFill>
-                  <a:srgbClr val="000000"/>
-                </a:solidFill>
-                <a:effectLst/>
-                <a:latin typeface="Times New Roman" panose="02020603050405020304" pitchFamily="18" charset="0"/>
-                <a:ea typeface="Times New Roman" panose="02020603050405020304" pitchFamily="18" charset="0"/>
-              </a:rPr>
-              <a:t> </a:t>
-            </a:r>
-            <a:r>
-              <a:rPr lang="en-IN" sz="1800" u="none" strike="noStrike" kern="100" dirty="0">
-                <a:solidFill>
-                  <a:srgbClr val="000000"/>
-                </a:solidFill>
-                <a:effectLst/>
-                <a:uFill>
-                  <a:solidFill>
-                    <a:srgbClr val="000000"/>
-                  </a:solidFill>
-                </a:uFill>
-                <a:latin typeface="Times New Roman" panose="02020603050405020304" pitchFamily="18" charset="0"/>
-                <a:ea typeface="Times New Roman" panose="02020603050405020304" pitchFamily="18" charset="0"/>
-                <a:cs typeface="Times New Roman" panose="02020603050405020304" pitchFamily="18" charset="0"/>
-              </a:rPr>
-              <a:t>Lin, Tammy Jin-</a:t>
-            </a:r>
-            <a:r>
-              <a:rPr lang="en-IN" sz="1800" u="none" strike="noStrike" kern="100" dirty="0" err="1">
-                <a:solidFill>
-                  <a:srgbClr val="000000"/>
-                </a:solidFill>
-                <a:effectLst/>
-                <a:uFill>
-                  <a:solidFill>
-                    <a:srgbClr val="000000"/>
-                  </a:solidFill>
-                </a:uFill>
-                <a:latin typeface="Times New Roman" panose="02020603050405020304" pitchFamily="18" charset="0"/>
-                <a:ea typeface="Times New Roman" panose="02020603050405020304" pitchFamily="18" charset="0"/>
-                <a:cs typeface="Times New Roman" panose="02020603050405020304" pitchFamily="18" charset="0"/>
-              </a:rPr>
-              <a:t>Hsuan</a:t>
-            </a:r>
-            <a:r>
-              <a:rPr lang="en-IN" sz="1800" u="none" strike="noStrike" kern="100" dirty="0">
-                <a:solidFill>
-                  <a:srgbClr val="000000"/>
-                </a:solidFill>
-                <a:effectLst/>
-                <a:uFill>
-                  <a:solidFill>
-                    <a:srgbClr val="000000"/>
-                  </a:solidFill>
-                </a:uFill>
-                <a:latin typeface="Times New Roman" panose="02020603050405020304" pitchFamily="18" charset="0"/>
-                <a:ea typeface="Times New Roman" panose="02020603050405020304" pitchFamily="18" charset="0"/>
-                <a:cs typeface="Times New Roman" panose="02020603050405020304" pitchFamily="18" charset="0"/>
-              </a:rPr>
-              <a:t>. "Virtual Reality Horror Games and Fear in Gaming." In Oxford Research </a:t>
-            </a:r>
-            <a:r>
-              <a:rPr lang="en-IN" sz="1800" u="none" strike="noStrike" kern="100" dirty="0" err="1">
-                <a:solidFill>
-                  <a:srgbClr val="000000"/>
-                </a:solidFill>
-                <a:effectLst/>
-                <a:uFill>
-                  <a:solidFill>
-                    <a:srgbClr val="000000"/>
-                  </a:solidFill>
-                </a:uFill>
-                <a:latin typeface="Times New Roman" panose="02020603050405020304" pitchFamily="18" charset="0"/>
-                <a:ea typeface="Times New Roman" panose="02020603050405020304" pitchFamily="18" charset="0"/>
-                <a:cs typeface="Times New Roman" panose="02020603050405020304" pitchFamily="18" charset="0"/>
-              </a:rPr>
-              <a:t>Encyclopedia</a:t>
-            </a:r>
-            <a:r>
-              <a:rPr lang="en-IN" sz="1800" u="none" strike="noStrike" kern="100" dirty="0">
-                <a:solidFill>
-                  <a:srgbClr val="000000"/>
-                </a:solidFill>
-                <a:effectLst/>
-                <a:uFill>
-                  <a:solidFill>
-                    <a:srgbClr val="000000"/>
-                  </a:solidFill>
-                </a:uFill>
-                <a:latin typeface="Times New Roman" panose="02020603050405020304" pitchFamily="18" charset="0"/>
-                <a:ea typeface="Times New Roman" panose="02020603050405020304" pitchFamily="18" charset="0"/>
-                <a:cs typeface="Times New Roman" panose="02020603050405020304" pitchFamily="18" charset="0"/>
-              </a:rPr>
-              <a:t> of Communication. 2023.</a:t>
-            </a:r>
-          </a:p>
-          <a:p>
-            <a:pPr marL="342900" marR="27305" indent="-342900" algn="just">
-              <a:lnSpc>
-                <a:spcPct val="107000"/>
-              </a:lnSpc>
-              <a:spcAft>
-                <a:spcPts val="1060"/>
-              </a:spcAft>
-              <a:buFont typeface="+mj-lt"/>
-              <a:buAutoNum type="arabicPeriod"/>
-            </a:pPr>
-            <a:r>
-              <a:rPr lang="en-IN" sz="1800" kern="100" dirty="0">
-                <a:solidFill>
-                  <a:srgbClr val="000000"/>
-                </a:solidFill>
-                <a:effectLst/>
-                <a:latin typeface="Times New Roman" panose="02020603050405020304" pitchFamily="18" charset="0"/>
-                <a:ea typeface="Times New Roman" panose="02020603050405020304" pitchFamily="18" charset="0"/>
-              </a:rPr>
-              <a:t> </a:t>
-            </a:r>
-            <a:r>
-              <a:rPr lang="en-IN" sz="1800" u="none" strike="noStrike" kern="100" dirty="0">
-                <a:solidFill>
-                  <a:srgbClr val="000000"/>
-                </a:solidFill>
-                <a:effectLst/>
-                <a:uFill>
-                  <a:solidFill>
-                    <a:srgbClr val="000000"/>
-                  </a:solidFill>
-                </a:uFill>
-                <a:latin typeface="Times New Roman" panose="02020603050405020304" pitchFamily="18" charset="0"/>
-                <a:ea typeface="Times New Roman" panose="02020603050405020304" pitchFamily="18" charset="0"/>
-                <a:cs typeface="Times New Roman" panose="02020603050405020304" pitchFamily="18" charset="0"/>
-              </a:rPr>
-              <a:t>Bian, </a:t>
-            </a:r>
-            <a:r>
-              <a:rPr lang="en-IN" sz="1800" u="none" strike="noStrike" kern="100" dirty="0" err="1">
-                <a:solidFill>
-                  <a:srgbClr val="000000"/>
-                </a:solidFill>
-                <a:effectLst/>
-                <a:uFill>
-                  <a:solidFill>
-                    <a:srgbClr val="000000"/>
-                  </a:solidFill>
-                </a:uFill>
-                <a:latin typeface="Times New Roman" panose="02020603050405020304" pitchFamily="18" charset="0"/>
-                <a:ea typeface="Times New Roman" panose="02020603050405020304" pitchFamily="18" charset="0"/>
-                <a:cs typeface="Times New Roman" panose="02020603050405020304" pitchFamily="18" charset="0"/>
-              </a:rPr>
-              <a:t>Shijie</a:t>
-            </a:r>
-            <a:r>
-              <a:rPr lang="en-IN" sz="1800" u="none" strike="noStrike" kern="100" dirty="0">
-                <a:solidFill>
-                  <a:srgbClr val="000000"/>
-                </a:solidFill>
-                <a:effectLst/>
-                <a:uFill>
-                  <a:solidFill>
-                    <a:srgbClr val="000000"/>
-                  </a:solidFill>
-                </a:uFill>
-                <a:latin typeface="Times New Roman" panose="02020603050405020304" pitchFamily="18" charset="0"/>
-                <a:ea typeface="Times New Roman" panose="02020603050405020304" pitchFamily="18" charset="0"/>
-                <a:cs typeface="Times New Roman" panose="02020603050405020304" pitchFamily="18" charset="0"/>
-              </a:rPr>
-              <a:t>. "Research on the Application of VR in Games." Highlights in Science, Engineering and Technology 39 (2023): 389-394.</a:t>
-            </a:r>
-          </a:p>
-          <a:p>
-            <a:pPr marL="342900" marR="27305" indent="-342900" algn="just">
-              <a:lnSpc>
-                <a:spcPct val="107000"/>
-              </a:lnSpc>
-              <a:spcAft>
-                <a:spcPts val="1060"/>
-              </a:spcAft>
-              <a:buFont typeface="+mj-lt"/>
-              <a:buAutoNum type="arabicPeriod"/>
-            </a:pPr>
-            <a:r>
-              <a:rPr lang="en-IN" sz="1800" kern="100" dirty="0">
-                <a:solidFill>
-                  <a:srgbClr val="000000"/>
-                </a:solidFill>
-                <a:effectLst/>
-                <a:latin typeface="Times New Roman" panose="02020603050405020304" pitchFamily="18" charset="0"/>
-                <a:ea typeface="Times New Roman" panose="02020603050405020304" pitchFamily="18" charset="0"/>
-              </a:rPr>
-              <a:t> </a:t>
-            </a:r>
-            <a:r>
-              <a:rPr lang="en-IN" sz="1800" u="none" strike="noStrike" kern="100" dirty="0">
-                <a:solidFill>
-                  <a:srgbClr val="000000"/>
-                </a:solidFill>
-                <a:effectLst/>
-                <a:uFill>
-                  <a:solidFill>
-                    <a:srgbClr val="000000"/>
-                  </a:solidFill>
-                </a:uFill>
-                <a:latin typeface="Times New Roman" panose="02020603050405020304" pitchFamily="18" charset="0"/>
-                <a:ea typeface="Times New Roman" panose="02020603050405020304" pitchFamily="18" charset="0"/>
-                <a:cs typeface="Times New Roman" panose="02020603050405020304" pitchFamily="18" charset="0"/>
-              </a:rPr>
-              <a:t>Zhang, </a:t>
-            </a:r>
-            <a:r>
-              <a:rPr lang="en-IN" sz="1800" u="none" strike="noStrike" kern="100" dirty="0" err="1">
-                <a:solidFill>
-                  <a:srgbClr val="000000"/>
-                </a:solidFill>
-                <a:effectLst/>
-                <a:uFill>
-                  <a:solidFill>
-                    <a:srgbClr val="000000"/>
-                  </a:solidFill>
-                </a:uFill>
-                <a:latin typeface="Times New Roman" panose="02020603050405020304" pitchFamily="18" charset="0"/>
-                <a:ea typeface="Times New Roman" panose="02020603050405020304" pitchFamily="18" charset="0"/>
-                <a:cs typeface="Times New Roman" panose="02020603050405020304" pitchFamily="18" charset="0"/>
-              </a:rPr>
-              <a:t>Ruiqi</a:t>
-            </a:r>
-            <a:r>
-              <a:rPr lang="en-IN" sz="1800" u="none" strike="noStrike" kern="100" dirty="0">
-                <a:solidFill>
-                  <a:srgbClr val="000000"/>
-                </a:solidFill>
-                <a:effectLst/>
-                <a:uFill>
-                  <a:solidFill>
-                    <a:srgbClr val="000000"/>
-                  </a:solidFill>
-                </a:uFill>
-                <a:latin typeface="Times New Roman" panose="02020603050405020304" pitchFamily="18" charset="0"/>
-                <a:ea typeface="Times New Roman" panose="02020603050405020304" pitchFamily="18" charset="0"/>
-                <a:cs typeface="Times New Roman" panose="02020603050405020304" pitchFamily="18" charset="0"/>
-              </a:rPr>
-              <a:t>. "Research on the Progress of VR in Game." Highlights in Science, Engineering and Technology 39 (2023): 103-110. </a:t>
-            </a:r>
-            <a:endParaRPr lang="en-IN" sz="1600" dirty="0">
-              <a:latin typeface="Times New Roman" pitchFamily="18" charset="0"/>
-              <a:cs typeface="Times New Roman" pitchFamily="18" charset="0"/>
-            </a:endParaRPr>
+            <a:endParaRPr lang="en-IN" sz="1600" dirty="0"/>
           </a:p>
         </p:txBody>
       </p:sp>
@@ -23541,9 +23011,9 @@
           <a:p>
             <a:fld id="{A174D43B-D405-4C66-AAFC-12F687A583A3}" type="datetime1">
               <a:rPr lang="en-US" smtClean="0"/>
-              <a:t>4/3/2024</a:t>
+              <a:t>4/4/2024</a:t>
             </a:fld>
-            <a:endParaRPr lang="en-US"/>
+            <a:endParaRPr lang="en-US" dirty="0"/>
           </a:p>
         </p:txBody>
       </p:sp>
@@ -23631,8 +23101,8 @@
         </p:nvSpPr>
         <p:spPr>
           <a:xfrm>
-            <a:off x="748723" y="3314797"/>
-            <a:ext cx="9171709" cy="1338828"/>
+            <a:off x="782345" y="1948423"/>
+            <a:ext cx="9171709" cy="579967"/>
           </a:xfrm>
           <a:prstGeom prst="rect">
             <a:avLst/>
@@ -23651,19 +23121,720 @@
               </a:lnSpc>
             </a:pPr>
             <a:r>
-              <a:rPr lang="en-US" sz="5400" b="1" dirty="0">
+              <a:rPr lang="en-US" sz="2400" b="1" dirty="0">
                 <a:latin typeface="Times New Roman" pitchFamily="18" charset="0"/>
                 <a:cs typeface="Times New Roman" pitchFamily="18" charset="0"/>
               </a:rPr>
-              <a:t>Thank You </a:t>
+              <a:t>References</a:t>
             </a:r>
+          </a:p>
+        </p:txBody>
+      </p:sp>
+      <p:sp>
+        <p:nvSpPr>
+          <p:cNvPr id="9" name="TextBox 8"/>
+          <p:cNvSpPr txBox="1"/>
+          <p:nvPr/>
+        </p:nvSpPr>
+        <p:spPr>
+          <a:xfrm>
+            <a:off x="1090830" y="2756349"/>
+            <a:ext cx="8381752" cy="3314497"/>
+          </a:xfrm>
+          <a:prstGeom prst="rect">
+            <a:avLst/>
+          </a:prstGeom>
+          <a:noFill/>
+        </p:spPr>
+        <p:txBody>
+          <a:bodyPr wrap="square" rtlCol="0">
+            <a:spAutoFit/>
+          </a:bodyPr>
+          <a:lstStyle/>
+          <a:p>
+            <a:pPr marL="342900" marR="27305" indent="-342900" algn="just">
+              <a:lnSpc>
+                <a:spcPct val="107000"/>
+              </a:lnSpc>
+              <a:spcAft>
+                <a:spcPts val="1060"/>
+              </a:spcAft>
+              <a:buFont typeface="+mj-lt"/>
+              <a:buAutoNum type="arabicPeriod"/>
+            </a:pPr>
+            <a:r>
+              <a:rPr lang="en-IN" sz="1050" u="none" strike="noStrike" kern="100" dirty="0" err="1">
+                <a:solidFill>
+                  <a:srgbClr val="000000"/>
+                </a:solidFill>
+                <a:effectLst/>
+                <a:uFill>
+                  <a:solidFill>
+                    <a:srgbClr val="000000"/>
+                  </a:solidFill>
+                </a:uFill>
+                <a:latin typeface="+mn-lt"/>
+                <a:ea typeface="Times New Roman" panose="02020603050405020304" pitchFamily="18" charset="0"/>
+                <a:cs typeface="Times New Roman" panose="02020603050405020304" pitchFamily="18" charset="0"/>
+              </a:rPr>
+              <a:t>Ntokos</a:t>
+            </a:r>
+            <a:r>
+              <a:rPr lang="en-IN" sz="1050" u="none" strike="noStrike" kern="100" dirty="0">
+                <a:solidFill>
+                  <a:srgbClr val="000000"/>
+                </a:solidFill>
+                <a:effectLst/>
+                <a:uFill>
+                  <a:solidFill>
+                    <a:srgbClr val="000000"/>
+                  </a:solidFill>
+                </a:uFill>
+                <a:latin typeface="+mn-lt"/>
+                <a:ea typeface="Times New Roman" panose="02020603050405020304" pitchFamily="18" charset="0"/>
+                <a:cs typeface="Times New Roman" panose="02020603050405020304" pitchFamily="18" charset="0"/>
+              </a:rPr>
+              <a:t>, Konstantinos. </a:t>
+            </a:r>
+            <a:r>
+              <a:rPr lang="en-IN" sz="1050" i="1" u="none" strike="noStrike" kern="100" dirty="0">
+                <a:solidFill>
+                  <a:srgbClr val="000000"/>
+                </a:solidFill>
+                <a:effectLst/>
+                <a:uFill>
+                  <a:solidFill>
+                    <a:srgbClr val="000000"/>
+                  </a:solidFill>
+                </a:uFill>
+                <a:latin typeface="+mn-lt"/>
+                <a:ea typeface="Times New Roman" panose="02020603050405020304" pitchFamily="18" charset="0"/>
+                <a:cs typeface="Times New Roman" panose="02020603050405020304" pitchFamily="18" charset="0"/>
+              </a:rPr>
+              <a:t>"Level of fear”</a:t>
+            </a:r>
+            <a:r>
+              <a:rPr lang="en-IN" sz="1050" u="none" strike="noStrike" kern="100" dirty="0">
+                <a:solidFill>
+                  <a:srgbClr val="000000"/>
+                </a:solidFill>
+                <a:effectLst/>
+                <a:uFill>
+                  <a:solidFill>
+                    <a:srgbClr val="000000"/>
+                  </a:solidFill>
+                </a:uFill>
+                <a:latin typeface="+mn-lt"/>
+                <a:ea typeface="Times New Roman" panose="02020603050405020304" pitchFamily="18" charset="0"/>
+                <a:cs typeface="Times New Roman" panose="02020603050405020304" pitchFamily="18" charset="0"/>
+              </a:rPr>
+              <a:t>: Analysis of fear spectrum into a tool to support horror game design for immersion and fear." An International Journal (CGDEIJ) 1, no. 33-43 (2018).</a:t>
+            </a:r>
+          </a:p>
+          <a:p>
+            <a:pPr marL="342900" marR="27305" indent="-342900" algn="just">
+              <a:lnSpc>
+                <a:spcPct val="107000"/>
+              </a:lnSpc>
+              <a:spcAft>
+                <a:spcPts val="1060"/>
+              </a:spcAft>
+              <a:buFont typeface="+mj-lt"/>
+              <a:buAutoNum type="arabicPeriod"/>
+            </a:pPr>
+            <a:r>
+              <a:rPr lang="en-IN" sz="1050" u="none" strike="noStrike" kern="100" dirty="0" err="1">
+                <a:solidFill>
+                  <a:srgbClr val="000000"/>
+                </a:solidFill>
+                <a:effectLst/>
+                <a:uFill>
+                  <a:solidFill>
+                    <a:srgbClr val="000000"/>
+                  </a:solidFill>
+                </a:uFill>
+                <a:latin typeface="+mn-lt"/>
+                <a:ea typeface="Times New Roman" panose="02020603050405020304" pitchFamily="18" charset="0"/>
+                <a:cs typeface="Times New Roman" panose="02020603050405020304" pitchFamily="18" charset="0"/>
+              </a:rPr>
+              <a:t>Årnell</a:t>
+            </a:r>
+            <a:r>
+              <a:rPr lang="en-IN" sz="1050" u="none" strike="noStrike" kern="100" dirty="0">
+                <a:solidFill>
+                  <a:srgbClr val="000000"/>
+                </a:solidFill>
+                <a:effectLst/>
+                <a:uFill>
+                  <a:solidFill>
+                    <a:srgbClr val="000000"/>
+                  </a:solidFill>
+                </a:uFill>
+                <a:latin typeface="+mn-lt"/>
+                <a:ea typeface="Times New Roman" panose="02020603050405020304" pitchFamily="18" charset="0"/>
+                <a:cs typeface="Times New Roman" panose="02020603050405020304" pitchFamily="18" charset="0"/>
+              </a:rPr>
+              <a:t>, Tobias, and Nikola </a:t>
+            </a:r>
+            <a:r>
+              <a:rPr lang="en-IN" sz="1050" u="none" strike="noStrike" kern="100" dirty="0" err="1">
+                <a:solidFill>
+                  <a:srgbClr val="000000"/>
+                </a:solidFill>
+                <a:effectLst/>
+                <a:uFill>
+                  <a:solidFill>
+                    <a:srgbClr val="000000"/>
+                  </a:solidFill>
+                </a:uFill>
+                <a:latin typeface="+mn-lt"/>
+                <a:ea typeface="Times New Roman" panose="02020603050405020304" pitchFamily="18" charset="0"/>
+                <a:cs typeface="Times New Roman" panose="02020603050405020304" pitchFamily="18" charset="0"/>
+              </a:rPr>
+              <a:t>Stojanovic</a:t>
+            </a:r>
+            <a:r>
+              <a:rPr lang="en-IN" sz="1050" u="none" strike="noStrike" kern="100" dirty="0">
+                <a:solidFill>
+                  <a:srgbClr val="000000"/>
+                </a:solidFill>
+                <a:effectLst/>
+                <a:uFill>
+                  <a:solidFill>
+                    <a:srgbClr val="000000"/>
+                  </a:solidFill>
+                </a:uFill>
+                <a:latin typeface="+mn-lt"/>
+                <a:ea typeface="Times New Roman" panose="02020603050405020304" pitchFamily="18" charset="0"/>
+                <a:cs typeface="Times New Roman" panose="02020603050405020304" pitchFamily="18" charset="0"/>
+              </a:rPr>
+              <a:t>. "</a:t>
+            </a:r>
+            <a:r>
+              <a:rPr lang="en-IN" sz="1050" i="1" u="none" strike="noStrike" kern="100" dirty="0">
+                <a:solidFill>
+                  <a:srgbClr val="000000"/>
+                </a:solidFill>
+                <a:effectLst/>
+                <a:uFill>
+                  <a:solidFill>
+                    <a:srgbClr val="000000"/>
+                  </a:solidFill>
+                </a:uFill>
+                <a:latin typeface="+mn-lt"/>
+                <a:ea typeface="Times New Roman" panose="02020603050405020304" pitchFamily="18" charset="0"/>
+                <a:cs typeface="Times New Roman" panose="02020603050405020304" pitchFamily="18" charset="0"/>
+              </a:rPr>
+              <a:t>Horror game design–what </a:t>
+            </a:r>
+            <a:r>
+              <a:rPr lang="en-IN" sz="1050" i="1" u="none" strike="noStrike" kern="100" dirty="0" err="1">
+                <a:solidFill>
+                  <a:srgbClr val="000000"/>
+                </a:solidFill>
+                <a:effectLst/>
+                <a:uFill>
+                  <a:solidFill>
+                    <a:srgbClr val="000000"/>
+                  </a:solidFill>
+                </a:uFill>
+                <a:latin typeface="+mn-lt"/>
+                <a:ea typeface="Times New Roman" panose="02020603050405020304" pitchFamily="18" charset="0"/>
+                <a:cs typeface="Times New Roman" panose="02020603050405020304" pitchFamily="18" charset="0"/>
+              </a:rPr>
+              <a:t>instills</a:t>
+            </a:r>
+            <a:r>
+              <a:rPr lang="en-IN" sz="1050" i="1" u="none" strike="noStrike" kern="100" dirty="0">
+                <a:solidFill>
+                  <a:srgbClr val="000000"/>
+                </a:solidFill>
+                <a:effectLst/>
+                <a:uFill>
+                  <a:solidFill>
+                    <a:srgbClr val="000000"/>
+                  </a:solidFill>
+                </a:uFill>
+                <a:latin typeface="+mn-lt"/>
+                <a:ea typeface="Times New Roman" panose="02020603050405020304" pitchFamily="18" charset="0"/>
+                <a:cs typeface="Times New Roman" panose="02020603050405020304" pitchFamily="18" charset="0"/>
+              </a:rPr>
+              <a:t> fear in the player?:</a:t>
+            </a:r>
+            <a:r>
+              <a:rPr lang="en-IN" sz="1050" u="none" strike="noStrike" kern="100" dirty="0">
+                <a:solidFill>
+                  <a:srgbClr val="000000"/>
+                </a:solidFill>
+                <a:effectLst/>
+                <a:uFill>
+                  <a:solidFill>
+                    <a:srgbClr val="000000"/>
+                  </a:solidFill>
+                </a:uFill>
+                <a:latin typeface="+mn-lt"/>
+                <a:ea typeface="Times New Roman" panose="02020603050405020304" pitchFamily="18" charset="0"/>
+                <a:cs typeface="Times New Roman" panose="02020603050405020304" pitchFamily="18" charset="0"/>
+              </a:rPr>
+              <a:t> A study on the effects of horror game design theories and level design patterns on player behaviour in a horror environment." (2020).</a:t>
+            </a:r>
+          </a:p>
+          <a:p>
+            <a:pPr marL="342900" marR="47625" indent="-342900" algn="just">
+              <a:lnSpc>
+                <a:spcPct val="107000"/>
+              </a:lnSpc>
+              <a:spcAft>
+                <a:spcPts val="1060"/>
+              </a:spcAft>
+              <a:buFont typeface="+mj-lt"/>
+              <a:buAutoNum type="arabicPeriod"/>
+            </a:pPr>
+            <a:r>
+              <a:rPr lang="en-IN" sz="1050" u="none" strike="noStrike" kern="100" dirty="0">
+                <a:solidFill>
+                  <a:srgbClr val="000000"/>
+                </a:solidFill>
+                <a:effectLst/>
+                <a:uFill>
+                  <a:solidFill>
+                    <a:srgbClr val="000000"/>
+                  </a:solidFill>
+                </a:uFill>
+                <a:latin typeface="+mn-lt"/>
+                <a:ea typeface="Times New Roman" panose="02020603050405020304" pitchFamily="18" charset="0"/>
+                <a:cs typeface="Times New Roman" panose="02020603050405020304" pitchFamily="18" charset="0"/>
+              </a:rPr>
+              <a:t>Zhang, </a:t>
+            </a:r>
+            <a:r>
+              <a:rPr lang="en-IN" sz="1050" u="none" strike="noStrike" kern="100" dirty="0" err="1">
+                <a:solidFill>
+                  <a:srgbClr val="000000"/>
+                </a:solidFill>
+                <a:effectLst/>
+                <a:uFill>
+                  <a:solidFill>
+                    <a:srgbClr val="000000"/>
+                  </a:solidFill>
+                </a:uFill>
+                <a:latin typeface="+mn-lt"/>
+                <a:ea typeface="Times New Roman" panose="02020603050405020304" pitchFamily="18" charset="0"/>
+                <a:cs typeface="Times New Roman" panose="02020603050405020304" pitchFamily="18" charset="0"/>
+              </a:rPr>
+              <a:t>Ziwen</a:t>
+            </a:r>
+            <a:r>
+              <a:rPr lang="en-IN" sz="1050" u="none" strike="noStrike" kern="100" dirty="0">
+                <a:solidFill>
+                  <a:srgbClr val="000000"/>
+                </a:solidFill>
+                <a:effectLst/>
+                <a:uFill>
+                  <a:solidFill>
+                    <a:srgbClr val="000000"/>
+                  </a:solidFill>
+                </a:uFill>
+                <a:latin typeface="+mn-lt"/>
+                <a:ea typeface="Times New Roman" panose="02020603050405020304" pitchFamily="18" charset="0"/>
+                <a:cs typeface="Times New Roman" panose="02020603050405020304" pitchFamily="18" charset="0"/>
+              </a:rPr>
+              <a:t>. "Analysis of the design aesthetics and player emotions of horror games: Take ‘Little Nightmares’ as a case." (2022).</a:t>
+            </a:r>
+          </a:p>
+          <a:p>
+            <a:pPr marL="342900" marR="27305" indent="-342900" algn="just">
+              <a:lnSpc>
+                <a:spcPct val="107000"/>
+              </a:lnSpc>
+              <a:spcAft>
+                <a:spcPts val="1060"/>
+              </a:spcAft>
+              <a:buFont typeface="+mj-lt"/>
+              <a:buAutoNum type="arabicPeriod"/>
+            </a:pPr>
+            <a:r>
+              <a:rPr lang="en-IN" sz="1050" u="none" strike="noStrike" kern="100" dirty="0">
+                <a:solidFill>
+                  <a:srgbClr val="000000"/>
+                </a:solidFill>
+                <a:effectLst/>
+                <a:uFill>
+                  <a:solidFill>
+                    <a:srgbClr val="000000"/>
+                  </a:solidFill>
+                </a:uFill>
+                <a:latin typeface="+mn-lt"/>
+                <a:ea typeface="Times New Roman" panose="02020603050405020304" pitchFamily="18" charset="0"/>
+                <a:cs typeface="Times New Roman" panose="02020603050405020304" pitchFamily="18" charset="0"/>
+              </a:rPr>
+              <a:t>de Lima, </a:t>
+            </a:r>
+            <a:r>
+              <a:rPr lang="en-IN" sz="1050" u="none" strike="noStrike" kern="100" dirty="0" err="1">
+                <a:solidFill>
+                  <a:srgbClr val="000000"/>
+                </a:solidFill>
+                <a:effectLst/>
+                <a:uFill>
+                  <a:solidFill>
+                    <a:srgbClr val="000000"/>
+                  </a:solidFill>
+                </a:uFill>
+                <a:latin typeface="+mn-lt"/>
+                <a:ea typeface="Times New Roman" panose="02020603050405020304" pitchFamily="18" charset="0"/>
+                <a:cs typeface="Times New Roman" panose="02020603050405020304" pitchFamily="18" charset="0"/>
+              </a:rPr>
+              <a:t>Edirlei</a:t>
+            </a:r>
+            <a:r>
+              <a:rPr lang="en-IN" sz="1050" u="none" strike="noStrike" kern="100" dirty="0">
+                <a:solidFill>
+                  <a:srgbClr val="000000"/>
+                </a:solidFill>
+                <a:effectLst/>
+                <a:uFill>
+                  <a:solidFill>
+                    <a:srgbClr val="000000"/>
+                  </a:solidFill>
+                </a:uFill>
+                <a:latin typeface="+mn-lt"/>
+                <a:ea typeface="Times New Roman" panose="02020603050405020304" pitchFamily="18" charset="0"/>
+                <a:cs typeface="Times New Roman" panose="02020603050405020304" pitchFamily="18" charset="0"/>
+              </a:rPr>
+              <a:t> Soares, Bruno MC Silva, and Gabriel Teixeira </a:t>
+            </a:r>
+            <a:r>
+              <a:rPr lang="en-IN" sz="1050" u="none" strike="noStrike" kern="100" dirty="0" err="1">
+                <a:solidFill>
+                  <a:srgbClr val="000000"/>
+                </a:solidFill>
+                <a:effectLst/>
+                <a:uFill>
+                  <a:solidFill>
+                    <a:srgbClr val="000000"/>
+                  </a:solidFill>
+                </a:uFill>
+                <a:latin typeface="+mn-lt"/>
+                <a:ea typeface="Times New Roman" panose="02020603050405020304" pitchFamily="18" charset="0"/>
+                <a:cs typeface="Times New Roman" panose="02020603050405020304" pitchFamily="18" charset="0"/>
+              </a:rPr>
+              <a:t>Galam</a:t>
+            </a:r>
+            <a:r>
+              <a:rPr lang="en-IN" sz="1050" u="none" strike="noStrike" kern="100" dirty="0">
+                <a:solidFill>
+                  <a:srgbClr val="000000"/>
+                </a:solidFill>
+                <a:effectLst/>
+                <a:uFill>
+                  <a:solidFill>
+                    <a:srgbClr val="000000"/>
+                  </a:solidFill>
+                </a:uFill>
+                <a:latin typeface="+mn-lt"/>
+                <a:ea typeface="Times New Roman" panose="02020603050405020304" pitchFamily="18" charset="0"/>
+                <a:cs typeface="Times New Roman" panose="02020603050405020304" pitchFamily="18" charset="0"/>
+              </a:rPr>
+              <a:t>. "Adaptive virtual reality horror games based on Machine learning and player </a:t>
+            </a:r>
+            <a:r>
+              <a:rPr lang="en-IN" sz="1050" u="none" strike="noStrike" kern="100" dirty="0" err="1">
+                <a:solidFill>
+                  <a:srgbClr val="000000"/>
+                </a:solidFill>
+                <a:effectLst/>
+                <a:uFill>
+                  <a:solidFill>
+                    <a:srgbClr val="000000"/>
+                  </a:solidFill>
+                </a:uFill>
+                <a:latin typeface="+mn-lt"/>
+                <a:ea typeface="Times New Roman" panose="02020603050405020304" pitchFamily="18" charset="0"/>
+                <a:cs typeface="Times New Roman" panose="02020603050405020304" pitchFamily="18" charset="0"/>
+              </a:rPr>
+              <a:t>modeling</a:t>
+            </a:r>
+            <a:r>
+              <a:rPr lang="en-IN" sz="1050" u="none" strike="noStrike" kern="100" dirty="0">
+                <a:solidFill>
+                  <a:srgbClr val="000000"/>
+                </a:solidFill>
+                <a:effectLst/>
+                <a:uFill>
+                  <a:solidFill>
+                    <a:srgbClr val="000000"/>
+                  </a:solidFill>
+                </a:uFill>
+                <a:latin typeface="+mn-lt"/>
+                <a:ea typeface="Times New Roman" panose="02020603050405020304" pitchFamily="18" charset="0"/>
+                <a:cs typeface="Times New Roman" panose="02020603050405020304" pitchFamily="18" charset="0"/>
+              </a:rPr>
+              <a:t>." Entertainment Computing 43 (2022): 100515.</a:t>
+            </a:r>
+          </a:p>
+          <a:p>
+            <a:pPr marL="342900" marR="27305" indent="-342900" algn="just">
+              <a:lnSpc>
+                <a:spcPct val="107000"/>
+              </a:lnSpc>
+              <a:spcAft>
+                <a:spcPts val="1060"/>
+              </a:spcAft>
+              <a:buFont typeface="+mj-lt"/>
+              <a:buAutoNum type="arabicPeriod"/>
+            </a:pPr>
+            <a:r>
+              <a:rPr lang="en-IN" sz="1050" u="none" strike="noStrike" kern="100" dirty="0">
+                <a:solidFill>
+                  <a:srgbClr val="000000"/>
+                </a:solidFill>
+                <a:effectLst/>
+                <a:uFill>
+                  <a:solidFill>
+                    <a:srgbClr val="000000"/>
+                  </a:solidFill>
+                </a:uFill>
+                <a:latin typeface="+mn-lt"/>
+                <a:ea typeface="Times New Roman" panose="02020603050405020304" pitchFamily="18" charset="0"/>
+                <a:cs typeface="Times New Roman" panose="02020603050405020304" pitchFamily="18" charset="0"/>
+              </a:rPr>
+              <a:t>Lin, Jih-</a:t>
+            </a:r>
+            <a:r>
+              <a:rPr lang="en-IN" sz="1050" u="none" strike="noStrike" kern="100" dirty="0" err="1">
+                <a:solidFill>
+                  <a:srgbClr val="000000"/>
+                </a:solidFill>
+                <a:effectLst/>
+                <a:uFill>
+                  <a:solidFill>
+                    <a:srgbClr val="000000"/>
+                  </a:solidFill>
+                </a:uFill>
+                <a:latin typeface="+mn-lt"/>
+                <a:ea typeface="Times New Roman" panose="02020603050405020304" pitchFamily="18" charset="0"/>
+                <a:cs typeface="Times New Roman" panose="02020603050405020304" pitchFamily="18" charset="0"/>
+              </a:rPr>
+              <a:t>Hsuan</a:t>
+            </a:r>
+            <a:r>
+              <a:rPr lang="en-IN" sz="1050" u="none" strike="noStrike" kern="100" dirty="0">
+                <a:solidFill>
+                  <a:srgbClr val="000000"/>
+                </a:solidFill>
+                <a:effectLst/>
+                <a:uFill>
+                  <a:solidFill>
+                    <a:srgbClr val="000000"/>
+                  </a:solidFill>
+                </a:uFill>
+                <a:latin typeface="+mn-lt"/>
+                <a:ea typeface="Times New Roman" panose="02020603050405020304" pitchFamily="18" charset="0"/>
+                <a:cs typeface="Times New Roman" panose="02020603050405020304" pitchFamily="18" charset="0"/>
+              </a:rPr>
+              <a:t> Tammy, Dai-Yun Wu, and Chen-Chao Tao. "So scary, yet so fun: The role of self-efficacy in enjoyment of a virtual reality horror game." New Media &amp; Society 20, no. 9 (2018): 3223-3242.</a:t>
+            </a:r>
+          </a:p>
+          <a:p>
+            <a:pPr marL="342900" marR="27305" indent="-342900" algn="just">
+              <a:lnSpc>
+                <a:spcPct val="107000"/>
+              </a:lnSpc>
+              <a:spcAft>
+                <a:spcPts val="1060"/>
+              </a:spcAft>
+              <a:buFont typeface="+mj-lt"/>
+              <a:buAutoNum type="arabicPeriod"/>
+            </a:pPr>
+            <a:r>
+              <a:rPr lang="en-IN" sz="1050" u="none" strike="noStrike" kern="100" dirty="0">
+                <a:solidFill>
+                  <a:srgbClr val="000000"/>
+                </a:solidFill>
+                <a:effectLst/>
+                <a:uFill>
+                  <a:solidFill>
+                    <a:srgbClr val="000000"/>
+                  </a:solidFill>
+                </a:uFill>
+                <a:latin typeface="+mn-lt"/>
+                <a:ea typeface="Times New Roman" panose="02020603050405020304" pitchFamily="18" charset="0"/>
+                <a:cs typeface="Times New Roman" panose="02020603050405020304" pitchFamily="18" charset="0"/>
+              </a:rPr>
+              <a:t>Lin, Tammy Jin-</a:t>
+            </a:r>
+            <a:r>
+              <a:rPr lang="en-IN" sz="1050" u="none" strike="noStrike" kern="100" dirty="0" err="1">
+                <a:solidFill>
+                  <a:srgbClr val="000000"/>
+                </a:solidFill>
+                <a:effectLst/>
+                <a:uFill>
+                  <a:solidFill>
+                    <a:srgbClr val="000000"/>
+                  </a:solidFill>
+                </a:uFill>
+                <a:latin typeface="+mn-lt"/>
+                <a:ea typeface="Times New Roman" panose="02020603050405020304" pitchFamily="18" charset="0"/>
+                <a:cs typeface="Times New Roman" panose="02020603050405020304" pitchFamily="18" charset="0"/>
+              </a:rPr>
+              <a:t>Hsuan</a:t>
+            </a:r>
+            <a:r>
+              <a:rPr lang="en-IN" sz="1050" u="none" strike="noStrike" kern="100" dirty="0">
+                <a:solidFill>
+                  <a:srgbClr val="000000"/>
+                </a:solidFill>
+                <a:effectLst/>
+                <a:uFill>
+                  <a:solidFill>
+                    <a:srgbClr val="000000"/>
+                  </a:solidFill>
+                </a:uFill>
+                <a:latin typeface="+mn-lt"/>
+                <a:ea typeface="Times New Roman" panose="02020603050405020304" pitchFamily="18" charset="0"/>
+                <a:cs typeface="Times New Roman" panose="02020603050405020304" pitchFamily="18" charset="0"/>
+              </a:rPr>
+              <a:t>. "Virtual Reality Horror Games and Fear in Gaming." In Oxford Research Encyclopaedia of Communication. 2023.</a:t>
+            </a:r>
+          </a:p>
+          <a:p>
+            <a:pPr marL="342900" marR="27305" indent="-342900" algn="just">
+              <a:lnSpc>
+                <a:spcPct val="107000"/>
+              </a:lnSpc>
+              <a:spcAft>
+                <a:spcPts val="1060"/>
+              </a:spcAft>
+              <a:buFont typeface="+mj-lt"/>
+              <a:buAutoNum type="arabicPeriod"/>
+            </a:pPr>
+            <a:r>
+              <a:rPr lang="en-IN" sz="1050" u="none" strike="noStrike" kern="100" dirty="0">
+                <a:solidFill>
+                  <a:srgbClr val="000000"/>
+                </a:solidFill>
+                <a:effectLst/>
+                <a:uFill>
+                  <a:solidFill>
+                    <a:srgbClr val="000000"/>
+                  </a:solidFill>
+                </a:uFill>
+                <a:latin typeface="+mn-lt"/>
+                <a:ea typeface="Times New Roman" panose="02020603050405020304" pitchFamily="18" charset="0"/>
+                <a:cs typeface="Times New Roman" panose="02020603050405020304" pitchFamily="18" charset="0"/>
+              </a:rPr>
+              <a:t>Bian, </a:t>
+            </a:r>
+            <a:r>
+              <a:rPr lang="en-IN" sz="1050" u="none" strike="noStrike" kern="100" dirty="0" err="1">
+                <a:solidFill>
+                  <a:srgbClr val="000000"/>
+                </a:solidFill>
+                <a:effectLst/>
+                <a:uFill>
+                  <a:solidFill>
+                    <a:srgbClr val="000000"/>
+                  </a:solidFill>
+                </a:uFill>
+                <a:latin typeface="+mn-lt"/>
+                <a:ea typeface="Times New Roman" panose="02020603050405020304" pitchFamily="18" charset="0"/>
+                <a:cs typeface="Times New Roman" panose="02020603050405020304" pitchFamily="18" charset="0"/>
+              </a:rPr>
+              <a:t>Shijie</a:t>
+            </a:r>
+            <a:r>
+              <a:rPr lang="en-IN" sz="1050" u="none" strike="noStrike" kern="100" dirty="0">
+                <a:solidFill>
+                  <a:srgbClr val="000000"/>
+                </a:solidFill>
+                <a:effectLst/>
+                <a:uFill>
+                  <a:solidFill>
+                    <a:srgbClr val="000000"/>
+                  </a:solidFill>
+                </a:uFill>
+                <a:latin typeface="+mn-lt"/>
+                <a:ea typeface="Times New Roman" panose="02020603050405020304" pitchFamily="18" charset="0"/>
+                <a:cs typeface="Times New Roman" panose="02020603050405020304" pitchFamily="18" charset="0"/>
+              </a:rPr>
+              <a:t>. "Research on the Application of VR in Games." Highlights in Science, Engineering and Technology 39 (2023): 389-394.</a:t>
+            </a:r>
+          </a:p>
+          <a:p>
+            <a:pPr marL="342900" marR="27305" indent="-342900" algn="just">
+              <a:lnSpc>
+                <a:spcPct val="107000"/>
+              </a:lnSpc>
+              <a:spcAft>
+                <a:spcPts val="1060"/>
+              </a:spcAft>
+              <a:buFont typeface="+mj-lt"/>
+              <a:buAutoNum type="arabicPeriod"/>
+            </a:pPr>
+            <a:r>
+              <a:rPr lang="en-IN" sz="1050" u="none" strike="noStrike" kern="100" dirty="0">
+                <a:solidFill>
+                  <a:srgbClr val="000000"/>
+                </a:solidFill>
+                <a:effectLst/>
+                <a:uFill>
+                  <a:solidFill>
+                    <a:srgbClr val="000000"/>
+                  </a:solidFill>
+                </a:uFill>
+                <a:latin typeface="+mn-lt"/>
+                <a:ea typeface="Times New Roman" panose="02020603050405020304" pitchFamily="18" charset="0"/>
+                <a:cs typeface="Times New Roman" panose="02020603050405020304" pitchFamily="18" charset="0"/>
+              </a:rPr>
+              <a:t>Zhang, </a:t>
+            </a:r>
+            <a:r>
+              <a:rPr lang="en-IN" sz="1050" u="none" strike="noStrike" kern="100" dirty="0" err="1">
+                <a:solidFill>
+                  <a:srgbClr val="000000"/>
+                </a:solidFill>
+                <a:effectLst/>
+                <a:uFill>
+                  <a:solidFill>
+                    <a:srgbClr val="000000"/>
+                  </a:solidFill>
+                </a:uFill>
+                <a:latin typeface="+mn-lt"/>
+                <a:ea typeface="Times New Roman" panose="02020603050405020304" pitchFamily="18" charset="0"/>
+                <a:cs typeface="Times New Roman" panose="02020603050405020304" pitchFamily="18" charset="0"/>
+              </a:rPr>
+              <a:t>Ruiqi</a:t>
+            </a:r>
+            <a:r>
+              <a:rPr lang="en-IN" sz="1050" u="none" strike="noStrike" kern="100" dirty="0">
+                <a:solidFill>
+                  <a:srgbClr val="000000"/>
+                </a:solidFill>
+                <a:effectLst/>
+                <a:uFill>
+                  <a:solidFill>
+                    <a:srgbClr val="000000"/>
+                  </a:solidFill>
+                </a:uFill>
+                <a:latin typeface="+mn-lt"/>
+                <a:ea typeface="Times New Roman" panose="02020603050405020304" pitchFamily="18" charset="0"/>
+                <a:cs typeface="Times New Roman" panose="02020603050405020304" pitchFamily="18" charset="0"/>
+              </a:rPr>
+              <a:t>. "Research on the Progress of VR in Game." Highlights in Science, Engineering and Technology 39 (2023): 103-110. </a:t>
+            </a:r>
+            <a:endParaRPr lang="en-IN" sz="1050" dirty="0">
+              <a:latin typeface="+mn-lt"/>
+              <a:cs typeface="Times New Roman" pitchFamily="18" charset="0"/>
+            </a:endParaRPr>
           </a:p>
         </p:txBody>
       </p:sp>
     </p:spTree>
     <p:extLst>
       <p:ext uri="{BB962C8B-B14F-4D97-AF65-F5344CB8AC3E}">
-        <p14:creationId xmlns:p14="http://schemas.microsoft.com/office/powerpoint/2010/main" val="4025871229"/>
+        <p14:creationId xmlns:p14="http://schemas.microsoft.com/office/powerpoint/2010/main" val="2934417631"/>
       </p:ext>
     </p:extLst>
   </p:cSld>
@@ -23673,7 +23844,7 @@
 </p:sld>
 </file>
 
-<file path=ppt/slides/slide2.xml><?xml version="1.0" encoding="utf-8"?>
+<file path=ppt/slides/slide18.xml><?xml version="1.0" encoding="utf-8"?>
 <p:sld xmlns:a="http://schemas.openxmlformats.org/drawingml/2006/main" xmlns:r="http://schemas.openxmlformats.org/officeDocument/2006/relationships" xmlns:p="http://schemas.openxmlformats.org/presentationml/2006/main">
   <p:cSld>
     <p:spTree>
@@ -23698,7 +23869,7 @@
         </p:nvSpPr>
         <p:spPr>
           <a:xfrm rot="5400000">
-            <a:off x="1567549" y="-1571625"/>
+            <a:off x="1567549" y="-1576276"/>
             <a:ext cx="7553325" cy="10696575"/>
           </a:xfrm>
           <a:custGeom>
@@ -24233,7 +24404,7 @@
           <a:p>
             <a:fld id="{A174D43B-D405-4C66-AAFC-12F687A583A3}" type="datetime1">
               <a:rPr lang="en-US" smtClean="0"/>
-              <a:t>4/3/2024</a:t>
+              <a:t>4/4/2024</a:t>
             </a:fld>
             <a:endParaRPr lang="en-US"/>
           </a:p>
@@ -24309,7 +24480,7 @@
             </a:pPr>
             <a:fld id="{00000000-1234-1234-1234-123412341234}" type="slidenum">
               <a:rPr lang="en" smtClean="0"/>
-              <a:t>2</a:t>
+              <a:t>18</a:t>
             </a:fld>
             <a:endParaRPr lang="en" dirty="0"/>
           </a:p>
@@ -24323,8 +24494,8 @@
         </p:nvSpPr>
         <p:spPr>
           <a:xfrm>
-            <a:off x="782345" y="2086973"/>
-            <a:ext cx="9171709" cy="2677656"/>
+            <a:off x="748723" y="3314797"/>
+            <a:ext cx="9171709" cy="1338828"/>
           </a:xfrm>
           <a:prstGeom prst="rect">
             <a:avLst/>
@@ -24343,133 +24514,19 @@
               </a:lnSpc>
             </a:pPr>
             <a:r>
-              <a:rPr lang="en-US" sz="2400" b="1" dirty="0"/>
-              <a:t>PAPER ID:</a:t>
+              <a:rPr lang="en-US" sz="5400" b="1" dirty="0">
+                <a:latin typeface="Times New Roman" pitchFamily="18" charset="0"/>
+                <a:cs typeface="Times New Roman" pitchFamily="18" charset="0"/>
+              </a:rPr>
+              <a:t>Thank You </a:t>
             </a:r>
-            <a:br>
-              <a:rPr lang="en-US" sz="2400" b="1" dirty="0"/>
-            </a:br>
-            <a:r>
-              <a:rPr lang="en-US" sz="2400" b="1" dirty="0"/>
-              <a:t>VIRTUAL REALITY HORROR GAME</a:t>
-            </a:r>
-            <a:br>
-              <a:rPr lang="en-US" sz="2400" b="1" dirty="0"/>
-            </a:br>
-            <a:br>
-              <a:rPr lang="en-US" sz="2400" b="1" dirty="0"/>
-            </a:br>
-            <a:endParaRPr lang="en-US" sz="2400" b="1" dirty="0"/>
-          </a:p>
-          <a:p>
-            <a:endParaRPr lang="en-IN" sz="2400" dirty="0"/>
-          </a:p>
-        </p:txBody>
-      </p:sp>
-      <p:sp>
-        <p:nvSpPr>
-          <p:cNvPr id="9" name="TextBox 8"/>
-          <p:cNvSpPr txBox="1"/>
-          <p:nvPr/>
-        </p:nvSpPr>
-        <p:spPr>
-          <a:xfrm>
-            <a:off x="5888182" y="4045528"/>
-            <a:ext cx="4238860" cy="2031325"/>
-          </a:xfrm>
-          <a:prstGeom prst="rect">
-            <a:avLst/>
-          </a:prstGeom>
-          <a:noFill/>
-        </p:spPr>
-        <p:txBody>
-          <a:bodyPr wrap="square" rtlCol="0">
-            <a:spAutoFit/>
-          </a:bodyPr>
-          <a:lstStyle/>
-          <a:p>
-            <a:pPr>
-              <a:lnSpc>
-                <a:spcPct val="150000"/>
-              </a:lnSpc>
-            </a:pPr>
-            <a:r>
-              <a:rPr lang="en-US" b="1" dirty="0"/>
-              <a:t>AUTHOR’S NAME</a:t>
-            </a:r>
-            <a:br>
-              <a:rPr lang="en-US" b="1" dirty="0"/>
-            </a:br>
-            <a:r>
-              <a:rPr lang="en-US" b="1" dirty="0"/>
-              <a:t>1. Prof. Punam </a:t>
-            </a:r>
-            <a:r>
-              <a:rPr lang="en-US" b="1" dirty="0" err="1"/>
-              <a:t>Bagul</a:t>
-            </a:r>
-            <a:endParaRPr lang="en-US" b="1" dirty="0"/>
-          </a:p>
-          <a:p>
-            <a:pPr>
-              <a:lnSpc>
-                <a:spcPct val="150000"/>
-              </a:lnSpc>
-            </a:pPr>
-            <a:r>
-              <a:rPr lang="en-US" b="1" dirty="0"/>
-              <a:t>2. Ritvik </a:t>
-            </a:r>
-            <a:r>
-              <a:rPr lang="en-US" b="1" dirty="0" err="1"/>
-              <a:t>Babre</a:t>
-            </a:r>
-            <a:endParaRPr lang="en-US" b="1" dirty="0"/>
-          </a:p>
-          <a:p>
-            <a:pPr>
-              <a:lnSpc>
-                <a:spcPct val="150000"/>
-              </a:lnSpc>
-            </a:pPr>
-            <a:r>
-              <a:rPr lang="en-US" b="1" dirty="0"/>
-              <a:t>3. Hitesh Behera</a:t>
-            </a:r>
-          </a:p>
-          <a:p>
-            <a:pPr>
-              <a:lnSpc>
-                <a:spcPct val="150000"/>
-              </a:lnSpc>
-            </a:pPr>
-            <a:r>
-              <a:rPr lang="en-US" b="1" dirty="0"/>
-              <a:t>4. Swapnil Yadav</a:t>
-            </a:r>
-          </a:p>
-          <a:p>
-            <a:pPr>
-              <a:lnSpc>
-                <a:spcPct val="150000"/>
-              </a:lnSpc>
-            </a:pPr>
-            <a:r>
-              <a:rPr lang="en-US" b="1" dirty="0"/>
-              <a:t>5. Shruti </a:t>
-            </a:r>
-            <a:r>
-              <a:rPr lang="en-US" b="1" dirty="0" err="1"/>
-              <a:t>Sabbani</a:t>
-            </a:r>
-            <a:endParaRPr lang="en-IN" dirty="0"/>
           </a:p>
         </p:txBody>
       </p:sp>
     </p:spTree>
     <p:extLst>
       <p:ext uri="{BB962C8B-B14F-4D97-AF65-F5344CB8AC3E}">
-        <p14:creationId xmlns:p14="http://schemas.microsoft.com/office/powerpoint/2010/main" val="1349157874"/>
+        <p14:creationId xmlns:p14="http://schemas.microsoft.com/office/powerpoint/2010/main" val="1639995533"/>
       </p:ext>
     </p:extLst>
   </p:cSld>
@@ -24479,7 +24536,7 @@
 </p:sld>
 </file>
 
-<file path=ppt/slides/slide3.xml><?xml version="1.0" encoding="utf-8"?>
+<file path=ppt/slides/slide2.xml><?xml version="1.0" encoding="utf-8"?>
 <p:sld xmlns:a="http://schemas.openxmlformats.org/drawingml/2006/main" xmlns:r="http://schemas.openxmlformats.org/officeDocument/2006/relationships" xmlns:p="http://schemas.openxmlformats.org/presentationml/2006/main">
   <p:cSld>
     <p:spTree>
@@ -25039,7 +25096,7 @@
           <a:p>
             <a:fld id="{A174D43B-D405-4C66-AAFC-12F687A583A3}" type="datetime1">
               <a:rPr lang="en-US" smtClean="0"/>
-              <a:t>4/3/2024</a:t>
+              <a:t>4/4/2024</a:t>
             </a:fld>
             <a:endParaRPr lang="en-US"/>
           </a:p>
@@ -25115,7 +25172,7 @@
             </a:pPr>
             <a:fld id="{00000000-1234-1234-1234-123412341234}" type="slidenum">
               <a:rPr lang="en" smtClean="0"/>
-              <a:t>3</a:t>
+              <a:t>2</a:t>
             </a:fld>
             <a:endParaRPr lang="en" dirty="0"/>
           </a:p>
@@ -25129,8 +25186,8 @@
         </p:nvSpPr>
         <p:spPr>
           <a:xfrm>
-            <a:off x="706582" y="2008906"/>
-            <a:ext cx="9420460" cy="584775"/>
+            <a:off x="782345" y="2086973"/>
+            <a:ext cx="9171709" cy="2677656"/>
           </a:xfrm>
           <a:prstGeom prst="rect">
             <a:avLst/>
@@ -25143,10 +25200,32 @@
           </a:bodyPr>
           <a:lstStyle/>
           <a:p>
+            <a:pPr algn="ctr">
+              <a:lnSpc>
+                <a:spcPct val="150000"/>
+              </a:lnSpc>
+            </a:pPr>
             <a:r>
-              <a:rPr lang="en-IN" sz="3200" b="1" dirty="0"/>
-              <a:t>Outline</a:t>
+              <a:rPr lang="en-US" sz="2400" b="1" dirty="0"/>
+              <a:t>PAPER ID:</a:t>
             </a:r>
+            <a:br>
+              <a:rPr lang="en-US" sz="2400" b="1" dirty="0"/>
+            </a:br>
+            <a:r>
+              <a:rPr lang="en-US" sz="2400" b="1" dirty="0"/>
+              <a:t>VIRTUAL REALITY HORROR GAME</a:t>
+            </a:r>
+            <a:br>
+              <a:rPr lang="en-US" sz="2400" b="1" dirty="0"/>
+            </a:br>
+            <a:br>
+              <a:rPr lang="en-US" sz="2400" b="1" dirty="0"/>
+            </a:br>
+            <a:endParaRPr lang="en-US" sz="2400" b="1" dirty="0"/>
+          </a:p>
+          <a:p>
+            <a:endParaRPr lang="en-IN" sz="2400" dirty="0"/>
           </a:p>
         </p:txBody>
       </p:sp>
@@ -25158,8 +25237,8 @@
         </p:nvSpPr>
         <p:spPr>
           <a:xfrm>
-            <a:off x="706582" y="2590800"/>
-            <a:ext cx="9199418" cy="4524315"/>
+            <a:off x="5888182" y="4045528"/>
+            <a:ext cx="4238860" cy="2031325"/>
           </a:xfrm>
           <a:prstGeom prst="rect">
             <a:avLst/>
@@ -25178,12 +25257,21 @@
               </a:lnSpc>
             </a:pPr>
             <a:r>
-              <a:rPr lang="en-US" altLang="en-US" sz="1600" dirty="0">
-                <a:latin typeface="Times New Roman" pitchFamily="18" charset="0"/>
-                <a:cs typeface="Times New Roman" pitchFamily="18" charset="0"/>
-              </a:rPr>
-              <a:t>Introduction 				 (1-2 slide/s)</a:t>
+              <a:rPr lang="en-US" b="1" dirty="0"/>
+              <a:t>AUTHOR’S NAME</a:t>
             </a:r>
+            <a:br>
+              <a:rPr lang="en-US" b="1" dirty="0"/>
+            </a:br>
+            <a:r>
+              <a:rPr lang="en-US" b="1" dirty="0"/>
+              <a:t>1. Prof. Punam </a:t>
+            </a:r>
+            <a:r>
+              <a:rPr lang="en-US" b="1" dirty="0" err="1"/>
+              <a:t>Bagul</a:t>
+            </a:r>
+            <a:endParaRPr lang="en-US" b="1" dirty="0"/>
           </a:p>
           <a:p>
             <a:pPr>
@@ -25192,12 +25280,14 @@
               </a:lnSpc>
             </a:pPr>
             <a:r>
-              <a:rPr lang="en-US" altLang="en-US" sz="1600" dirty="0">
-                <a:latin typeface="Times New Roman" pitchFamily="18" charset="0"/>
-                <a:cs typeface="Times New Roman" pitchFamily="18" charset="0"/>
-              </a:rPr>
-              <a:t>Literature Review				  (1 slide)</a:t>
+              <a:rPr lang="en-US" b="1" dirty="0"/>
+              <a:t>2. Ritvik </a:t>
             </a:r>
+            <a:r>
+              <a:rPr lang="en-US" b="1" dirty="0" err="1"/>
+              <a:t>Babre</a:t>
+            </a:r>
+            <a:endParaRPr lang="en-US" b="1" dirty="0"/>
           </a:p>
           <a:p>
             <a:pPr>
@@ -25206,11 +25296,8 @@
               </a:lnSpc>
             </a:pPr>
             <a:r>
-              <a:rPr lang="en-US" altLang="en-US" sz="1600" dirty="0">
-                <a:latin typeface="Times New Roman" pitchFamily="18" charset="0"/>
-                <a:cs typeface="Times New Roman" pitchFamily="18" charset="0"/>
-              </a:rPr>
-              <a:t>Problem Definition/ Objective			 (2 slide)</a:t>
+              <a:rPr lang="en-US" b="1" dirty="0"/>
+              <a:t>3. Hitesh Behera</a:t>
             </a:r>
           </a:p>
           <a:p>
@@ -25220,11 +25307,8 @@
               </a:lnSpc>
             </a:pPr>
             <a:r>
-              <a:rPr lang="en-US" altLang="en-US" sz="1600" dirty="0">
-                <a:latin typeface="Times New Roman" pitchFamily="18" charset="0"/>
-                <a:cs typeface="Times New Roman" pitchFamily="18" charset="0"/>
-              </a:rPr>
-              <a:t>Methodology 				 (1-3 slide/s)</a:t>
+              <a:rPr lang="en-US" b="1" dirty="0"/>
+              <a:t>4. Swapnil Yadav</a:t>
             </a:r>
           </a:p>
           <a:p>
@@ -25234,100 +25318,14 @@
               </a:lnSpc>
             </a:pPr>
             <a:r>
-              <a:rPr lang="en-US" altLang="en-US" sz="1600" dirty="0">
-                <a:latin typeface="Times New Roman" pitchFamily="18" charset="0"/>
-                <a:cs typeface="Times New Roman" pitchFamily="18" charset="0"/>
-              </a:rPr>
-              <a:t>Results and Discussions			 (1-4 slide/s)</a:t>
+              <a:rPr lang="en-US" b="1" dirty="0"/>
+              <a:t>5. Shruti </a:t>
             </a:r>
-          </a:p>
-          <a:p>
-            <a:pPr>
-              <a:lnSpc>
-                <a:spcPct val="150000"/>
-              </a:lnSpc>
-            </a:pPr>
             <a:r>
-              <a:rPr lang="en-US" altLang="en-US" sz="1600" dirty="0">
-                <a:latin typeface="Times New Roman" pitchFamily="18" charset="0"/>
-                <a:cs typeface="Times New Roman" pitchFamily="18" charset="0"/>
-              </a:rPr>
-              <a:t>SWOT Analysis				 (1 slide)</a:t>
+              <a:rPr lang="en-US" b="1" dirty="0" err="1"/>
+              <a:t>Sabbani</a:t>
             </a:r>
-          </a:p>
-          <a:p>
-            <a:pPr>
-              <a:lnSpc>
-                <a:spcPct val="150000"/>
-              </a:lnSpc>
-            </a:pPr>
-            <a:r>
-              <a:rPr lang="en-US" altLang="en-US" sz="1600" dirty="0">
-                <a:latin typeface="Times New Roman" pitchFamily="18" charset="0"/>
-                <a:cs typeface="Times New Roman" pitchFamily="18" charset="0"/>
-              </a:rPr>
-              <a:t>Conclusion/Future Scope			 (1 slide)</a:t>
-            </a:r>
-          </a:p>
-          <a:p>
-            <a:pPr>
-              <a:lnSpc>
-                <a:spcPct val="150000"/>
-              </a:lnSpc>
-            </a:pPr>
-            <a:r>
-              <a:rPr lang="en-US" altLang="en-US" sz="1600" dirty="0">
-                <a:latin typeface="Times New Roman" pitchFamily="18" charset="0"/>
-                <a:cs typeface="Times New Roman" pitchFamily="18" charset="0"/>
-              </a:rPr>
-              <a:t>References 			 	(1 slide)</a:t>
-            </a:r>
-          </a:p>
-          <a:p>
-            <a:pPr>
-              <a:lnSpc>
-                <a:spcPct val="150000"/>
-              </a:lnSpc>
-              <a:buFont typeface="Arial" panose="020B0604020202020204" pitchFamily="34" charset="0"/>
-              <a:buNone/>
-            </a:pPr>
-            <a:endParaRPr lang="en-US" altLang="en-US" sz="1600" dirty="0">
-              <a:latin typeface="Times New Roman" pitchFamily="18" charset="0"/>
-              <a:cs typeface="Times New Roman" pitchFamily="18" charset="0"/>
-            </a:endParaRPr>
-          </a:p>
-          <a:p>
-            <a:pPr>
-              <a:lnSpc>
-                <a:spcPct val="150000"/>
-              </a:lnSpc>
-            </a:pPr>
-            <a:endParaRPr lang="en-US" altLang="en-US" sz="1600" dirty="0">
-              <a:latin typeface="Times New Roman" pitchFamily="18" charset="0"/>
-              <a:cs typeface="Times New Roman" pitchFamily="18" charset="0"/>
-            </a:endParaRPr>
-          </a:p>
-          <a:p>
-            <a:pPr>
-              <a:lnSpc>
-                <a:spcPct val="150000"/>
-              </a:lnSpc>
-            </a:pPr>
-            <a:endParaRPr lang="en-US" altLang="en-US" sz="1600" dirty="0">
-              <a:latin typeface="Times New Roman" pitchFamily="18" charset="0"/>
-              <a:cs typeface="Times New Roman" pitchFamily="18" charset="0"/>
-            </a:endParaRPr>
-          </a:p>
-          <a:p>
-            <a:pPr>
-              <a:lnSpc>
-                <a:spcPct val="150000"/>
-              </a:lnSpc>
-            </a:pPr>
-            <a:endParaRPr lang="en-IN" sz="1600" dirty="0">
-              <a:latin typeface="Times New Roman" pitchFamily="18" charset="0"/>
-              <a:cs typeface="Times New Roman" pitchFamily="18" charset="0"/>
-            </a:endParaRPr>
+            <a:endParaRPr lang="en-IN" dirty="0"/>
           </a:p>
         </p:txBody>
       </p:sp>
@@ -25344,7 +25342,7 @@
 </p:sld>
 </file>
 
-<file path=ppt/slides/slide4.xml><?xml version="1.0" encoding="utf-8"?>
+<file path=ppt/slides/slide3.xml><?xml version="1.0" encoding="utf-8"?>
 <p:sld xmlns:a="http://schemas.openxmlformats.org/drawingml/2006/main" xmlns:r="http://schemas.openxmlformats.org/officeDocument/2006/relationships" xmlns:p="http://schemas.openxmlformats.org/presentationml/2006/main">
   <p:cSld>
     <p:spTree>
@@ -25369,7 +25367,7 @@
         </p:nvSpPr>
         <p:spPr>
           <a:xfrm rot="5400000">
-            <a:off x="1567549" y="-1576276"/>
+            <a:off x="1567549" y="-1571625"/>
             <a:ext cx="7553325" cy="10696575"/>
           </a:xfrm>
           <a:custGeom>
@@ -25904,7 +25902,7 @@
           <a:p>
             <a:fld id="{A174D43B-D405-4C66-AAFC-12F687A583A3}" type="datetime1">
               <a:rPr lang="en-US" smtClean="0"/>
-              <a:t>4/3/2024</a:t>
+              <a:t>4/4/2024</a:t>
             </a:fld>
             <a:endParaRPr lang="en-US"/>
           </a:p>
@@ -25980,7 +25978,7 @@
             </a:pPr>
             <a:fld id="{00000000-1234-1234-1234-123412341234}" type="slidenum">
               <a:rPr lang="en" smtClean="0"/>
-              <a:t>4</a:t>
+              <a:t>3</a:t>
             </a:fld>
             <a:endParaRPr lang="en" dirty="0"/>
           </a:p>
@@ -25994,8 +25992,8 @@
         </p:nvSpPr>
         <p:spPr>
           <a:xfrm>
-            <a:off x="782345" y="1948423"/>
-            <a:ext cx="9171709" cy="646331"/>
+            <a:off x="706582" y="2008906"/>
+            <a:ext cx="9420460" cy="584775"/>
           </a:xfrm>
           <a:prstGeom prst="rect">
             <a:avLst/>
@@ -26008,17 +26006,9 @@
           </a:bodyPr>
           <a:lstStyle/>
           <a:p>
-            <a:pPr algn="ctr">
-              <a:lnSpc>
-                <a:spcPct val="150000"/>
-              </a:lnSpc>
-            </a:pPr>
             <a:r>
-              <a:rPr lang="en-US" sz="2400" b="1" dirty="0">
-                <a:latin typeface="Times New Roman" pitchFamily="18" charset="0"/>
-                <a:cs typeface="Times New Roman" pitchFamily="18" charset="0"/>
-              </a:rPr>
-              <a:t>Introduction(1-2 slides)</a:t>
+              <a:rPr lang="en-IN" sz="3200" b="1" dirty="0"/>
+              <a:t>Outline</a:t>
             </a:r>
           </a:p>
         </p:txBody>
@@ -26031,8 +26021,8 @@
         </p:nvSpPr>
         <p:spPr>
           <a:xfrm>
-            <a:off x="609358" y="2756349"/>
-            <a:ext cx="9344696" cy="2308324"/>
+            <a:off x="706582" y="2590800"/>
+            <a:ext cx="9199418" cy="4524315"/>
           </a:xfrm>
           <a:prstGeom prst="rect">
             <a:avLst/>
@@ -26045,62 +26035,169 @@
           </a:bodyPr>
           <a:lstStyle/>
           <a:p>
-            <a:pPr marL="285750" indent="-285750">
+            <a:pPr>
               <a:lnSpc>
                 <a:spcPct val="150000"/>
               </a:lnSpc>
-              <a:buFont typeface="Arial" pitchFamily="34" charset="0"/>
-              <a:buChar char="•"/>
             </a:pPr>
             <a:r>
-              <a:rPr lang="en-US" sz="1600" dirty="0"/>
-              <a:t>Data science is the study of data to extract meaningful insights for business. It is a multidisciplinary approach that combines principles and practices from the fields of mathematics, statistics, artificial intelligence, and computer engineering to analyze large amounts of data.</a:t>
+              <a:rPr lang="en-US" altLang="en-US" sz="1600" dirty="0">
+                <a:latin typeface="Times New Roman" pitchFamily="18" charset="0"/>
+                <a:cs typeface="Times New Roman" pitchFamily="18" charset="0"/>
+              </a:rPr>
+              <a:t>Introduction 				 (1-2 slide/s)</a:t>
             </a:r>
           </a:p>
           <a:p>
-            <a:pPr marL="285750" indent="-285750">
+            <a:pPr>
               <a:lnSpc>
                 <a:spcPct val="150000"/>
               </a:lnSpc>
-              <a:buFont typeface="Arial" pitchFamily="34" charset="0"/>
-              <a:buChar char="•"/>
             </a:pPr>
             <a:r>
-              <a:rPr lang="en-US" sz="1600" dirty="0" err="1"/>
-              <a:t>Ghfg</a:t>
+              <a:rPr lang="en-US" altLang="en-US" sz="1600" dirty="0">
+                <a:latin typeface="Times New Roman" pitchFamily="18" charset="0"/>
+                <a:cs typeface="Times New Roman" pitchFamily="18" charset="0"/>
+              </a:rPr>
+              <a:t>Literature Review				  (1 slide)</a:t>
             </a:r>
-            <a:endParaRPr lang="en-US" sz="1600" dirty="0"/>
-          </a:p>
-          <a:p>
-            <a:pPr marL="285750" indent="-285750">
+          </a:p>
+          <a:p>
+            <a:pPr>
               <a:lnSpc>
                 <a:spcPct val="150000"/>
               </a:lnSpc>
-              <a:buFont typeface="Arial" pitchFamily="34" charset="0"/>
-              <a:buChar char="•"/>
             </a:pPr>
             <a:r>
-              <a:rPr lang="en-US" sz="1600" dirty="0" err="1"/>
-              <a:t>Gfhg</a:t>
+              <a:rPr lang="en-US" altLang="en-US" sz="1600" dirty="0">
+                <a:latin typeface="Times New Roman" pitchFamily="18" charset="0"/>
+                <a:cs typeface="Times New Roman" pitchFamily="18" charset="0"/>
+              </a:rPr>
+              <a:t>Problem Definition/ Objective			 (2 slide)</a:t>
             </a:r>
-            <a:endParaRPr lang="en-US" sz="1600" dirty="0"/>
-          </a:p>
-          <a:p>
-            <a:pPr marL="285750" indent="-285750">
+          </a:p>
+          <a:p>
+            <a:pPr>
               <a:lnSpc>
                 <a:spcPct val="150000"/>
               </a:lnSpc>
-              <a:buFont typeface="Arial" pitchFamily="34" charset="0"/>
-              <a:buChar char="•"/>
             </a:pPr>
-            <a:endParaRPr lang="en-IN" sz="1600" dirty="0"/>
+            <a:r>
+              <a:rPr lang="en-US" altLang="en-US" sz="1600" dirty="0">
+                <a:latin typeface="Times New Roman" pitchFamily="18" charset="0"/>
+                <a:cs typeface="Times New Roman" pitchFamily="18" charset="0"/>
+              </a:rPr>
+              <a:t>Methodology 				 (1-3 slide/s)</a:t>
+            </a:r>
+          </a:p>
+          <a:p>
+            <a:pPr>
+              <a:lnSpc>
+                <a:spcPct val="150000"/>
+              </a:lnSpc>
+            </a:pPr>
+            <a:r>
+              <a:rPr lang="en-US" altLang="en-US" sz="1600" dirty="0">
+                <a:latin typeface="Times New Roman" pitchFamily="18" charset="0"/>
+                <a:cs typeface="Times New Roman" pitchFamily="18" charset="0"/>
+              </a:rPr>
+              <a:t>Results and Discussions			 (1-4 slide/s)</a:t>
+            </a:r>
+          </a:p>
+          <a:p>
+            <a:pPr>
+              <a:lnSpc>
+                <a:spcPct val="150000"/>
+              </a:lnSpc>
+            </a:pPr>
+            <a:r>
+              <a:rPr lang="en-US" altLang="en-US" sz="1600" dirty="0">
+                <a:latin typeface="Times New Roman" pitchFamily="18" charset="0"/>
+                <a:cs typeface="Times New Roman" pitchFamily="18" charset="0"/>
+              </a:rPr>
+              <a:t>SWOT Analysis				 (1 slide)</a:t>
+            </a:r>
+          </a:p>
+          <a:p>
+            <a:pPr>
+              <a:lnSpc>
+                <a:spcPct val="150000"/>
+              </a:lnSpc>
+            </a:pPr>
+            <a:r>
+              <a:rPr lang="en-US" altLang="en-US" sz="1600" dirty="0">
+                <a:latin typeface="Times New Roman" pitchFamily="18" charset="0"/>
+                <a:cs typeface="Times New Roman" pitchFamily="18" charset="0"/>
+              </a:rPr>
+              <a:t>Conclusion/Future Scope			 (1 slide)</a:t>
+            </a:r>
+          </a:p>
+          <a:p>
+            <a:pPr>
+              <a:lnSpc>
+                <a:spcPct val="150000"/>
+              </a:lnSpc>
+            </a:pPr>
+            <a:r>
+              <a:rPr lang="en-US" altLang="en-US" sz="1600" dirty="0">
+                <a:latin typeface="Times New Roman" pitchFamily="18" charset="0"/>
+                <a:cs typeface="Times New Roman" pitchFamily="18" charset="0"/>
+              </a:rPr>
+              <a:t>References 			 	(1 slide)</a:t>
+            </a:r>
+          </a:p>
+          <a:p>
+            <a:pPr>
+              <a:lnSpc>
+                <a:spcPct val="150000"/>
+              </a:lnSpc>
+              <a:buFont typeface="Arial" panose="020B0604020202020204" pitchFamily="34" charset="0"/>
+              <a:buNone/>
+            </a:pPr>
+            <a:endParaRPr lang="en-US" altLang="en-US" sz="1600" dirty="0">
+              <a:latin typeface="Times New Roman" pitchFamily="18" charset="0"/>
+              <a:cs typeface="Times New Roman" pitchFamily="18" charset="0"/>
+            </a:endParaRPr>
+          </a:p>
+          <a:p>
+            <a:pPr>
+              <a:lnSpc>
+                <a:spcPct val="150000"/>
+              </a:lnSpc>
+            </a:pPr>
+            <a:endParaRPr lang="en-US" altLang="en-US" sz="1600" dirty="0">
+              <a:latin typeface="Times New Roman" pitchFamily="18" charset="0"/>
+              <a:cs typeface="Times New Roman" pitchFamily="18" charset="0"/>
+            </a:endParaRPr>
+          </a:p>
+          <a:p>
+            <a:pPr>
+              <a:lnSpc>
+                <a:spcPct val="150000"/>
+              </a:lnSpc>
+            </a:pPr>
+            <a:endParaRPr lang="en-US" altLang="en-US" sz="1600" dirty="0">
+              <a:latin typeface="Times New Roman" pitchFamily="18" charset="0"/>
+              <a:cs typeface="Times New Roman" pitchFamily="18" charset="0"/>
+            </a:endParaRPr>
+          </a:p>
+          <a:p>
+            <a:pPr>
+              <a:lnSpc>
+                <a:spcPct val="150000"/>
+              </a:lnSpc>
+            </a:pPr>
+            <a:endParaRPr lang="en-IN" sz="1600" dirty="0">
+              <a:latin typeface="Times New Roman" pitchFamily="18" charset="0"/>
+              <a:cs typeface="Times New Roman" pitchFamily="18" charset="0"/>
+            </a:endParaRPr>
           </a:p>
         </p:txBody>
       </p:sp>
     </p:spTree>
     <p:extLst>
       <p:ext uri="{BB962C8B-B14F-4D97-AF65-F5344CB8AC3E}">
-        <p14:creationId xmlns:p14="http://schemas.microsoft.com/office/powerpoint/2010/main" val="2185215473"/>
+        <p14:creationId xmlns:p14="http://schemas.microsoft.com/office/powerpoint/2010/main" val="1349157874"/>
       </p:ext>
     </p:extLst>
   </p:cSld>
@@ -26110,7 +26207,7 @@
 </p:sld>
 </file>
 
-<file path=ppt/slides/slide5.xml><?xml version="1.0" encoding="utf-8"?>
+<file path=ppt/slides/slide4.xml><?xml version="1.0" encoding="utf-8"?>
 <p:sld xmlns:a="http://schemas.openxmlformats.org/drawingml/2006/main" xmlns:r="http://schemas.openxmlformats.org/officeDocument/2006/relationships" xmlns:p="http://schemas.openxmlformats.org/presentationml/2006/main">
   <p:cSld>
     <p:spTree>
@@ -26670,7 +26767,7 @@
           <a:p>
             <a:fld id="{A174D43B-D405-4C66-AAFC-12F687A583A3}" type="datetime1">
               <a:rPr lang="en-US" smtClean="0"/>
-              <a:t>4/3/2024</a:t>
+              <a:t>4/4/2024</a:t>
             </a:fld>
             <a:endParaRPr lang="en-US"/>
           </a:p>
@@ -26746,7 +26843,7 @@
             </a:pPr>
             <a:fld id="{00000000-1234-1234-1234-123412341234}" type="slidenum">
               <a:rPr lang="en" smtClean="0"/>
-              <a:t>5</a:t>
+              <a:t>4</a:t>
             </a:fld>
             <a:endParaRPr lang="en" dirty="0"/>
           </a:p>
@@ -26798,7 +26895,7 @@
         <p:spPr>
           <a:xfrm>
             <a:off x="609358" y="2756349"/>
-            <a:ext cx="9344696" cy="3366243"/>
+            <a:ext cx="9344696" cy="2314544"/>
           </a:xfrm>
           <a:prstGeom prst="rect">
             <a:avLst/>
@@ -26811,25 +26908,231 @@
           </a:bodyPr>
           <a:lstStyle/>
           <a:p>
-            <a:pPr marL="285750" indent="-285750">
+            <a:pPr algn="just">
               <a:lnSpc>
                 <a:spcPct val="150000"/>
               </a:lnSpc>
-              <a:buFont typeface="Arial" pitchFamily="34" charset="0"/>
-              <a:buChar char="•"/>
             </a:pPr>
             <a:r>
-              <a:rPr lang="en-IN" sz="1800" dirty="0">
+              <a:rPr lang="en-IN" dirty="0">
                 <a:solidFill>
                   <a:srgbClr val="000000"/>
                 </a:solidFill>
                 <a:effectLst/>
-                <a:latin typeface="Times New Roman" panose="02020603050405020304" pitchFamily="18" charset="0"/>
+                <a:latin typeface="+mn-lt"/>
                 <a:ea typeface="Times New Roman" panose="02020603050405020304" pitchFamily="18" charset="0"/>
               </a:rPr>
               <a:t>Virtual reality (VR) horror games offer an unparalleled immersion by leveraging first-person perspective, realistic graphics, and interactive gameplay. Players experience the game world through the eyes of the protagonist, enhancing the feeling of presence and intensifying the horror experience. Detailed environments, coupled with atmospheric lighting, create a sense of dread, while interactivity allows players to manipulate objects and solve puzzles. Jump scares are effectively utilized to startle players, taking advantage of the heightened sense of immersion in VR. Compelling narratives further engage players, drawing them deeper into the terrifying world of VR horror gaming.</a:t>
             </a:r>
-            <a:endParaRPr lang="en-IN" sz="1600" dirty="0"/>
+            <a:endParaRPr lang="en-IN" dirty="0">
+              <a:latin typeface="+mn-lt"/>
+            </a:endParaRPr>
+          </a:p>
+        </p:txBody>
+      </p:sp>
+      <p:sp>
+        <p:nvSpPr>
+          <p:cNvPr id="3" name="Rectangle: Rounded Corners 2">
+            <a:extLst>
+              <a:ext uri="{FF2B5EF4-FFF2-40B4-BE49-F238E27FC236}">
+                <a16:creationId xmlns:a16="http://schemas.microsoft.com/office/drawing/2014/main" id="{771DFF95-B427-D191-9FE9-2A086A796EF6}"/>
+              </a:ext>
+            </a:extLst>
+          </p:cNvPr>
+          <p:cNvSpPr/>
+          <p:nvPr/>
+        </p:nvSpPr>
+        <p:spPr>
+          <a:xfrm>
+            <a:off x="1408620" y="5294518"/>
+            <a:ext cx="2362211" cy="578724"/>
+          </a:xfrm>
+          <a:prstGeom prst="roundRect">
+            <a:avLst>
+              <a:gd name="adj" fmla="val 12500"/>
+            </a:avLst>
+          </a:prstGeom>
+          <a:solidFill>
+            <a:srgbClr val="DBB986"/>
+          </a:solidFill>
+          <a:ln>
+            <a:solidFill>
+              <a:srgbClr val="E31F55"/>
+            </a:solidFill>
+          </a:ln>
+        </p:spPr>
+        <p:style>
+          <a:lnRef idx="0">
+            <a:scrgbClr r="0" g="0" b="0"/>
+          </a:lnRef>
+          <a:fillRef idx="0">
+            <a:scrgbClr r="0" g="0" b="0"/>
+          </a:fillRef>
+          <a:effectRef idx="0">
+            <a:scrgbClr r="0" g="0" b="0"/>
+          </a:effectRef>
+          <a:fontRef idx="minor">
+            <a:schemeClr val="lt1"/>
+          </a:fontRef>
+        </p:style>
+        <p:txBody>
+          <a:bodyPr rtlCol="0" anchor="ctr"/>
+          <a:lstStyle/>
+          <a:p>
+            <a:pPr marL="85725" algn="ctr"/>
+            <a:r>
+              <a:rPr lang="en-US" sz="1200" dirty="0" err="1">
+                <a:solidFill>
+                  <a:schemeClr val="tx1"/>
+                </a:solidFill>
+              </a:rPr>
+              <a:t>vr</a:t>
+            </a:r>
+            <a:r>
+              <a:rPr lang="en-US" sz="1200" dirty="0">
+                <a:solidFill>
+                  <a:schemeClr val="tx1"/>
+                </a:solidFill>
+              </a:rPr>
+              <a:t> horror game</a:t>
+            </a:r>
+            <a:endParaRPr lang="en-IN" sz="1200" dirty="0">
+              <a:solidFill>
+                <a:schemeClr val="tx1"/>
+              </a:solidFill>
+            </a:endParaRPr>
+          </a:p>
+        </p:txBody>
+      </p:sp>
+      <p:sp>
+        <p:nvSpPr>
+          <p:cNvPr id="8" name="Rectangle: Rounded Corners 7">
+            <a:extLst>
+              <a:ext uri="{FF2B5EF4-FFF2-40B4-BE49-F238E27FC236}">
+                <a16:creationId xmlns:a16="http://schemas.microsoft.com/office/drawing/2014/main" id="{93325E16-DF54-A1A8-6B10-B16B4657090B}"/>
+              </a:ext>
+            </a:extLst>
+          </p:cNvPr>
+          <p:cNvSpPr/>
+          <p:nvPr/>
+        </p:nvSpPr>
+        <p:spPr>
+          <a:xfrm>
+            <a:off x="4153472" y="5294518"/>
+            <a:ext cx="2362211" cy="578724"/>
+          </a:xfrm>
+          <a:prstGeom prst="roundRect">
+            <a:avLst>
+              <a:gd name="adj" fmla="val 12500"/>
+            </a:avLst>
+          </a:prstGeom>
+          <a:solidFill>
+            <a:srgbClr val="DBB986"/>
+          </a:solidFill>
+          <a:ln>
+            <a:solidFill>
+              <a:srgbClr val="E31F55"/>
+            </a:solidFill>
+          </a:ln>
+        </p:spPr>
+        <p:style>
+          <a:lnRef idx="0">
+            <a:scrgbClr r="0" g="0" b="0"/>
+          </a:lnRef>
+          <a:fillRef idx="0">
+            <a:scrgbClr r="0" g="0" b="0"/>
+          </a:fillRef>
+          <a:effectRef idx="0">
+            <a:scrgbClr r="0" g="0" b="0"/>
+          </a:effectRef>
+          <a:fontRef idx="minor">
+            <a:schemeClr val="lt1"/>
+          </a:fontRef>
+        </p:style>
+        <p:txBody>
+          <a:bodyPr rtlCol="0" anchor="ctr"/>
+          <a:lstStyle/>
+          <a:p>
+            <a:pPr marL="85725" algn="ctr"/>
+            <a:r>
+              <a:rPr lang="en-US" sz="1200" dirty="0">
+                <a:solidFill>
+                  <a:schemeClr val="tx1"/>
+                </a:solidFill>
+              </a:rPr>
+              <a:t>immersive gaming</a:t>
+            </a:r>
+            <a:endParaRPr lang="en-IN" sz="1200" dirty="0">
+              <a:solidFill>
+                <a:schemeClr val="tx1"/>
+              </a:solidFill>
+            </a:endParaRPr>
+          </a:p>
+        </p:txBody>
+      </p:sp>
+      <p:sp>
+        <p:nvSpPr>
+          <p:cNvPr id="10" name="Rectangle: Rounded Corners 9">
+            <a:extLst>
+              <a:ext uri="{FF2B5EF4-FFF2-40B4-BE49-F238E27FC236}">
+                <a16:creationId xmlns:a16="http://schemas.microsoft.com/office/drawing/2014/main" id="{75618EAC-A10B-BE31-CA83-FEA89B97D97F}"/>
+              </a:ext>
+            </a:extLst>
+          </p:cNvPr>
+          <p:cNvSpPr/>
+          <p:nvPr/>
+        </p:nvSpPr>
+        <p:spPr>
+          <a:xfrm>
+            <a:off x="6917807" y="5294518"/>
+            <a:ext cx="2362211" cy="578724"/>
+          </a:xfrm>
+          <a:prstGeom prst="roundRect">
+            <a:avLst>
+              <a:gd name="adj" fmla="val 12500"/>
+            </a:avLst>
+          </a:prstGeom>
+          <a:solidFill>
+            <a:srgbClr val="DBB986"/>
+          </a:solidFill>
+          <a:ln>
+            <a:solidFill>
+              <a:srgbClr val="E31F55"/>
+            </a:solidFill>
+          </a:ln>
+        </p:spPr>
+        <p:style>
+          <a:lnRef idx="0">
+            <a:scrgbClr r="0" g="0" b="0"/>
+          </a:lnRef>
+          <a:fillRef idx="0">
+            <a:scrgbClr r="0" g="0" b="0"/>
+          </a:fillRef>
+          <a:effectRef idx="0">
+            <a:scrgbClr r="0" g="0" b="0"/>
+          </a:effectRef>
+          <a:fontRef idx="minor">
+            <a:schemeClr val="lt1"/>
+          </a:fontRef>
+        </p:style>
+        <p:txBody>
+          <a:bodyPr rtlCol="0" anchor="ctr"/>
+          <a:lstStyle/>
+          <a:p>
+            <a:pPr marL="85725" algn="ctr"/>
+            <a:r>
+              <a:rPr lang="en-US" sz="1200" dirty="0">
+                <a:solidFill>
+                  <a:schemeClr val="tx1"/>
+                </a:solidFill>
+              </a:rPr>
+              <a:t>first person perspective</a:t>
+            </a:r>
+            <a:endParaRPr lang="en-IN" sz="1200" dirty="0">
+              <a:solidFill>
+                <a:schemeClr val="tx1"/>
+              </a:solidFill>
+            </a:endParaRPr>
           </a:p>
         </p:txBody>
       </p:sp>
@@ -26846,7 +27149,7 @@
 </p:sld>
 </file>
 
-<file path=ppt/slides/slide6.xml><?xml version="1.0" encoding="utf-8"?>
+<file path=ppt/slides/slide5.xml><?xml version="1.0" encoding="utf-8"?>
 <p:sld xmlns:a="http://schemas.openxmlformats.org/drawingml/2006/main" xmlns:r="http://schemas.openxmlformats.org/officeDocument/2006/relationships" xmlns:p="http://schemas.openxmlformats.org/presentationml/2006/main">
   <p:cSld>
     <p:spTree>
@@ -27406,7 +27709,7 @@
           <a:p>
             <a:fld id="{A174D43B-D405-4C66-AAFC-12F687A583A3}" type="datetime1">
               <a:rPr lang="en-US" smtClean="0"/>
-              <a:t>4/3/2024</a:t>
+              <a:t>4/4/2024</a:t>
             </a:fld>
             <a:endParaRPr lang="en-US"/>
           </a:p>
@@ -27482,7 +27785,7 @@
             </a:pPr>
             <a:fld id="{00000000-1234-1234-1234-123412341234}" type="slidenum">
               <a:rPr lang="en" smtClean="0"/>
-              <a:t>6</a:t>
+              <a:t>5</a:t>
             </a:fld>
             <a:endParaRPr lang="en" dirty="0"/>
           </a:p>
@@ -27520,7 +27823,7 @@
                 <a:latin typeface="Times New Roman" pitchFamily="18" charset="0"/>
                 <a:cs typeface="Times New Roman" pitchFamily="18" charset="0"/>
               </a:rPr>
-              <a:t>Literature Review (1slide)</a:t>
+              <a:t>Introduction(1-2 slides)</a:t>
             </a:r>
           </a:p>
         </p:txBody>
@@ -27602,7 +27905,7 @@
     </p:spTree>
     <p:extLst>
       <p:ext uri="{BB962C8B-B14F-4D97-AF65-F5344CB8AC3E}">
-        <p14:creationId xmlns:p14="http://schemas.microsoft.com/office/powerpoint/2010/main" val="628398019"/>
+        <p14:creationId xmlns:p14="http://schemas.microsoft.com/office/powerpoint/2010/main" val="2185215473"/>
       </p:ext>
     </p:extLst>
   </p:cSld>
@@ -27612,7 +27915,7 @@
 </p:sld>
 </file>
 
-<file path=ppt/slides/slide7.xml><?xml version="1.0" encoding="utf-8"?>
+<file path=ppt/slides/slide6.xml><?xml version="1.0" encoding="utf-8"?>
 <p:sld xmlns:a="http://schemas.openxmlformats.org/drawingml/2006/main" xmlns:r="http://schemas.openxmlformats.org/officeDocument/2006/relationships" xmlns:p="http://schemas.openxmlformats.org/presentationml/2006/main">
   <p:cSld>
     <p:spTree>
@@ -28172,7 +28475,7 @@
           <a:p>
             <a:fld id="{A174D43B-D405-4C66-AAFC-12F687A583A3}" type="datetime1">
               <a:rPr lang="en-US" smtClean="0"/>
-              <a:t>4/3/2024</a:t>
+              <a:t>4/4/2024</a:t>
             </a:fld>
             <a:endParaRPr lang="en-US"/>
           </a:p>
@@ -28248,7 +28551,7 @@
             </a:pPr>
             <a:fld id="{00000000-1234-1234-1234-123412341234}" type="slidenum">
               <a:rPr lang="en" smtClean="0"/>
-              <a:t>7</a:t>
+              <a:t>6</a:t>
             </a:fld>
             <a:endParaRPr lang="en" dirty="0"/>
           </a:p>
@@ -28286,7 +28589,7 @@
                 <a:latin typeface="Times New Roman" pitchFamily="18" charset="0"/>
                 <a:cs typeface="Times New Roman" pitchFamily="18" charset="0"/>
               </a:rPr>
-              <a:t>Problem Definition/ Review(1slide)</a:t>
+              <a:t>Introduction(1-2 slides)</a:t>
             </a:r>
           </a:p>
         </p:txBody>
@@ -28300,7 +28603,7 @@
         <p:spPr>
           <a:xfrm>
             <a:off x="609358" y="2756349"/>
-            <a:ext cx="9344696" cy="2308324"/>
+            <a:ext cx="9344696" cy="2314544"/>
           </a:xfrm>
           <a:prstGeom prst="rect">
             <a:avLst/>
@@ -28313,62 +28616,230 @@
           </a:bodyPr>
           <a:lstStyle/>
           <a:p>
-            <a:pPr marL="285750" indent="-285750">
+            <a:pPr>
               <a:lnSpc>
                 <a:spcPct val="150000"/>
               </a:lnSpc>
-              <a:buFont typeface="Arial" pitchFamily="34" charset="0"/>
-              <a:buChar char="•"/>
             </a:pPr>
             <a:r>
-              <a:rPr lang="en-US" sz="1600" dirty="0"/>
-              <a:t>Data science is the study of data to extract meaningful insights for business. It is a multidisciplinary approach that combines principles and practices from the fields of mathematics, statistics, artificial intelligence, and computer engineering to analyze large amounts of data.</a:t>
+              <a:rPr lang="en-IN" dirty="0">
+                <a:solidFill>
+                  <a:srgbClr val="000000"/>
+                </a:solidFill>
+                <a:effectLst/>
+                <a:latin typeface="+mn-lt"/>
+                <a:ea typeface="Times New Roman" panose="02020603050405020304" pitchFamily="18" charset="0"/>
+              </a:rPr>
+              <a:t>Virtual reality (VR) horror games offer an unparalleled immersion by leveraging first-person perspective, realistic graphics, and interactive gameplay. Players experience the game world through the eyes of the protagonist, enhancing the feeling of presence and intensifying the horror experience. Detailed environments, coupled with atmospheric lighting, create a sense of dread, while interactivity allows players to manipulate objects and solve puzzles. Jump scares are effectively utilized to startle players, taking advantage of the heightened sense of immersion in VR. Compelling narratives further engage players, drawing them deeper into the terrifying world of VR horror gaming.</a:t>
             </a:r>
-          </a:p>
-          <a:p>
-            <a:pPr marL="285750" indent="-285750">
-              <a:lnSpc>
-                <a:spcPct val="150000"/>
-              </a:lnSpc>
-              <a:buFont typeface="Arial" pitchFamily="34" charset="0"/>
-              <a:buChar char="•"/>
-            </a:pPr>
+            <a:endParaRPr lang="en-IN" dirty="0">
+              <a:latin typeface="+mn-lt"/>
+            </a:endParaRPr>
+          </a:p>
+        </p:txBody>
+      </p:sp>
+      <p:sp>
+        <p:nvSpPr>
+          <p:cNvPr id="3" name="Rectangle: Rounded Corners 2">
+            <a:extLst>
+              <a:ext uri="{FF2B5EF4-FFF2-40B4-BE49-F238E27FC236}">
+                <a16:creationId xmlns:a16="http://schemas.microsoft.com/office/drawing/2014/main" id="{771DFF95-B427-D191-9FE9-2A086A796EF6}"/>
+              </a:ext>
+            </a:extLst>
+          </p:cNvPr>
+          <p:cNvSpPr/>
+          <p:nvPr/>
+        </p:nvSpPr>
+        <p:spPr>
+          <a:xfrm>
+            <a:off x="1408620" y="5294518"/>
+            <a:ext cx="2362211" cy="578724"/>
+          </a:xfrm>
+          <a:prstGeom prst="roundRect">
+            <a:avLst>
+              <a:gd name="adj" fmla="val 12500"/>
+            </a:avLst>
+          </a:prstGeom>
+          <a:solidFill>
+            <a:srgbClr val="DBB986"/>
+          </a:solidFill>
+          <a:ln>
+            <a:solidFill>
+              <a:srgbClr val="E31F55"/>
+            </a:solidFill>
+          </a:ln>
+        </p:spPr>
+        <p:style>
+          <a:lnRef idx="0">
+            <a:scrgbClr r="0" g="0" b="0"/>
+          </a:lnRef>
+          <a:fillRef idx="0">
+            <a:scrgbClr r="0" g="0" b="0"/>
+          </a:fillRef>
+          <a:effectRef idx="0">
+            <a:scrgbClr r="0" g="0" b="0"/>
+          </a:effectRef>
+          <a:fontRef idx="minor">
+            <a:schemeClr val="lt1"/>
+          </a:fontRef>
+        </p:style>
+        <p:txBody>
+          <a:bodyPr rtlCol="0" anchor="ctr"/>
+          <a:lstStyle/>
+          <a:p>
+            <a:pPr marL="85725" algn="ctr"/>
             <a:r>
-              <a:rPr lang="en-US" sz="1600" dirty="0" err="1"/>
-              <a:t>Ghfg</a:t>
+              <a:rPr lang="en-US" sz="1100" dirty="0">
+                <a:solidFill>
+                  <a:schemeClr val="tx1"/>
+                </a:solidFill>
+              </a:rPr>
+              <a:t>VR Horror game</a:t>
             </a:r>
-            <a:endParaRPr lang="en-US" sz="1600" dirty="0"/>
-          </a:p>
-          <a:p>
-            <a:pPr marL="285750" indent="-285750">
-              <a:lnSpc>
-                <a:spcPct val="150000"/>
-              </a:lnSpc>
-              <a:buFont typeface="Arial" pitchFamily="34" charset="0"/>
-              <a:buChar char="•"/>
-            </a:pPr>
+            <a:endParaRPr lang="en-IN" sz="1100" dirty="0">
+              <a:solidFill>
+                <a:schemeClr val="tx1"/>
+              </a:solidFill>
+            </a:endParaRPr>
+          </a:p>
+        </p:txBody>
+      </p:sp>
+      <p:sp>
+        <p:nvSpPr>
+          <p:cNvPr id="8" name="Rectangle: Rounded Corners 7">
+            <a:extLst>
+              <a:ext uri="{FF2B5EF4-FFF2-40B4-BE49-F238E27FC236}">
+                <a16:creationId xmlns:a16="http://schemas.microsoft.com/office/drawing/2014/main" id="{93325E16-DF54-A1A8-6B10-B16B4657090B}"/>
+              </a:ext>
+            </a:extLst>
+          </p:cNvPr>
+          <p:cNvSpPr/>
+          <p:nvPr/>
+        </p:nvSpPr>
+        <p:spPr>
+          <a:xfrm>
+            <a:off x="4153472" y="5294518"/>
+            <a:ext cx="2362211" cy="578724"/>
+          </a:xfrm>
+          <a:prstGeom prst="roundRect">
+            <a:avLst>
+              <a:gd name="adj" fmla="val 12500"/>
+            </a:avLst>
+          </a:prstGeom>
+          <a:solidFill>
+            <a:srgbClr val="DBB986"/>
+          </a:solidFill>
+          <a:ln>
+            <a:solidFill>
+              <a:srgbClr val="E31F55"/>
+            </a:solidFill>
+          </a:ln>
+        </p:spPr>
+        <p:style>
+          <a:lnRef idx="0">
+            <a:scrgbClr r="0" g="0" b="0"/>
+          </a:lnRef>
+          <a:fillRef idx="0">
+            <a:scrgbClr r="0" g="0" b="0"/>
+          </a:fillRef>
+          <a:effectRef idx="0">
+            <a:scrgbClr r="0" g="0" b="0"/>
+          </a:effectRef>
+          <a:fontRef idx="minor">
+            <a:schemeClr val="lt1"/>
+          </a:fontRef>
+        </p:style>
+        <p:txBody>
+          <a:bodyPr rtlCol="0" anchor="ctr"/>
+          <a:lstStyle/>
+          <a:p>
+            <a:pPr marL="85725" algn="ctr"/>
             <a:r>
-              <a:rPr lang="en-US" sz="1600" dirty="0" err="1"/>
-              <a:t>Gfhg</a:t>
+              <a:rPr lang="en-US" sz="1100" dirty="0">
+                <a:solidFill>
+                  <a:schemeClr val="tx1"/>
+                </a:solidFill>
+              </a:rPr>
+              <a:t>Immersive gaming</a:t>
             </a:r>
-            <a:endParaRPr lang="en-US" sz="1600" dirty="0"/>
-          </a:p>
-          <a:p>
-            <a:pPr marL="285750" indent="-285750">
-              <a:lnSpc>
-                <a:spcPct val="150000"/>
-              </a:lnSpc>
-              <a:buFont typeface="Arial" pitchFamily="34" charset="0"/>
-              <a:buChar char="•"/>
-            </a:pPr>
-            <a:endParaRPr lang="en-IN" sz="1600" dirty="0"/>
+            <a:endParaRPr lang="en-IN" sz="1100" dirty="0">
+              <a:solidFill>
+                <a:schemeClr val="tx1"/>
+              </a:solidFill>
+            </a:endParaRPr>
+          </a:p>
+        </p:txBody>
+      </p:sp>
+      <p:sp>
+        <p:nvSpPr>
+          <p:cNvPr id="10" name="Rectangle: Rounded Corners 9">
+            <a:extLst>
+              <a:ext uri="{FF2B5EF4-FFF2-40B4-BE49-F238E27FC236}">
+                <a16:creationId xmlns:a16="http://schemas.microsoft.com/office/drawing/2014/main" id="{75618EAC-A10B-BE31-CA83-FEA89B97D97F}"/>
+              </a:ext>
+            </a:extLst>
+          </p:cNvPr>
+          <p:cNvSpPr/>
+          <p:nvPr/>
+        </p:nvSpPr>
+        <p:spPr>
+          <a:xfrm>
+            <a:off x="6917807" y="5294518"/>
+            <a:ext cx="2362211" cy="578724"/>
+          </a:xfrm>
+          <a:prstGeom prst="roundRect">
+            <a:avLst>
+              <a:gd name="adj" fmla="val 12500"/>
+            </a:avLst>
+          </a:prstGeom>
+          <a:solidFill>
+            <a:srgbClr val="DBB986"/>
+          </a:solidFill>
+          <a:ln>
+            <a:solidFill>
+              <a:srgbClr val="E31F55"/>
+            </a:solidFill>
+          </a:ln>
+        </p:spPr>
+        <p:style>
+          <a:lnRef idx="0">
+            <a:scrgbClr r="0" g="0" b="0"/>
+          </a:lnRef>
+          <a:fillRef idx="0">
+            <a:scrgbClr r="0" g="0" b="0"/>
+          </a:fillRef>
+          <a:effectRef idx="0">
+            <a:scrgbClr r="0" g="0" b="0"/>
+          </a:effectRef>
+          <a:fontRef idx="minor">
+            <a:schemeClr val="lt1"/>
+          </a:fontRef>
+        </p:style>
+        <p:txBody>
+          <a:bodyPr rtlCol="0" anchor="ctr"/>
+          <a:lstStyle/>
+          <a:p>
+            <a:pPr marL="85725" algn="ctr"/>
+            <a:r>
+              <a:rPr lang="en-US" sz="1100" dirty="0">
+                <a:solidFill>
+                  <a:schemeClr val="tx1"/>
+                </a:solidFill>
+              </a:rPr>
+              <a:t>Immersive gaming</a:t>
+            </a:r>
+            <a:endParaRPr lang="en-IN" sz="1100" dirty="0">
+              <a:solidFill>
+                <a:schemeClr val="tx1"/>
+              </a:solidFill>
+            </a:endParaRPr>
           </a:p>
         </p:txBody>
       </p:sp>
     </p:spTree>
     <p:extLst>
       <p:ext uri="{BB962C8B-B14F-4D97-AF65-F5344CB8AC3E}">
-        <p14:creationId xmlns:p14="http://schemas.microsoft.com/office/powerpoint/2010/main" val="2923093608"/>
+        <p14:creationId xmlns:p14="http://schemas.microsoft.com/office/powerpoint/2010/main" val="854319766"/>
       </p:ext>
     </p:extLst>
   </p:cSld>
@@ -28378,7 +28849,7 @@
 </p:sld>
 </file>
 
-<file path=ppt/slides/slide8.xml><?xml version="1.0" encoding="utf-8"?>
+<file path=ppt/slides/slide7.xml><?xml version="1.0" encoding="utf-8"?>
 <p:sld xmlns:a="http://schemas.openxmlformats.org/drawingml/2006/main" xmlns:r="http://schemas.openxmlformats.org/officeDocument/2006/relationships" xmlns:p="http://schemas.openxmlformats.org/presentationml/2006/main">
   <p:cSld>
     <p:spTree>
@@ -28938,7 +29409,7 @@
           <a:p>
             <a:fld id="{A174D43B-D405-4C66-AAFC-12F687A583A3}" type="datetime1">
               <a:rPr lang="en-US" smtClean="0"/>
-              <a:t>4/3/2024</a:t>
+              <a:t>4/4/2024</a:t>
             </a:fld>
             <a:endParaRPr lang="en-US"/>
           </a:p>
@@ -29014,7 +29485,7 @@
             </a:pPr>
             <a:fld id="{00000000-1234-1234-1234-123412341234}" type="slidenum">
               <a:rPr lang="en" smtClean="0"/>
-              <a:t>8</a:t>
+              <a:t>7</a:t>
             </a:fld>
             <a:endParaRPr lang="en" dirty="0"/>
           </a:p>
@@ -29029,7 +29500,7 @@
         <p:spPr>
           <a:xfrm>
             <a:off x="782345" y="1948423"/>
-            <a:ext cx="9171709" cy="646331"/>
+            <a:ext cx="9171709" cy="579967"/>
           </a:xfrm>
           <a:prstGeom prst="rect">
             <a:avLst/>
@@ -29052,89 +29523,802 @@
                 <a:latin typeface="Times New Roman" pitchFamily="18" charset="0"/>
                 <a:cs typeface="Times New Roman" pitchFamily="18" charset="0"/>
               </a:rPr>
-              <a:t>Methodology (1-3  slides)</a:t>
+              <a:t>Literature Review</a:t>
             </a:r>
           </a:p>
         </p:txBody>
       </p:sp>
-      <p:sp>
-        <p:nvSpPr>
-          <p:cNvPr id="9" name="TextBox 8"/>
-          <p:cNvSpPr txBox="1"/>
+      <p:grpSp>
+        <p:nvGrpSpPr>
+          <p:cNvPr id="53" name="Group 52">
+            <a:extLst>
+              <a:ext uri="{FF2B5EF4-FFF2-40B4-BE49-F238E27FC236}">
+                <a16:creationId xmlns:a16="http://schemas.microsoft.com/office/drawing/2014/main" id="{711FDACD-D66D-F59D-D5F2-1343FD2076B6}"/>
+              </a:ext>
+            </a:extLst>
+          </p:cNvPr>
+          <p:cNvGrpSpPr/>
           <p:nvPr/>
-        </p:nvSpPr>
-        <p:spPr>
+        </p:nvGrpSpPr>
+        <p:grpSpPr>
           <a:xfrm>
-            <a:off x="609358" y="2756349"/>
-            <a:ext cx="9344696" cy="2308324"/>
-          </a:xfrm>
-          <a:prstGeom prst="rect">
-            <a:avLst/>
-          </a:prstGeom>
-          <a:noFill/>
-        </p:spPr>
-        <p:txBody>
-          <a:bodyPr wrap="square" rtlCol="0">
-            <a:spAutoFit/>
-          </a:bodyPr>
-          <a:lstStyle/>
-          <a:p>
-            <a:pPr marL="285750" indent="-285750">
-              <a:lnSpc>
-                <a:spcPct val="150000"/>
-              </a:lnSpc>
-              <a:buFont typeface="Arial" pitchFamily="34" charset="0"/>
-              <a:buChar char="•"/>
-            </a:pPr>
-            <a:r>
-              <a:rPr lang="en-US" sz="1600" dirty="0"/>
-              <a:t>Data science is the study of data to extract meaningful insights for business. It is a multidisciplinary approach that combines principles and practices from the fields of mathematics, statistics, artificial intelligence, and computer engineering to analyze large amounts of data.</a:t>
-            </a:r>
-          </a:p>
-          <a:p>
-            <a:pPr marL="285750" indent="-285750">
-              <a:lnSpc>
-                <a:spcPct val="150000"/>
-              </a:lnSpc>
-              <a:buFont typeface="Arial" pitchFamily="34" charset="0"/>
-              <a:buChar char="•"/>
-            </a:pPr>
-            <a:r>
-              <a:rPr lang="en-US" sz="1600" dirty="0" err="1"/>
-              <a:t>Ghfg</a:t>
-            </a:r>
-            <a:endParaRPr lang="en-US" sz="1600" dirty="0"/>
-          </a:p>
-          <a:p>
-            <a:pPr marL="285750" indent="-285750">
-              <a:lnSpc>
-                <a:spcPct val="150000"/>
-              </a:lnSpc>
-              <a:buFont typeface="Arial" pitchFamily="34" charset="0"/>
-              <a:buChar char="•"/>
-            </a:pPr>
-            <a:r>
-              <a:rPr lang="en-US" sz="1600" dirty="0" err="1"/>
-              <a:t>Gfhg</a:t>
-            </a:r>
-            <a:endParaRPr lang="en-US" sz="1600" dirty="0"/>
-          </a:p>
-          <a:p>
-            <a:pPr marL="285750" indent="-285750">
-              <a:lnSpc>
-                <a:spcPct val="150000"/>
-              </a:lnSpc>
-              <a:buFont typeface="Arial" pitchFamily="34" charset="0"/>
-              <a:buChar char="•"/>
-            </a:pPr>
-            <a:endParaRPr lang="en-IN" sz="1600" dirty="0"/>
-          </a:p>
-        </p:txBody>
-      </p:sp>
+            <a:off x="1141174" y="2845397"/>
+            <a:ext cx="2522830" cy="3157932"/>
+            <a:chOff x="1141174" y="2845397"/>
+            <a:chExt cx="2522830" cy="3157932"/>
+          </a:xfrm>
+        </p:grpSpPr>
+        <p:sp>
+          <p:nvSpPr>
+            <p:cNvPr id="11" name="Rectangle: Rounded Corners 10">
+              <a:extLst>
+                <a:ext uri="{FF2B5EF4-FFF2-40B4-BE49-F238E27FC236}">
+                  <a16:creationId xmlns:a16="http://schemas.microsoft.com/office/drawing/2014/main" id="{F010B92E-56BD-56F7-01B2-195665888CAE}"/>
+                </a:ext>
+              </a:extLst>
+            </p:cNvPr>
+            <p:cNvSpPr/>
+            <p:nvPr/>
+          </p:nvSpPr>
+          <p:spPr>
+            <a:xfrm>
+              <a:off x="1141174" y="2845397"/>
+              <a:ext cx="2362211" cy="578724"/>
+            </a:xfrm>
+            <a:prstGeom prst="roundRect">
+              <a:avLst>
+                <a:gd name="adj" fmla="val 12500"/>
+              </a:avLst>
+            </a:prstGeom>
+            <a:solidFill>
+              <a:srgbClr val="DBB986"/>
+            </a:solidFill>
+            <a:ln>
+              <a:solidFill>
+                <a:srgbClr val="E31F55"/>
+              </a:solidFill>
+            </a:ln>
+          </p:spPr>
+          <p:style>
+            <a:lnRef idx="0">
+              <a:scrgbClr r="0" g="0" b="0"/>
+            </a:lnRef>
+            <a:fillRef idx="0">
+              <a:scrgbClr r="0" g="0" b="0"/>
+            </a:fillRef>
+            <a:effectRef idx="0">
+              <a:scrgbClr r="0" g="0" b="0"/>
+            </a:effectRef>
+            <a:fontRef idx="minor">
+              <a:schemeClr val="lt1"/>
+            </a:fontRef>
+          </p:style>
+          <p:txBody>
+            <a:bodyPr rtlCol="0" anchor="ctr"/>
+            <a:lstStyle/>
+            <a:p>
+              <a:pPr marL="85725"/>
+              <a:r>
+                <a:rPr lang="en-US" sz="1050" b="1" dirty="0">
+                  <a:solidFill>
+                    <a:schemeClr val="tx1"/>
+                  </a:solidFill>
+                </a:rPr>
+                <a:t>Level of Fear, 2018</a:t>
+              </a:r>
+            </a:p>
+            <a:p>
+              <a:pPr marL="85725"/>
+              <a:r>
+                <a:rPr lang="en-US" sz="100" b="1" dirty="0">
+                  <a:solidFill>
+                    <a:schemeClr val="tx1"/>
+                  </a:solidFill>
+                </a:rPr>
+                <a:t> </a:t>
+              </a:r>
+            </a:p>
+            <a:p>
+              <a:pPr marL="85725"/>
+              <a:r>
+                <a:rPr lang="en-IN" sz="1050" dirty="0">
+                  <a:solidFill>
+                    <a:schemeClr val="tx1"/>
+                  </a:solidFill>
+                </a:rPr>
+                <a:t>Categorize fear levels</a:t>
+              </a:r>
+            </a:p>
+          </p:txBody>
+        </p:sp>
+        <p:sp>
+          <p:nvSpPr>
+            <p:cNvPr id="21" name="Rectangle: Rounded Corners 20">
+              <a:extLst>
+                <a:ext uri="{FF2B5EF4-FFF2-40B4-BE49-F238E27FC236}">
+                  <a16:creationId xmlns:a16="http://schemas.microsoft.com/office/drawing/2014/main" id="{FFF9CD90-041A-CBBA-8A9E-1C24374A166D}"/>
+                </a:ext>
+              </a:extLst>
+            </p:cNvPr>
+            <p:cNvSpPr/>
+            <p:nvPr/>
+          </p:nvSpPr>
+          <p:spPr>
+            <a:xfrm>
+              <a:off x="1141175" y="4757109"/>
+              <a:ext cx="2522829" cy="1246220"/>
+            </a:xfrm>
+            <a:prstGeom prst="roundRect">
+              <a:avLst>
+                <a:gd name="adj" fmla="val 7914"/>
+              </a:avLst>
+            </a:prstGeom>
+            <a:solidFill>
+              <a:srgbClr val="DBB986"/>
+            </a:solidFill>
+            <a:ln>
+              <a:solidFill>
+                <a:srgbClr val="E31F55"/>
+              </a:solidFill>
+            </a:ln>
+          </p:spPr>
+          <p:style>
+            <a:lnRef idx="0">
+              <a:scrgbClr r="0" g="0" b="0"/>
+            </a:lnRef>
+            <a:fillRef idx="0">
+              <a:scrgbClr r="0" g="0" b="0"/>
+            </a:fillRef>
+            <a:effectRef idx="0">
+              <a:scrgbClr r="0" g="0" b="0"/>
+            </a:effectRef>
+            <a:fontRef idx="minor">
+              <a:schemeClr val="lt1"/>
+            </a:fontRef>
+          </p:style>
+          <p:txBody>
+            <a:bodyPr rtlCol="0" anchor="ctr"/>
+            <a:lstStyle/>
+            <a:p>
+              <a:pPr marL="85725"/>
+              <a:r>
+                <a:rPr lang="en-US" sz="1050" b="1" dirty="0">
+                  <a:solidFill>
+                    <a:schemeClr val="tx1"/>
+                  </a:solidFill>
+                </a:rPr>
+                <a:t>Adaptive virtual reality horror games based on Machine learning and player modeling, 2022</a:t>
+              </a:r>
+            </a:p>
+            <a:p>
+              <a:pPr marL="85725"/>
+              <a:r>
+                <a:rPr lang="en-US" sz="100" b="1" dirty="0">
+                  <a:solidFill>
+                    <a:schemeClr val="tx1"/>
+                  </a:solidFill>
+                </a:rPr>
+                <a:t> </a:t>
+              </a:r>
+              <a:endParaRPr lang="en-US" sz="1050" b="1" dirty="0">
+                <a:solidFill>
+                  <a:schemeClr val="tx1"/>
+                </a:solidFill>
+              </a:endParaRPr>
+            </a:p>
+            <a:p>
+              <a:pPr marL="85725"/>
+              <a:r>
+                <a:rPr lang="en-US" sz="1050" dirty="0">
+                  <a:solidFill>
+                    <a:schemeClr val="tx1"/>
+                  </a:solidFill>
+                </a:rPr>
+                <a:t>Dynamic adjustment based on behavior</a:t>
+              </a:r>
+              <a:endParaRPr lang="en-IN" sz="1050" dirty="0">
+                <a:solidFill>
+                  <a:schemeClr val="tx1"/>
+                </a:solidFill>
+              </a:endParaRPr>
+            </a:p>
+          </p:txBody>
+        </p:sp>
+        <p:sp>
+          <p:nvSpPr>
+            <p:cNvPr id="22" name="Rectangle: Rounded Corners 21">
+              <a:extLst>
+                <a:ext uri="{FF2B5EF4-FFF2-40B4-BE49-F238E27FC236}">
+                  <a16:creationId xmlns:a16="http://schemas.microsoft.com/office/drawing/2014/main" id="{9B1196E4-CFE6-D8DF-431E-1B6FEA9D83EC}"/>
+                </a:ext>
+              </a:extLst>
+            </p:cNvPr>
+            <p:cNvSpPr/>
+            <p:nvPr/>
+          </p:nvSpPr>
+          <p:spPr>
+            <a:xfrm>
+              <a:off x="1141175" y="3709109"/>
+              <a:ext cx="2362211" cy="728408"/>
+            </a:xfrm>
+            <a:prstGeom prst="roundRect">
+              <a:avLst>
+                <a:gd name="adj" fmla="val 12500"/>
+              </a:avLst>
+            </a:prstGeom>
+            <a:solidFill>
+              <a:srgbClr val="DBB986"/>
+            </a:solidFill>
+            <a:ln>
+              <a:solidFill>
+                <a:srgbClr val="E31F55"/>
+              </a:solidFill>
+            </a:ln>
+          </p:spPr>
+          <p:style>
+            <a:lnRef idx="0">
+              <a:scrgbClr r="0" g="0" b="0"/>
+            </a:lnRef>
+            <a:fillRef idx="0">
+              <a:scrgbClr r="0" g="0" b="0"/>
+            </a:fillRef>
+            <a:effectRef idx="0">
+              <a:scrgbClr r="0" g="0" b="0"/>
+            </a:effectRef>
+            <a:fontRef idx="minor">
+              <a:schemeClr val="lt1"/>
+            </a:fontRef>
+          </p:style>
+          <p:txBody>
+            <a:bodyPr rtlCol="0" anchor="ctr"/>
+            <a:lstStyle/>
+            <a:p>
+              <a:pPr marL="85725"/>
+              <a:r>
+                <a:rPr lang="en-US" sz="1050" b="1" dirty="0">
+                  <a:solidFill>
+                    <a:schemeClr val="tx1"/>
+                  </a:solidFill>
+                </a:rPr>
+                <a:t>So scary, yet so fun, 2018</a:t>
+              </a:r>
+            </a:p>
+            <a:p>
+              <a:pPr marL="85725"/>
+              <a:r>
+                <a:rPr lang="en-US" sz="100" b="1" dirty="0">
+                  <a:solidFill>
+                    <a:schemeClr val="tx1"/>
+                  </a:solidFill>
+                </a:rPr>
+                <a:t> </a:t>
+              </a:r>
+              <a:endParaRPr lang="en-US" sz="1050" b="1" dirty="0">
+                <a:solidFill>
+                  <a:schemeClr val="tx1"/>
+                </a:solidFill>
+              </a:endParaRPr>
+            </a:p>
+            <a:p>
+              <a:pPr marL="85725"/>
+              <a:r>
+                <a:rPr lang="en-US" sz="1050" dirty="0">
+                  <a:solidFill>
+                    <a:schemeClr val="tx1"/>
+                  </a:solidFill>
+                </a:rPr>
+                <a:t>potential in handling fear influences enjoyment</a:t>
+              </a:r>
+              <a:endParaRPr lang="en-IN" sz="1050" dirty="0">
+                <a:solidFill>
+                  <a:schemeClr val="tx1"/>
+                </a:solidFill>
+              </a:endParaRPr>
+            </a:p>
+          </p:txBody>
+        </p:sp>
+      </p:grpSp>
+      <p:grpSp>
+        <p:nvGrpSpPr>
+          <p:cNvPr id="54" name="Group 53">
+            <a:extLst>
+              <a:ext uri="{FF2B5EF4-FFF2-40B4-BE49-F238E27FC236}">
+                <a16:creationId xmlns:a16="http://schemas.microsoft.com/office/drawing/2014/main" id="{54C3D598-FB08-E9A4-955B-2CAED6192A8C}"/>
+              </a:ext>
+            </a:extLst>
+          </p:cNvPr>
+          <p:cNvGrpSpPr/>
+          <p:nvPr/>
+        </p:nvGrpSpPr>
+        <p:grpSpPr>
+          <a:xfrm>
+            <a:off x="4049567" y="2845397"/>
+            <a:ext cx="2522829" cy="3157932"/>
+            <a:chOff x="4036774" y="2845397"/>
+            <a:chExt cx="2522829" cy="3157932"/>
+          </a:xfrm>
+        </p:grpSpPr>
+        <p:sp>
+          <p:nvSpPr>
+            <p:cNvPr id="13" name="Rectangle: Rounded Corners 12">
+              <a:extLst>
+                <a:ext uri="{FF2B5EF4-FFF2-40B4-BE49-F238E27FC236}">
+                  <a16:creationId xmlns:a16="http://schemas.microsoft.com/office/drawing/2014/main" id="{AEFB8D36-98A9-98A6-70CF-083FB7806102}"/>
+                </a:ext>
+              </a:extLst>
+            </p:cNvPr>
+            <p:cNvSpPr/>
+            <p:nvPr/>
+          </p:nvSpPr>
+          <p:spPr>
+            <a:xfrm>
+              <a:off x="4036774" y="2845397"/>
+              <a:ext cx="2522828" cy="578724"/>
+            </a:xfrm>
+            <a:prstGeom prst="roundRect">
+              <a:avLst>
+                <a:gd name="adj" fmla="val 12500"/>
+              </a:avLst>
+            </a:prstGeom>
+            <a:solidFill>
+              <a:srgbClr val="DBB986"/>
+            </a:solidFill>
+            <a:ln>
+              <a:solidFill>
+                <a:srgbClr val="E31F55"/>
+              </a:solidFill>
+            </a:ln>
+          </p:spPr>
+          <p:style>
+            <a:lnRef idx="0">
+              <a:scrgbClr r="0" g="0" b="0"/>
+            </a:lnRef>
+            <a:fillRef idx="0">
+              <a:scrgbClr r="0" g="0" b="0"/>
+            </a:fillRef>
+            <a:effectRef idx="0">
+              <a:scrgbClr r="0" g="0" b="0"/>
+            </a:effectRef>
+            <a:fontRef idx="minor">
+              <a:schemeClr val="lt1"/>
+            </a:fontRef>
+          </p:style>
+          <p:txBody>
+            <a:bodyPr rtlCol="0" anchor="ctr"/>
+            <a:lstStyle/>
+            <a:p>
+              <a:pPr marL="85725"/>
+              <a:r>
+                <a:rPr lang="en-US" sz="1050" b="1" dirty="0">
+                  <a:solidFill>
+                    <a:schemeClr val="tx1"/>
+                  </a:solidFill>
+                </a:rPr>
+                <a:t>Horror Game Design, 2020</a:t>
+              </a:r>
+            </a:p>
+            <a:p>
+              <a:pPr marL="85725"/>
+              <a:r>
+                <a:rPr lang="en-US" sz="100" b="1" dirty="0">
+                  <a:solidFill>
+                    <a:schemeClr val="tx1"/>
+                  </a:solidFill>
+                </a:rPr>
+                <a:t> </a:t>
+              </a:r>
+              <a:endParaRPr lang="en-US" sz="1050" b="1" dirty="0">
+                <a:solidFill>
+                  <a:schemeClr val="tx1"/>
+                </a:solidFill>
+              </a:endParaRPr>
+            </a:p>
+            <a:p>
+              <a:pPr marL="85725"/>
+              <a:r>
+                <a:rPr lang="en-IN" sz="1050" dirty="0">
+                  <a:solidFill>
+                    <a:schemeClr val="tx1"/>
+                  </a:solidFill>
+                </a:rPr>
+                <a:t>Game level design patterns</a:t>
+              </a:r>
+            </a:p>
+          </p:txBody>
+        </p:sp>
+        <p:sp>
+          <p:nvSpPr>
+            <p:cNvPr id="23" name="Rectangle: Rounded Corners 22">
+              <a:extLst>
+                <a:ext uri="{FF2B5EF4-FFF2-40B4-BE49-F238E27FC236}">
+                  <a16:creationId xmlns:a16="http://schemas.microsoft.com/office/drawing/2014/main" id="{3D863A90-C37C-B07F-2396-78B3D71C6D97}"/>
+                </a:ext>
+              </a:extLst>
+            </p:cNvPr>
+            <p:cNvSpPr/>
+            <p:nvPr/>
+          </p:nvSpPr>
+          <p:spPr>
+            <a:xfrm>
+              <a:off x="4036774" y="3700412"/>
+              <a:ext cx="2522829" cy="1013312"/>
+            </a:xfrm>
+            <a:prstGeom prst="roundRect">
+              <a:avLst>
+                <a:gd name="adj" fmla="val 12500"/>
+              </a:avLst>
+            </a:prstGeom>
+            <a:solidFill>
+              <a:srgbClr val="DBB986"/>
+            </a:solidFill>
+            <a:ln>
+              <a:solidFill>
+                <a:srgbClr val="E31F55"/>
+              </a:solidFill>
+            </a:ln>
+          </p:spPr>
+          <p:style>
+            <a:lnRef idx="0">
+              <a:scrgbClr r="0" g="0" b="0"/>
+            </a:lnRef>
+            <a:fillRef idx="0">
+              <a:scrgbClr r="0" g="0" b="0"/>
+            </a:fillRef>
+            <a:effectRef idx="0">
+              <a:scrgbClr r="0" g="0" b="0"/>
+            </a:effectRef>
+            <a:fontRef idx="minor">
+              <a:schemeClr val="lt1"/>
+            </a:fontRef>
+          </p:style>
+          <p:txBody>
+            <a:bodyPr rtlCol="0" anchor="ctr"/>
+            <a:lstStyle/>
+            <a:p>
+              <a:pPr marL="85725"/>
+              <a:r>
+                <a:rPr lang="en-US" sz="1050" b="1" dirty="0">
+                  <a:solidFill>
+                    <a:schemeClr val="tx1"/>
+                  </a:solidFill>
+                </a:rPr>
+                <a:t>Virtual Reality Horror Games and Fear in Gaming, 2023</a:t>
+              </a:r>
+            </a:p>
+            <a:p>
+              <a:pPr marL="85725"/>
+              <a:r>
+                <a:rPr lang="en-US" sz="100" b="1" dirty="0">
+                  <a:solidFill>
+                    <a:schemeClr val="tx1"/>
+                  </a:solidFill>
+                </a:rPr>
+                <a:t> </a:t>
+              </a:r>
+              <a:endParaRPr lang="en-US" sz="1050" b="1" dirty="0">
+                <a:solidFill>
+                  <a:schemeClr val="tx1"/>
+                </a:solidFill>
+              </a:endParaRPr>
+            </a:p>
+            <a:p>
+              <a:pPr marL="85725"/>
+              <a:r>
+                <a:rPr lang="en-US" sz="1050" dirty="0">
+                  <a:solidFill>
+                    <a:schemeClr val="tx1"/>
+                  </a:solidFill>
+                </a:rPr>
+                <a:t>psychological aspects of horror games</a:t>
+              </a:r>
+              <a:endParaRPr lang="en-IN" sz="1050" dirty="0">
+                <a:solidFill>
+                  <a:schemeClr val="tx1"/>
+                </a:solidFill>
+              </a:endParaRPr>
+            </a:p>
+          </p:txBody>
+        </p:sp>
+        <p:sp>
+          <p:nvSpPr>
+            <p:cNvPr id="26" name="Rectangle: Rounded Corners 25">
+              <a:extLst>
+                <a:ext uri="{FF2B5EF4-FFF2-40B4-BE49-F238E27FC236}">
+                  <a16:creationId xmlns:a16="http://schemas.microsoft.com/office/drawing/2014/main" id="{2DDD8B08-34BA-07B9-956C-918DABD2C6D1}"/>
+                </a:ext>
+              </a:extLst>
+            </p:cNvPr>
+            <p:cNvSpPr/>
+            <p:nvPr/>
+          </p:nvSpPr>
+          <p:spPr>
+            <a:xfrm>
+              <a:off x="4036774" y="4990016"/>
+              <a:ext cx="2522829" cy="1013313"/>
+            </a:xfrm>
+            <a:prstGeom prst="roundRect">
+              <a:avLst>
+                <a:gd name="adj" fmla="val 12500"/>
+              </a:avLst>
+            </a:prstGeom>
+            <a:solidFill>
+              <a:srgbClr val="DBB986"/>
+            </a:solidFill>
+            <a:ln>
+              <a:solidFill>
+                <a:srgbClr val="E31F55"/>
+              </a:solidFill>
+            </a:ln>
+          </p:spPr>
+          <p:style>
+            <a:lnRef idx="0">
+              <a:scrgbClr r="0" g="0" b="0"/>
+            </a:lnRef>
+            <a:fillRef idx="0">
+              <a:scrgbClr r="0" g="0" b="0"/>
+            </a:fillRef>
+            <a:effectRef idx="0">
+              <a:scrgbClr r="0" g="0" b="0"/>
+            </a:effectRef>
+            <a:fontRef idx="minor">
+              <a:schemeClr val="lt1"/>
+            </a:fontRef>
+          </p:style>
+          <p:txBody>
+            <a:bodyPr rtlCol="0" anchor="ctr"/>
+            <a:lstStyle/>
+            <a:p>
+              <a:pPr marL="85725"/>
+              <a:r>
+                <a:rPr lang="en-US" sz="1050" b="1" dirty="0">
+                  <a:solidFill>
+                    <a:schemeClr val="tx1"/>
+                  </a:solidFill>
+                </a:rPr>
+                <a:t>Research on the Application of VR in Games, 2023</a:t>
+              </a:r>
+            </a:p>
+            <a:p>
+              <a:pPr marL="85725"/>
+              <a:r>
+                <a:rPr lang="en-US" sz="100" b="1" dirty="0">
+                  <a:solidFill>
+                    <a:schemeClr val="tx1"/>
+                  </a:solidFill>
+                </a:rPr>
+                <a:t> </a:t>
+              </a:r>
+              <a:endParaRPr lang="en-US" sz="1050" b="1" dirty="0">
+                <a:solidFill>
+                  <a:schemeClr val="tx1"/>
+                </a:solidFill>
+              </a:endParaRPr>
+            </a:p>
+            <a:p>
+              <a:pPr marL="85725"/>
+              <a:r>
+                <a:rPr lang="en-US" sz="1050" dirty="0">
+                  <a:solidFill>
+                    <a:schemeClr val="tx1"/>
+                  </a:solidFill>
+                </a:rPr>
+                <a:t>current technological advancements and potential</a:t>
+              </a:r>
+              <a:endParaRPr lang="en-IN" sz="1050" dirty="0">
+                <a:solidFill>
+                  <a:schemeClr val="tx1"/>
+                </a:solidFill>
+              </a:endParaRPr>
+            </a:p>
+          </p:txBody>
+        </p:sp>
+      </p:grpSp>
+      <p:grpSp>
+        <p:nvGrpSpPr>
+          <p:cNvPr id="55" name="Group 54">
+            <a:extLst>
+              <a:ext uri="{FF2B5EF4-FFF2-40B4-BE49-F238E27FC236}">
+                <a16:creationId xmlns:a16="http://schemas.microsoft.com/office/drawing/2014/main" id="{E1630B52-656F-9B61-C0B5-D501C3DFE36E}"/>
+              </a:ext>
+            </a:extLst>
+          </p:cNvPr>
+          <p:cNvGrpSpPr/>
+          <p:nvPr/>
+        </p:nvGrpSpPr>
+        <p:grpSpPr>
+          <a:xfrm>
+            <a:off x="6996059" y="2845396"/>
+            <a:ext cx="2589505" cy="2359175"/>
+            <a:chOff x="6996059" y="2845396"/>
+            <a:chExt cx="2589505" cy="2359175"/>
+          </a:xfrm>
+        </p:grpSpPr>
+        <p:sp>
+          <p:nvSpPr>
+            <p:cNvPr id="20" name="Rectangle: Rounded Corners 19">
+              <a:extLst>
+                <a:ext uri="{FF2B5EF4-FFF2-40B4-BE49-F238E27FC236}">
+                  <a16:creationId xmlns:a16="http://schemas.microsoft.com/office/drawing/2014/main" id="{90F7534E-5E7A-7E59-6577-032BCC3DEC46}"/>
+                </a:ext>
+              </a:extLst>
+            </p:cNvPr>
+            <p:cNvSpPr/>
+            <p:nvPr/>
+          </p:nvSpPr>
+          <p:spPr>
+            <a:xfrm>
+              <a:off x="6996059" y="2845396"/>
+              <a:ext cx="2589505" cy="1029692"/>
+            </a:xfrm>
+            <a:prstGeom prst="roundRect">
+              <a:avLst>
+                <a:gd name="adj" fmla="val 12500"/>
+              </a:avLst>
+            </a:prstGeom>
+            <a:solidFill>
+              <a:srgbClr val="DBB986"/>
+            </a:solidFill>
+            <a:ln>
+              <a:solidFill>
+                <a:srgbClr val="E31F55"/>
+              </a:solidFill>
+            </a:ln>
+          </p:spPr>
+          <p:style>
+            <a:lnRef idx="0">
+              <a:scrgbClr r="0" g="0" b="0"/>
+            </a:lnRef>
+            <a:fillRef idx="0">
+              <a:scrgbClr r="0" g="0" b="0"/>
+            </a:fillRef>
+            <a:effectRef idx="0">
+              <a:scrgbClr r="0" g="0" b="0"/>
+            </a:effectRef>
+            <a:fontRef idx="minor">
+              <a:schemeClr val="lt1"/>
+            </a:fontRef>
+          </p:style>
+          <p:txBody>
+            <a:bodyPr rtlCol="0" anchor="ctr"/>
+            <a:lstStyle/>
+            <a:p>
+              <a:pPr marL="85725"/>
+              <a:r>
+                <a:rPr lang="en-US" sz="1050" b="1" dirty="0">
+                  <a:solidFill>
+                    <a:schemeClr val="tx1"/>
+                  </a:solidFill>
+                </a:rPr>
+                <a:t>Analysis of the design aesthetics and player emotions of horror games, 2022</a:t>
+              </a:r>
+            </a:p>
+            <a:p>
+              <a:pPr marL="85725"/>
+              <a:r>
+                <a:rPr lang="en-US" sz="100" b="1" dirty="0">
+                  <a:solidFill>
+                    <a:schemeClr val="tx1"/>
+                  </a:solidFill>
+                </a:rPr>
+                <a:t> </a:t>
+              </a:r>
+              <a:endParaRPr lang="en-US" sz="1050" b="1" dirty="0">
+                <a:solidFill>
+                  <a:schemeClr val="tx1"/>
+                </a:solidFill>
+              </a:endParaRPr>
+            </a:p>
+            <a:p>
+              <a:pPr marL="85725"/>
+              <a:r>
+                <a:rPr lang="en-IN" sz="1050" dirty="0">
+                  <a:solidFill>
+                    <a:schemeClr val="tx1"/>
+                  </a:solidFill>
+                </a:rPr>
+                <a:t>Players' experience levels</a:t>
+              </a:r>
+            </a:p>
+          </p:txBody>
+        </p:sp>
+        <p:sp>
+          <p:nvSpPr>
+            <p:cNvPr id="27" name="Rectangle: Rounded Corners 26">
+              <a:extLst>
+                <a:ext uri="{FF2B5EF4-FFF2-40B4-BE49-F238E27FC236}">
+                  <a16:creationId xmlns:a16="http://schemas.microsoft.com/office/drawing/2014/main" id="{30F5E804-9607-4731-BF96-4B3B1508E0A5}"/>
+                </a:ext>
+              </a:extLst>
+            </p:cNvPr>
+            <p:cNvSpPr/>
+            <p:nvPr/>
+          </p:nvSpPr>
+          <p:spPr>
+            <a:xfrm>
+              <a:off x="6996059" y="4191258"/>
+              <a:ext cx="2589505" cy="1013313"/>
+            </a:xfrm>
+            <a:prstGeom prst="roundRect">
+              <a:avLst>
+                <a:gd name="adj" fmla="val 12500"/>
+              </a:avLst>
+            </a:prstGeom>
+            <a:solidFill>
+              <a:srgbClr val="DBB986"/>
+            </a:solidFill>
+            <a:ln>
+              <a:solidFill>
+                <a:srgbClr val="E31F55"/>
+              </a:solidFill>
+            </a:ln>
+          </p:spPr>
+          <p:style>
+            <a:lnRef idx="0">
+              <a:scrgbClr r="0" g="0" b="0"/>
+            </a:lnRef>
+            <a:fillRef idx="0">
+              <a:scrgbClr r="0" g="0" b="0"/>
+            </a:fillRef>
+            <a:effectRef idx="0">
+              <a:scrgbClr r="0" g="0" b="0"/>
+            </a:effectRef>
+            <a:fontRef idx="minor">
+              <a:schemeClr val="lt1"/>
+            </a:fontRef>
+          </p:style>
+          <p:txBody>
+            <a:bodyPr rtlCol="0" anchor="ctr"/>
+            <a:lstStyle/>
+            <a:p>
+              <a:pPr marL="85725"/>
+              <a:r>
+                <a:rPr lang="en-US" sz="1050" b="1" dirty="0">
+                  <a:solidFill>
+                    <a:schemeClr val="tx1"/>
+                  </a:solidFill>
+                </a:rPr>
+                <a:t>Research on the Progress of VR in Game, 2023</a:t>
+              </a:r>
+            </a:p>
+            <a:p>
+              <a:pPr marL="85725"/>
+              <a:r>
+                <a:rPr lang="en-US" sz="100" b="1" dirty="0">
+                  <a:solidFill>
+                    <a:schemeClr val="tx1"/>
+                  </a:solidFill>
+                </a:rPr>
+                <a:t> </a:t>
+              </a:r>
+              <a:endParaRPr lang="en-US" sz="1050" b="1" dirty="0">
+                <a:solidFill>
+                  <a:schemeClr val="tx1"/>
+                </a:solidFill>
+              </a:endParaRPr>
+            </a:p>
+            <a:p>
+              <a:pPr marL="85725"/>
+              <a:r>
+                <a:rPr lang="en-US" sz="1050" dirty="0">
+                  <a:solidFill>
+                    <a:schemeClr val="tx1"/>
+                  </a:solidFill>
+                </a:rPr>
+                <a:t>recent trends</a:t>
+              </a:r>
+              <a:endParaRPr lang="en-IN" sz="1050" dirty="0">
+                <a:solidFill>
+                  <a:schemeClr val="tx1"/>
+                </a:solidFill>
+              </a:endParaRPr>
+            </a:p>
+          </p:txBody>
+        </p:sp>
+      </p:grpSp>
     </p:spTree>
     <p:extLst>
       <p:ext uri="{BB962C8B-B14F-4D97-AF65-F5344CB8AC3E}">
-        <p14:creationId xmlns:p14="http://schemas.microsoft.com/office/powerpoint/2010/main" val="2923093608"/>
+        <p14:creationId xmlns:p14="http://schemas.microsoft.com/office/powerpoint/2010/main" val="628398019"/>
       </p:ext>
     </p:extLst>
   </p:cSld>
@@ -29144,7 +30328,7 @@
 </p:sld>
 </file>
 
-<file path=ppt/slides/slide9.xml><?xml version="1.0" encoding="utf-8"?>
+<file path=ppt/slides/slide8.xml><?xml version="1.0" encoding="utf-8"?>
 <p:sld xmlns:a="http://schemas.openxmlformats.org/drawingml/2006/main" xmlns:r="http://schemas.openxmlformats.org/officeDocument/2006/relationships" xmlns:p="http://schemas.openxmlformats.org/presentationml/2006/main">
   <p:cSld>
     <p:spTree>
@@ -29704,7 +30888,7 @@
           <a:p>
             <a:fld id="{A174D43B-D405-4C66-AAFC-12F687A583A3}" type="datetime1">
               <a:rPr lang="en-US" smtClean="0"/>
-              <a:t>4/3/2024</a:t>
+              <a:t>4/4/2024</a:t>
             </a:fld>
             <a:endParaRPr lang="en-US"/>
           </a:p>
@@ -29780,7 +30964,7 @@
             </a:pPr>
             <a:fld id="{00000000-1234-1234-1234-123412341234}" type="slidenum">
               <a:rPr lang="en" smtClean="0"/>
-              <a:t>9</a:t>
+              <a:t>8</a:t>
             </a:fld>
             <a:endParaRPr lang="en" dirty="0"/>
           </a:p>
@@ -29818,7 +31002,7 @@
                 <a:latin typeface="Times New Roman" pitchFamily="18" charset="0"/>
                 <a:cs typeface="Times New Roman" pitchFamily="18" charset="0"/>
               </a:rPr>
-              <a:t>Methodology (1-3  slides)</a:t>
+              <a:t>Problem Definition/ Review(1slide)</a:t>
             </a:r>
           </a:p>
         </p:txBody>
@@ -29900,7 +31084,1457 @@
     </p:spTree>
     <p:extLst>
       <p:ext uri="{BB962C8B-B14F-4D97-AF65-F5344CB8AC3E}">
-        <p14:creationId xmlns:p14="http://schemas.microsoft.com/office/powerpoint/2010/main" val="3395871090"/>
+        <p14:creationId xmlns:p14="http://schemas.microsoft.com/office/powerpoint/2010/main" val="2923093608"/>
+      </p:ext>
+    </p:extLst>
+  </p:cSld>
+  <p:clrMapOvr>
+    <a:masterClrMapping/>
+  </p:clrMapOvr>
+</p:sld>
+</file>
+
+<file path=ppt/slides/slide9.xml><?xml version="1.0" encoding="utf-8"?>
+<p:sld xmlns:a="http://schemas.openxmlformats.org/drawingml/2006/main" xmlns:r="http://schemas.openxmlformats.org/officeDocument/2006/relationships" xmlns:p="http://schemas.openxmlformats.org/presentationml/2006/main">
+  <p:cSld>
+    <p:spTree>
+      <p:nvGrpSpPr>
+        <p:cNvPr id="1" name="Shape 128"/>
+        <p:cNvGrpSpPr/>
+        <p:nvPr/>
+      </p:nvGrpSpPr>
+      <p:grpSpPr>
+        <a:xfrm>
+          <a:off x="0" y="0"/>
+          <a:ext cx="0" cy="0"/>
+          <a:chOff x="0" y="0"/>
+          <a:chExt cx="0" cy="0"/>
+        </a:xfrm>
+      </p:grpSpPr>
+      <p:sp>
+        <p:nvSpPr>
+          <p:cNvPr id="129" name="Google Shape;129;p25"/>
+          <p:cNvSpPr/>
+          <p:nvPr/>
+        </p:nvSpPr>
+        <p:spPr>
+          <a:xfrm rot="5400000">
+            <a:off x="1567549" y="-1576276"/>
+            <a:ext cx="7553325" cy="10696575"/>
+          </a:xfrm>
+          <a:custGeom>
+            <a:avLst/>
+            <a:gdLst/>
+            <a:ahLst/>
+            <a:cxnLst/>
+            <a:rect l="l" t="t" r="r" b="b"/>
+            <a:pathLst>
+              <a:path w="7553325" h="10696575" extrusionOk="0">
+                <a:moveTo>
+                  <a:pt x="0" y="10696575"/>
+                </a:moveTo>
+                <a:lnTo>
+                  <a:pt x="0" y="0"/>
+                </a:lnTo>
+                <a:lnTo>
+                  <a:pt x="7553325" y="0"/>
+                </a:lnTo>
+                <a:lnTo>
+                  <a:pt x="7553325" y="10696575"/>
+                </a:lnTo>
+                <a:lnTo>
+                  <a:pt x="0" y="10696575"/>
+                </a:lnTo>
+                <a:close/>
+              </a:path>
+            </a:pathLst>
+          </a:custGeom>
+          <a:blipFill rotWithShape="1">
+            <a:blip r:embed="rId3">
+              <a:alphaModFix/>
+            </a:blip>
+            <a:stretch>
+              <a:fillRect l="-1479" t="-2019" r="-2619" b="-2059"/>
+            </a:stretch>
+          </a:blipFill>
+          <a:ln>
+            <a:noFill/>
+          </a:ln>
+        </p:spPr>
+        <p:txBody>
+          <a:bodyPr/>
+          <a:lstStyle/>
+          <a:p>
+            <a:endParaRPr lang="en-IN" dirty="0"/>
+          </a:p>
+        </p:txBody>
+      </p:sp>
+      <p:sp>
+        <p:nvSpPr>
+          <p:cNvPr id="134" name="Google Shape;134;p25"/>
+          <p:cNvSpPr/>
+          <p:nvPr/>
+        </p:nvSpPr>
+        <p:spPr>
+          <a:xfrm>
+            <a:off x="262614" y="244907"/>
+            <a:ext cx="10143929" cy="7054210"/>
+          </a:xfrm>
+          <a:custGeom>
+            <a:avLst/>
+            <a:gdLst/>
+            <a:ahLst/>
+            <a:cxnLst/>
+            <a:rect l="l" t="t" r="r" b="b"/>
+            <a:pathLst>
+              <a:path w="18960615" h="13185439" extrusionOk="0">
+                <a:moveTo>
+                  <a:pt x="0" y="0"/>
+                </a:moveTo>
+                <a:lnTo>
+                  <a:pt x="0" y="13185439"/>
+                </a:lnTo>
+                <a:lnTo>
+                  <a:pt x="18960615" y="13185439"/>
+                </a:lnTo>
+                <a:lnTo>
+                  <a:pt x="18960615" y="0"/>
+                </a:lnTo>
+                <a:lnTo>
+                  <a:pt x="0" y="0"/>
+                </a:lnTo>
+                <a:close/>
+                <a:moveTo>
+                  <a:pt x="18899654" y="13124480"/>
+                </a:moveTo>
+                <a:lnTo>
+                  <a:pt x="59690" y="13124480"/>
+                </a:lnTo>
+                <a:lnTo>
+                  <a:pt x="59690" y="59690"/>
+                </a:lnTo>
+                <a:lnTo>
+                  <a:pt x="18899654" y="59690"/>
+                </a:lnTo>
+                <a:lnTo>
+                  <a:pt x="18899654" y="13124480"/>
+                </a:lnTo>
+                <a:close/>
+              </a:path>
+            </a:pathLst>
+          </a:custGeom>
+          <a:solidFill>
+            <a:srgbClr val="DBB986"/>
+          </a:solidFill>
+          <a:ln>
+            <a:noFill/>
+          </a:ln>
+        </p:spPr>
+      </p:sp>
+      <p:sp>
+        <p:nvSpPr>
+          <p:cNvPr id="138" name="Google Shape;138;p25"/>
+          <p:cNvSpPr/>
+          <p:nvPr/>
+        </p:nvSpPr>
+        <p:spPr>
+          <a:xfrm rot="5400000">
+            <a:off x="9243276" y="6178001"/>
+            <a:ext cx="1003772" cy="998753"/>
+          </a:xfrm>
+          <a:custGeom>
+            <a:avLst/>
+            <a:gdLst/>
+            <a:ahLst/>
+            <a:cxnLst/>
+            <a:rect l="l" t="t" r="r" b="b"/>
+            <a:pathLst>
+              <a:path w="1003772" h="998753" extrusionOk="0">
+                <a:moveTo>
+                  <a:pt x="0" y="0"/>
+                </a:moveTo>
+                <a:lnTo>
+                  <a:pt x="1003772" y="0"/>
+                </a:lnTo>
+                <a:lnTo>
+                  <a:pt x="1003772" y="998753"/>
+                </a:lnTo>
+                <a:lnTo>
+                  <a:pt x="0" y="998753"/>
+                </a:lnTo>
+                <a:lnTo>
+                  <a:pt x="0" y="0"/>
+                </a:lnTo>
+                <a:close/>
+              </a:path>
+            </a:pathLst>
+          </a:custGeom>
+          <a:blipFill rotWithShape="1">
+            <a:blip r:embed="rId4">
+              <a:alphaModFix/>
+            </a:blip>
+            <a:stretch>
+              <a:fillRect/>
+            </a:stretch>
+          </a:blipFill>
+          <a:ln>
+            <a:noFill/>
+          </a:ln>
+        </p:spPr>
+      </p:sp>
+      <p:sp>
+        <p:nvSpPr>
+          <p:cNvPr id="139" name="Google Shape;139;p25"/>
+          <p:cNvSpPr/>
+          <p:nvPr/>
+        </p:nvSpPr>
+        <p:spPr>
+          <a:xfrm>
+            <a:off x="8973836" y="538074"/>
+            <a:ext cx="1153206" cy="1060241"/>
+          </a:xfrm>
+          <a:custGeom>
+            <a:avLst/>
+            <a:gdLst/>
+            <a:ahLst/>
+            <a:cxnLst/>
+            <a:rect l="l" t="t" r="r" b="b"/>
+            <a:pathLst>
+              <a:path w="1153206" h="1060241" extrusionOk="0">
+                <a:moveTo>
+                  <a:pt x="0" y="0"/>
+                </a:moveTo>
+                <a:lnTo>
+                  <a:pt x="1153206" y="0"/>
+                </a:lnTo>
+                <a:lnTo>
+                  <a:pt x="1153206" y="1060241"/>
+                </a:lnTo>
+                <a:lnTo>
+                  <a:pt x="0" y="1060241"/>
+                </a:lnTo>
+                <a:lnTo>
+                  <a:pt x="0" y="0"/>
+                </a:lnTo>
+                <a:close/>
+              </a:path>
+            </a:pathLst>
+          </a:custGeom>
+          <a:blipFill rotWithShape="1">
+            <a:blip r:embed="rId5">
+              <a:alphaModFix/>
+            </a:blip>
+            <a:stretch>
+              <a:fillRect/>
+            </a:stretch>
+          </a:blipFill>
+          <a:ln>
+            <a:noFill/>
+          </a:ln>
+        </p:spPr>
+      </p:sp>
+      <p:sp>
+        <p:nvSpPr>
+          <p:cNvPr id="144" name="Google Shape;144;p25"/>
+          <p:cNvSpPr txBox="1"/>
+          <p:nvPr/>
+        </p:nvSpPr>
+        <p:spPr>
+          <a:xfrm>
+            <a:off x="1733738" y="491681"/>
+            <a:ext cx="7105216" cy="1188402"/>
+          </a:xfrm>
+          <a:prstGeom prst="rect">
+            <a:avLst/>
+          </a:prstGeom>
+          <a:noFill/>
+          <a:ln>
+            <a:noFill/>
+          </a:ln>
+        </p:spPr>
+        <p:txBody>
+          <a:bodyPr spcFirstLastPara="1" wrap="square" lIns="0" tIns="0" rIns="0" bIns="0" anchor="t" anchorCtr="0">
+            <a:spAutoFit/>
+          </a:bodyPr>
+          <a:lstStyle/>
+          <a:p>
+            <a:pPr marL="0" marR="0" lvl="0" indent="0" algn="ctr" rtl="0">
+              <a:lnSpc>
+                <a:spcPct val="143008"/>
+              </a:lnSpc>
+              <a:spcBef>
+                <a:spcPts val="0"/>
+              </a:spcBef>
+              <a:spcAft>
+                <a:spcPts val="0"/>
+              </a:spcAft>
+              <a:buNone/>
+            </a:pPr>
+            <a:r>
+              <a:rPr lang="en" sz="1800" b="1" i="0" u="none" strike="noStrike" cap="none" dirty="0">
+                <a:solidFill>
+                  <a:srgbClr val="A50021"/>
+                </a:solidFill>
+                <a:latin typeface="Merriweather"/>
+                <a:ea typeface="Merriweather"/>
+                <a:cs typeface="Merriweather"/>
+                <a:sym typeface="Merriweather"/>
+              </a:rPr>
+              <a:t>2</a:t>
+            </a:r>
+            <a:r>
+              <a:rPr lang="en" sz="1800" b="1" i="0" u="none" strike="noStrike" cap="none" baseline="30000" dirty="0">
+                <a:solidFill>
+                  <a:srgbClr val="A50021"/>
+                </a:solidFill>
+                <a:latin typeface="Merriweather"/>
+                <a:ea typeface="Merriweather"/>
+                <a:cs typeface="Merriweather"/>
+                <a:sym typeface="Merriweather"/>
+              </a:rPr>
+              <a:t>nd</a:t>
+            </a:r>
+            <a:r>
+              <a:rPr lang="en" sz="1800" b="1" i="0" u="none" strike="noStrike" cap="none" dirty="0">
+                <a:solidFill>
+                  <a:srgbClr val="A50021"/>
+                </a:solidFill>
+                <a:latin typeface="Merriweather"/>
+                <a:ea typeface="Merriweather"/>
+                <a:cs typeface="Merriweather"/>
+                <a:sym typeface="Merriweather"/>
+              </a:rPr>
+              <a:t>  International Conference on</a:t>
+            </a:r>
+            <a:endParaRPr lang="en" b="1" dirty="0">
+              <a:solidFill>
+                <a:srgbClr val="A50021"/>
+              </a:solidFill>
+              <a:latin typeface="Merriweather"/>
+              <a:ea typeface="Merriweather"/>
+              <a:cs typeface="Merriweather"/>
+              <a:sym typeface="Merriweather"/>
+            </a:endParaRPr>
+          </a:p>
+          <a:p>
+            <a:pPr marL="0" marR="0" lvl="0" indent="0" algn="ctr" rtl="0">
+              <a:lnSpc>
+                <a:spcPct val="143008"/>
+              </a:lnSpc>
+              <a:spcBef>
+                <a:spcPts val="0"/>
+              </a:spcBef>
+              <a:spcAft>
+                <a:spcPts val="0"/>
+              </a:spcAft>
+              <a:buNone/>
+            </a:pPr>
+            <a:r>
+              <a:rPr lang="en" sz="1800" b="1" i="0" u="none" strike="noStrike" cap="none" dirty="0">
+                <a:solidFill>
+                  <a:srgbClr val="32312F"/>
+                </a:solidFill>
+                <a:latin typeface="Merriweather"/>
+                <a:ea typeface="Merriweather"/>
+                <a:cs typeface="Merriweather"/>
+                <a:sym typeface="Merriweather"/>
+              </a:rPr>
+              <a:t>Advances in Technology and Management (ICATM -2024)</a:t>
+            </a:r>
+          </a:p>
+          <a:p>
+            <a:pPr marL="0" marR="0" lvl="0" indent="0" algn="ctr" rtl="0">
+              <a:lnSpc>
+                <a:spcPct val="143008"/>
+              </a:lnSpc>
+              <a:spcBef>
+                <a:spcPts val="0"/>
+              </a:spcBef>
+              <a:spcAft>
+                <a:spcPts val="0"/>
+              </a:spcAft>
+              <a:buNone/>
+            </a:pPr>
+            <a:r>
+              <a:rPr lang="en" sz="1800" b="1" dirty="0">
+                <a:solidFill>
+                  <a:srgbClr val="32312F"/>
+                </a:solidFill>
+                <a:latin typeface="Merriweather"/>
+                <a:ea typeface="Merriweather"/>
+                <a:cs typeface="Merriweather"/>
+                <a:sym typeface="Merriweather"/>
+              </a:rPr>
+              <a:t>April 5-6, 2024</a:t>
+            </a:r>
+            <a:endParaRPr lang="en" sz="1800" b="1" i="0" u="none" strike="noStrike" cap="none" dirty="0">
+              <a:solidFill>
+                <a:srgbClr val="32312F"/>
+              </a:solidFill>
+              <a:latin typeface="Merriweather"/>
+              <a:ea typeface="Merriweather"/>
+              <a:cs typeface="Merriweather"/>
+              <a:sym typeface="Merriweather"/>
+            </a:endParaRPr>
+          </a:p>
+        </p:txBody>
+      </p:sp>
+      <p:grpSp>
+        <p:nvGrpSpPr>
+          <p:cNvPr id="154" name="Google Shape;154;p25"/>
+          <p:cNvGrpSpPr/>
+          <p:nvPr/>
+        </p:nvGrpSpPr>
+        <p:grpSpPr>
+          <a:xfrm>
+            <a:off x="569499" y="279351"/>
+            <a:ext cx="1032431" cy="1577090"/>
+            <a:chOff x="0" y="0"/>
+            <a:chExt cx="1377125" cy="2103909"/>
+          </a:xfrm>
+        </p:grpSpPr>
+        <p:sp>
+          <p:nvSpPr>
+            <p:cNvPr id="155" name="Google Shape;155;p25"/>
+            <p:cNvSpPr/>
+            <p:nvPr/>
+          </p:nvSpPr>
+          <p:spPr>
+            <a:xfrm>
+              <a:off x="53166" y="0"/>
+              <a:ext cx="1144044" cy="1459884"/>
+            </a:xfrm>
+            <a:custGeom>
+              <a:avLst/>
+              <a:gdLst/>
+              <a:ahLst/>
+              <a:cxnLst/>
+              <a:rect l="l" t="t" r="r" b="b"/>
+              <a:pathLst>
+                <a:path w="1144044" h="1459884" extrusionOk="0">
+                  <a:moveTo>
+                    <a:pt x="0" y="0"/>
+                  </a:moveTo>
+                  <a:lnTo>
+                    <a:pt x="1144044" y="0"/>
+                  </a:lnTo>
+                  <a:lnTo>
+                    <a:pt x="1144044" y="1459884"/>
+                  </a:lnTo>
+                  <a:lnTo>
+                    <a:pt x="0" y="1459884"/>
+                  </a:lnTo>
+                  <a:lnTo>
+                    <a:pt x="0" y="0"/>
+                  </a:lnTo>
+                  <a:close/>
+                </a:path>
+              </a:pathLst>
+            </a:custGeom>
+            <a:blipFill rotWithShape="1">
+              <a:blip r:embed="rId6">
+                <a:alphaModFix/>
+              </a:blip>
+              <a:stretch>
+                <a:fillRect l="-9288" r="-156097"/>
+              </a:stretch>
+            </a:blipFill>
+            <a:ln>
+              <a:noFill/>
+            </a:ln>
+          </p:spPr>
+        </p:sp>
+        <p:sp>
+          <p:nvSpPr>
+            <p:cNvPr id="156" name="Google Shape;156;p25"/>
+            <p:cNvSpPr/>
+            <p:nvPr/>
+          </p:nvSpPr>
+          <p:spPr>
+            <a:xfrm>
+              <a:off x="0" y="997725"/>
+              <a:ext cx="1377125" cy="1106184"/>
+            </a:xfrm>
+            <a:custGeom>
+              <a:avLst/>
+              <a:gdLst/>
+              <a:ahLst/>
+              <a:cxnLst/>
+              <a:rect l="l" t="t" r="r" b="b"/>
+              <a:pathLst>
+                <a:path w="1377125" h="1106184" extrusionOk="0">
+                  <a:moveTo>
+                    <a:pt x="0" y="0"/>
+                  </a:moveTo>
+                  <a:lnTo>
+                    <a:pt x="1377125" y="0"/>
+                  </a:lnTo>
+                  <a:lnTo>
+                    <a:pt x="1377125" y="1106184"/>
+                  </a:lnTo>
+                  <a:lnTo>
+                    <a:pt x="0" y="1106184"/>
+                  </a:lnTo>
+                  <a:lnTo>
+                    <a:pt x="0" y="0"/>
+                  </a:lnTo>
+                  <a:close/>
+                </a:path>
+              </a:pathLst>
+            </a:custGeom>
+            <a:blipFill rotWithShape="1">
+              <a:blip r:embed="rId6">
+                <a:alphaModFix/>
+              </a:blip>
+              <a:stretch>
+                <a:fillRect l="-61558" r="-5489"/>
+              </a:stretch>
+            </a:blipFill>
+            <a:ln>
+              <a:noFill/>
+            </a:ln>
+          </p:spPr>
+        </p:sp>
+      </p:grpSp>
+      <p:sp>
+        <p:nvSpPr>
+          <p:cNvPr id="4" name="TextBox 3">
+            <a:extLst>
+              <a:ext uri="{FF2B5EF4-FFF2-40B4-BE49-F238E27FC236}">
+                <a16:creationId xmlns:a16="http://schemas.microsoft.com/office/drawing/2014/main" id="{E17C3476-4596-AACD-F571-F72260543B90}"/>
+              </a:ext>
+            </a:extLst>
+          </p:cNvPr>
+          <p:cNvSpPr txBox="1"/>
+          <p:nvPr/>
+        </p:nvSpPr>
+        <p:spPr>
+          <a:xfrm>
+            <a:off x="609358" y="1680083"/>
+            <a:ext cx="9517684" cy="307777"/>
+          </a:xfrm>
+          <a:prstGeom prst="rect">
+            <a:avLst/>
+          </a:prstGeom>
+          <a:noFill/>
+        </p:spPr>
+        <p:txBody>
+          <a:bodyPr wrap="square" rtlCol="0">
+            <a:spAutoFit/>
+          </a:bodyPr>
+          <a:lstStyle/>
+          <a:p>
+            <a:r>
+              <a:rPr lang="en-IN" dirty="0"/>
+              <a:t>--------------------------------------------------------------------------------------------------------------------------------------------------------------</a:t>
+            </a:r>
+          </a:p>
+        </p:txBody>
+      </p:sp>
+      <p:sp>
+        <p:nvSpPr>
+          <p:cNvPr id="5" name="Date Placeholder 4">
+            <a:extLst>
+              <a:ext uri="{FF2B5EF4-FFF2-40B4-BE49-F238E27FC236}">
+                <a16:creationId xmlns:a16="http://schemas.microsoft.com/office/drawing/2014/main" id="{49539010-E3C3-5A82-7273-79D392E4C348}"/>
+              </a:ext>
+            </a:extLst>
+          </p:cNvPr>
+          <p:cNvSpPr>
+            <a:spLocks noGrp="1"/>
+          </p:cNvSpPr>
+          <p:nvPr>
+            <p:ph type="dt" idx="10"/>
+          </p:nvPr>
+        </p:nvSpPr>
+        <p:spPr/>
+        <p:txBody>
+          <a:bodyPr/>
+          <a:lstStyle/>
+          <a:p>
+            <a:fld id="{A174D43B-D405-4C66-AAFC-12F687A583A3}" type="datetime1">
+              <a:rPr lang="en-US" smtClean="0"/>
+              <a:t>4/4/2024</a:t>
+            </a:fld>
+            <a:endParaRPr lang="en-US"/>
+          </a:p>
+        </p:txBody>
+      </p:sp>
+      <p:sp>
+        <p:nvSpPr>
+          <p:cNvPr id="6" name="Footer Placeholder 5">
+            <a:extLst>
+              <a:ext uri="{FF2B5EF4-FFF2-40B4-BE49-F238E27FC236}">
+                <a16:creationId xmlns:a16="http://schemas.microsoft.com/office/drawing/2014/main" id="{4A42F6E0-E106-D588-097B-4BFE24A2430F}"/>
+              </a:ext>
+            </a:extLst>
+          </p:cNvPr>
+          <p:cNvSpPr>
+            <a:spLocks noGrp="1"/>
+          </p:cNvSpPr>
+          <p:nvPr>
+            <p:ph type="ftr" idx="11"/>
+          </p:nvPr>
+        </p:nvSpPr>
+        <p:spPr>
+          <a:xfrm>
+            <a:off x="3897562" y="6353364"/>
+            <a:ext cx="2894400" cy="364800"/>
+          </a:xfrm>
+        </p:spPr>
+        <p:txBody>
+          <a:bodyPr/>
+          <a:lstStyle/>
+          <a:p>
+            <a:r>
+              <a:rPr lang="en-IN" dirty="0"/>
+              <a:t>ICATM-2024</a:t>
+            </a:r>
+          </a:p>
+        </p:txBody>
+      </p:sp>
+      <p:sp>
+        <p:nvSpPr>
+          <p:cNvPr id="7" name="Slide Number Placeholder 6">
+            <a:extLst>
+              <a:ext uri="{FF2B5EF4-FFF2-40B4-BE49-F238E27FC236}">
+                <a16:creationId xmlns:a16="http://schemas.microsoft.com/office/drawing/2014/main" id="{6D055D19-C0D5-EDC4-8EAD-42D2E636870B}"/>
+              </a:ext>
+            </a:extLst>
+          </p:cNvPr>
+          <p:cNvSpPr>
+            <a:spLocks noGrp="1"/>
+          </p:cNvSpPr>
+          <p:nvPr>
+            <p:ph type="sldNum" idx="12"/>
+          </p:nvPr>
+        </p:nvSpPr>
+        <p:spPr>
+          <a:xfrm>
+            <a:off x="7465108" y="6353364"/>
+            <a:ext cx="2132700" cy="364800"/>
+          </a:xfrm>
+        </p:spPr>
+        <p:txBody>
+          <a:bodyPr/>
+          <a:lstStyle/>
+          <a:p>
+            <a:pPr marL="0" lvl="0" indent="0" algn="r" rtl="0">
+              <a:spcBef>
+                <a:spcPts val="0"/>
+              </a:spcBef>
+              <a:spcAft>
+                <a:spcPts val="0"/>
+              </a:spcAft>
+              <a:buNone/>
+            </a:pPr>
+            <a:fld id="{00000000-1234-1234-1234-123412341234}" type="slidenum">
+              <a:rPr lang="en" smtClean="0"/>
+              <a:t>9</a:t>
+            </a:fld>
+            <a:endParaRPr lang="en" dirty="0"/>
+          </a:p>
+        </p:txBody>
+      </p:sp>
+      <p:sp>
+        <p:nvSpPr>
+          <p:cNvPr id="2" name="TextBox 1"/>
+          <p:cNvSpPr txBox="1"/>
+          <p:nvPr/>
+        </p:nvSpPr>
+        <p:spPr>
+          <a:xfrm>
+            <a:off x="782345" y="1948423"/>
+            <a:ext cx="9171709" cy="646331"/>
+          </a:xfrm>
+          <a:prstGeom prst="rect">
+            <a:avLst/>
+          </a:prstGeom>
+          <a:noFill/>
+        </p:spPr>
+        <p:txBody>
+          <a:bodyPr wrap="square" rtlCol="0">
+            <a:spAutoFit/>
+          </a:bodyPr>
+          <a:lstStyle/>
+          <a:p>
+            <a:pPr algn="ctr">
+              <a:lnSpc>
+                <a:spcPct val="150000"/>
+              </a:lnSpc>
+            </a:pPr>
+            <a:r>
+              <a:rPr lang="en-US" sz="2400" b="1" dirty="0">
+                <a:latin typeface="Times New Roman" pitchFamily="18" charset="0"/>
+                <a:cs typeface="Times New Roman" pitchFamily="18" charset="0"/>
+              </a:rPr>
+              <a:t>Methodology (1-3  slides)</a:t>
+            </a:r>
+          </a:p>
+        </p:txBody>
+      </p:sp>
+      <p:sp>
+        <p:nvSpPr>
+          <p:cNvPr id="3" name="Rectangle: Rounded Corners 2">
+            <a:extLst>
+              <a:ext uri="{FF2B5EF4-FFF2-40B4-BE49-F238E27FC236}">
+                <a16:creationId xmlns:a16="http://schemas.microsoft.com/office/drawing/2014/main" id="{FDB70402-53BC-ED06-5F39-9698C6E585DA}"/>
+              </a:ext>
+            </a:extLst>
+          </p:cNvPr>
+          <p:cNvSpPr/>
+          <p:nvPr/>
+        </p:nvSpPr>
+        <p:spPr>
+          <a:xfrm>
+            <a:off x="1078599" y="2663753"/>
+            <a:ext cx="8511958" cy="3203961"/>
+          </a:xfrm>
+          <a:prstGeom prst="roundRect">
+            <a:avLst>
+              <a:gd name="adj" fmla="val 6614"/>
+            </a:avLst>
+          </a:prstGeom>
+          <a:solidFill>
+            <a:srgbClr val="F9F3EB"/>
+          </a:solidFill>
+          <a:ln>
+            <a:solidFill>
+              <a:srgbClr val="E31F55"/>
+            </a:solidFill>
+          </a:ln>
+        </p:spPr>
+        <p:style>
+          <a:lnRef idx="0">
+            <a:scrgbClr r="0" g="0" b="0"/>
+          </a:lnRef>
+          <a:fillRef idx="0">
+            <a:scrgbClr r="0" g="0" b="0"/>
+          </a:fillRef>
+          <a:effectRef idx="0">
+            <a:scrgbClr r="0" g="0" b="0"/>
+          </a:effectRef>
+          <a:fontRef idx="minor">
+            <a:schemeClr val="lt1"/>
+          </a:fontRef>
+        </p:style>
+        <p:txBody>
+          <a:bodyPr rtlCol="0" anchor="ctr"/>
+          <a:lstStyle/>
+          <a:p>
+            <a:pPr marL="85725" algn="ctr"/>
+            <a:endParaRPr lang="en-IN" sz="1100" dirty="0">
+              <a:solidFill>
+                <a:schemeClr val="tx1"/>
+              </a:solidFill>
+            </a:endParaRPr>
+          </a:p>
+        </p:txBody>
+      </p:sp>
+      <p:sp>
+        <p:nvSpPr>
+          <p:cNvPr id="8" name="Rectangle: Rounded Corners 7">
+            <a:extLst>
+              <a:ext uri="{FF2B5EF4-FFF2-40B4-BE49-F238E27FC236}">
+                <a16:creationId xmlns:a16="http://schemas.microsoft.com/office/drawing/2014/main" id="{B41CEDDD-5EC5-BC29-C65C-BB7A0DBC383E}"/>
+              </a:ext>
+            </a:extLst>
+          </p:cNvPr>
+          <p:cNvSpPr/>
+          <p:nvPr/>
+        </p:nvSpPr>
+        <p:spPr>
+          <a:xfrm>
+            <a:off x="4488451" y="4909014"/>
+            <a:ext cx="1595079" cy="489846"/>
+          </a:xfrm>
+          <a:prstGeom prst="roundRect">
+            <a:avLst/>
+          </a:prstGeom>
+          <a:solidFill>
+            <a:schemeClr val="bg1"/>
+          </a:solidFill>
+          <a:ln w="6350">
+            <a:solidFill>
+              <a:schemeClr val="tx1"/>
+            </a:solidFill>
+          </a:ln>
+        </p:spPr>
+        <p:style>
+          <a:lnRef idx="2">
+            <a:schemeClr val="accent1">
+              <a:shade val="15000"/>
+            </a:schemeClr>
+          </a:lnRef>
+          <a:fillRef idx="1">
+            <a:schemeClr val="accent1"/>
+          </a:fillRef>
+          <a:effectRef idx="0">
+            <a:schemeClr val="accent1"/>
+          </a:effectRef>
+          <a:fontRef idx="minor">
+            <a:schemeClr val="lt1"/>
+          </a:fontRef>
+        </p:style>
+        <p:txBody>
+          <a:bodyPr rtlCol="0" anchor="ctr"/>
+          <a:lstStyle/>
+          <a:p>
+            <a:pPr algn="ctr"/>
+            <a:r>
+              <a:rPr lang="en-US" sz="1000" dirty="0">
+                <a:solidFill>
+                  <a:sysClr val="windowText" lastClr="000000"/>
+                </a:solidFill>
+              </a:rPr>
+              <a:t>VR Headset</a:t>
+            </a:r>
+            <a:endParaRPr lang="en-IN" sz="1000" dirty="0">
+              <a:solidFill>
+                <a:sysClr val="windowText" lastClr="000000"/>
+              </a:solidFill>
+            </a:endParaRPr>
+          </a:p>
+        </p:txBody>
+      </p:sp>
+      <p:sp>
+        <p:nvSpPr>
+          <p:cNvPr id="10" name="Rectangle: Rounded Corners 9">
+            <a:extLst>
+              <a:ext uri="{FF2B5EF4-FFF2-40B4-BE49-F238E27FC236}">
+                <a16:creationId xmlns:a16="http://schemas.microsoft.com/office/drawing/2014/main" id="{37B984CE-C776-4D3C-DA78-B4F0C31861D3}"/>
+              </a:ext>
+            </a:extLst>
+          </p:cNvPr>
+          <p:cNvSpPr/>
+          <p:nvPr/>
+        </p:nvSpPr>
+        <p:spPr>
+          <a:xfrm>
+            <a:off x="4488451" y="3219645"/>
+            <a:ext cx="1595079" cy="489846"/>
+          </a:xfrm>
+          <a:prstGeom prst="roundRect">
+            <a:avLst/>
+          </a:prstGeom>
+          <a:solidFill>
+            <a:schemeClr val="bg1"/>
+          </a:solidFill>
+          <a:ln w="6350">
+            <a:solidFill>
+              <a:schemeClr val="tx1"/>
+            </a:solidFill>
+          </a:ln>
+        </p:spPr>
+        <p:style>
+          <a:lnRef idx="2">
+            <a:schemeClr val="accent1">
+              <a:shade val="15000"/>
+            </a:schemeClr>
+          </a:lnRef>
+          <a:fillRef idx="1">
+            <a:schemeClr val="accent1"/>
+          </a:fillRef>
+          <a:effectRef idx="0">
+            <a:schemeClr val="accent1"/>
+          </a:effectRef>
+          <a:fontRef idx="minor">
+            <a:schemeClr val="lt1"/>
+          </a:fontRef>
+        </p:style>
+        <p:txBody>
+          <a:bodyPr rtlCol="0" anchor="ctr"/>
+          <a:lstStyle/>
+          <a:p>
+            <a:pPr algn="ctr"/>
+            <a:r>
+              <a:rPr lang="en-US" sz="1000" dirty="0">
+                <a:solidFill>
+                  <a:sysClr val="windowText" lastClr="000000"/>
+                </a:solidFill>
+              </a:rPr>
+              <a:t>Game Engine</a:t>
+            </a:r>
+            <a:endParaRPr lang="en-IN" sz="1000" dirty="0">
+              <a:solidFill>
+                <a:sysClr val="windowText" lastClr="000000"/>
+              </a:solidFill>
+            </a:endParaRPr>
+          </a:p>
+        </p:txBody>
+      </p:sp>
+      <p:sp>
+        <p:nvSpPr>
+          <p:cNvPr id="11" name="Rectangle: Rounded Corners 10">
+            <a:extLst>
+              <a:ext uri="{FF2B5EF4-FFF2-40B4-BE49-F238E27FC236}">
+                <a16:creationId xmlns:a16="http://schemas.microsoft.com/office/drawing/2014/main" id="{6B4CC129-E61F-3C00-E4B2-ADA043399082}"/>
+              </a:ext>
+            </a:extLst>
+          </p:cNvPr>
+          <p:cNvSpPr/>
+          <p:nvPr/>
+        </p:nvSpPr>
+        <p:spPr>
+          <a:xfrm>
+            <a:off x="7084198" y="4488923"/>
+            <a:ext cx="1595079" cy="489846"/>
+          </a:xfrm>
+          <a:prstGeom prst="roundRect">
+            <a:avLst/>
+          </a:prstGeom>
+          <a:solidFill>
+            <a:schemeClr val="bg1"/>
+          </a:solidFill>
+          <a:ln w="6350">
+            <a:solidFill>
+              <a:schemeClr val="tx1"/>
+            </a:solidFill>
+          </a:ln>
+        </p:spPr>
+        <p:style>
+          <a:lnRef idx="2">
+            <a:schemeClr val="accent1">
+              <a:shade val="15000"/>
+            </a:schemeClr>
+          </a:lnRef>
+          <a:fillRef idx="1">
+            <a:schemeClr val="accent1"/>
+          </a:fillRef>
+          <a:effectRef idx="0">
+            <a:schemeClr val="accent1"/>
+          </a:effectRef>
+          <a:fontRef idx="minor">
+            <a:schemeClr val="lt1"/>
+          </a:fontRef>
+        </p:style>
+        <p:txBody>
+          <a:bodyPr rtlCol="0" anchor="ctr"/>
+          <a:lstStyle/>
+          <a:p>
+            <a:pPr algn="ctr"/>
+            <a:r>
+              <a:rPr lang="en-US" sz="1000" dirty="0">
+                <a:solidFill>
+                  <a:sysClr val="windowText" lastClr="000000"/>
+                </a:solidFill>
+              </a:rPr>
+              <a:t>Gamepad Controllers</a:t>
+            </a:r>
+            <a:endParaRPr lang="en-IN" sz="1000" dirty="0">
+              <a:solidFill>
+                <a:sysClr val="windowText" lastClr="000000"/>
+              </a:solidFill>
+            </a:endParaRPr>
+          </a:p>
+        </p:txBody>
+      </p:sp>
+      <p:sp>
+        <p:nvSpPr>
+          <p:cNvPr id="12" name="Rectangle: Rounded Corners 11">
+            <a:extLst>
+              <a:ext uri="{FF2B5EF4-FFF2-40B4-BE49-F238E27FC236}">
+                <a16:creationId xmlns:a16="http://schemas.microsoft.com/office/drawing/2014/main" id="{B3917D86-D836-888E-166C-801FB154CE72}"/>
+              </a:ext>
+            </a:extLst>
+          </p:cNvPr>
+          <p:cNvSpPr/>
+          <p:nvPr/>
+        </p:nvSpPr>
+        <p:spPr>
+          <a:xfrm>
+            <a:off x="7084198" y="3744517"/>
+            <a:ext cx="1595079" cy="489846"/>
+          </a:xfrm>
+          <a:prstGeom prst="roundRect">
+            <a:avLst/>
+          </a:prstGeom>
+          <a:solidFill>
+            <a:schemeClr val="bg1"/>
+          </a:solidFill>
+          <a:ln w="6350">
+            <a:solidFill>
+              <a:schemeClr val="tx1"/>
+            </a:solidFill>
+          </a:ln>
+        </p:spPr>
+        <p:style>
+          <a:lnRef idx="2">
+            <a:schemeClr val="accent1">
+              <a:shade val="15000"/>
+            </a:schemeClr>
+          </a:lnRef>
+          <a:fillRef idx="1">
+            <a:schemeClr val="accent1"/>
+          </a:fillRef>
+          <a:effectRef idx="0">
+            <a:schemeClr val="accent1"/>
+          </a:effectRef>
+          <a:fontRef idx="minor">
+            <a:schemeClr val="lt1"/>
+          </a:fontRef>
+        </p:style>
+        <p:txBody>
+          <a:bodyPr rtlCol="0" anchor="ctr"/>
+          <a:lstStyle/>
+          <a:p>
+            <a:pPr algn="ctr"/>
+            <a:r>
+              <a:rPr lang="en-US" sz="1000" dirty="0">
+                <a:solidFill>
+                  <a:sysClr val="windowText" lastClr="000000"/>
+                </a:solidFill>
+              </a:rPr>
+              <a:t>Gyroscope</a:t>
+            </a:r>
+            <a:endParaRPr lang="en-IN" sz="1000" dirty="0">
+              <a:solidFill>
+                <a:sysClr val="windowText" lastClr="000000"/>
+              </a:solidFill>
+            </a:endParaRPr>
+          </a:p>
+        </p:txBody>
+      </p:sp>
+      <p:sp>
+        <p:nvSpPr>
+          <p:cNvPr id="13" name="Rectangle: Rounded Corners 12">
+            <a:extLst>
+              <a:ext uri="{FF2B5EF4-FFF2-40B4-BE49-F238E27FC236}">
+                <a16:creationId xmlns:a16="http://schemas.microsoft.com/office/drawing/2014/main" id="{34CDD578-D8C4-6F53-77C6-9FDF48E09370}"/>
+              </a:ext>
+            </a:extLst>
+          </p:cNvPr>
+          <p:cNvSpPr/>
+          <p:nvPr/>
+        </p:nvSpPr>
+        <p:spPr>
+          <a:xfrm>
+            <a:off x="2199429" y="4485230"/>
+            <a:ext cx="1595079" cy="489846"/>
+          </a:xfrm>
+          <a:prstGeom prst="roundRect">
+            <a:avLst/>
+          </a:prstGeom>
+          <a:solidFill>
+            <a:schemeClr val="bg1"/>
+          </a:solidFill>
+          <a:ln w="6350">
+            <a:solidFill>
+              <a:schemeClr val="tx1"/>
+            </a:solidFill>
+          </a:ln>
+        </p:spPr>
+        <p:style>
+          <a:lnRef idx="2">
+            <a:schemeClr val="accent1">
+              <a:shade val="15000"/>
+            </a:schemeClr>
+          </a:lnRef>
+          <a:fillRef idx="1">
+            <a:schemeClr val="accent1"/>
+          </a:fillRef>
+          <a:effectRef idx="0">
+            <a:schemeClr val="accent1"/>
+          </a:effectRef>
+          <a:fontRef idx="minor">
+            <a:schemeClr val="lt1"/>
+          </a:fontRef>
+        </p:style>
+        <p:txBody>
+          <a:bodyPr rtlCol="0" anchor="ctr"/>
+          <a:lstStyle/>
+          <a:p>
+            <a:pPr algn="ctr"/>
+            <a:r>
+              <a:rPr lang="en-US" sz="1000" dirty="0">
+                <a:solidFill>
+                  <a:sysClr val="windowText" lastClr="000000"/>
+                </a:solidFill>
+              </a:rPr>
+              <a:t>Audio</a:t>
+            </a:r>
+            <a:endParaRPr lang="en-IN" sz="1000" dirty="0">
+              <a:solidFill>
+                <a:sysClr val="windowText" lastClr="000000"/>
+              </a:solidFill>
+            </a:endParaRPr>
+          </a:p>
+        </p:txBody>
+      </p:sp>
+      <p:sp>
+        <p:nvSpPr>
+          <p:cNvPr id="14" name="Rectangle: Rounded Corners 13">
+            <a:extLst>
+              <a:ext uri="{FF2B5EF4-FFF2-40B4-BE49-F238E27FC236}">
+                <a16:creationId xmlns:a16="http://schemas.microsoft.com/office/drawing/2014/main" id="{1E3CA20A-40C6-509E-6E47-D8DAA4129381}"/>
+              </a:ext>
+            </a:extLst>
+          </p:cNvPr>
+          <p:cNvSpPr/>
+          <p:nvPr/>
+        </p:nvSpPr>
+        <p:spPr>
+          <a:xfrm>
+            <a:off x="2199429" y="3701126"/>
+            <a:ext cx="1595079" cy="489846"/>
+          </a:xfrm>
+          <a:prstGeom prst="roundRect">
+            <a:avLst/>
+          </a:prstGeom>
+          <a:solidFill>
+            <a:schemeClr val="bg1"/>
+          </a:solidFill>
+          <a:ln w="6350">
+            <a:solidFill>
+              <a:schemeClr val="tx1"/>
+            </a:solidFill>
+          </a:ln>
+        </p:spPr>
+        <p:style>
+          <a:lnRef idx="2">
+            <a:schemeClr val="accent1">
+              <a:shade val="15000"/>
+            </a:schemeClr>
+          </a:lnRef>
+          <a:fillRef idx="1">
+            <a:schemeClr val="accent1"/>
+          </a:fillRef>
+          <a:effectRef idx="0">
+            <a:schemeClr val="accent1"/>
+          </a:effectRef>
+          <a:fontRef idx="minor">
+            <a:schemeClr val="lt1"/>
+          </a:fontRef>
+        </p:style>
+        <p:txBody>
+          <a:bodyPr rtlCol="0" anchor="ctr"/>
+          <a:lstStyle/>
+          <a:p>
+            <a:pPr algn="ctr"/>
+            <a:r>
+              <a:rPr lang="en-US" sz="1000" dirty="0">
+                <a:solidFill>
+                  <a:sysClr val="windowText" lastClr="000000"/>
+                </a:solidFill>
+              </a:rPr>
+              <a:t>Rendering</a:t>
+            </a:r>
+            <a:endParaRPr lang="en-IN" sz="1000" dirty="0">
+              <a:solidFill>
+                <a:sysClr val="windowText" lastClr="000000"/>
+              </a:solidFill>
+            </a:endParaRPr>
+          </a:p>
+        </p:txBody>
+      </p:sp>
+      <p:cxnSp>
+        <p:nvCxnSpPr>
+          <p:cNvPr id="15" name="Connector: Elbow 14">
+            <a:extLst>
+              <a:ext uri="{FF2B5EF4-FFF2-40B4-BE49-F238E27FC236}">
+                <a16:creationId xmlns:a16="http://schemas.microsoft.com/office/drawing/2014/main" id="{0219E90E-87F3-66A7-4BE9-91EF266B9710}"/>
+              </a:ext>
+            </a:extLst>
+          </p:cNvPr>
+          <p:cNvCxnSpPr>
+            <a:cxnSpLocks/>
+            <a:stCxn id="10" idx="1"/>
+            <a:endCxn id="14" idx="1"/>
+          </p:cNvCxnSpPr>
+          <p:nvPr/>
+        </p:nvCxnSpPr>
+        <p:spPr>
+          <a:xfrm rot="10800000" flipV="1">
+            <a:off x="2199429" y="3464567"/>
+            <a:ext cx="2289022" cy="481481"/>
+          </a:xfrm>
+          <a:prstGeom prst="bentConnector3">
+            <a:avLst>
+              <a:gd name="adj1" fmla="val 109987"/>
+            </a:avLst>
+          </a:prstGeom>
+          <a:solidFill>
+            <a:srgbClr val="DBB986"/>
+          </a:solidFill>
+          <a:ln w="6350">
+            <a:solidFill>
+              <a:schemeClr val="tx1"/>
+            </a:solidFill>
+            <a:tailEnd type="triangle"/>
+          </a:ln>
+        </p:spPr>
+        <p:style>
+          <a:lnRef idx="2">
+            <a:schemeClr val="accent1"/>
+          </a:lnRef>
+          <a:fillRef idx="0">
+            <a:schemeClr val="accent1"/>
+          </a:fillRef>
+          <a:effectRef idx="1">
+            <a:schemeClr val="accent1"/>
+          </a:effectRef>
+          <a:fontRef idx="minor">
+            <a:schemeClr val="tx1"/>
+          </a:fontRef>
+        </p:style>
+      </p:cxnSp>
+      <p:cxnSp>
+        <p:nvCxnSpPr>
+          <p:cNvPr id="16" name="Connector: Elbow 15">
+            <a:extLst>
+              <a:ext uri="{FF2B5EF4-FFF2-40B4-BE49-F238E27FC236}">
+                <a16:creationId xmlns:a16="http://schemas.microsoft.com/office/drawing/2014/main" id="{2DB8A2E7-F61A-3946-BF83-5362221A9E13}"/>
+              </a:ext>
+            </a:extLst>
+          </p:cNvPr>
+          <p:cNvCxnSpPr>
+            <a:cxnSpLocks/>
+            <a:stCxn id="10" idx="1"/>
+            <a:endCxn id="13" idx="1"/>
+          </p:cNvCxnSpPr>
+          <p:nvPr/>
+        </p:nvCxnSpPr>
+        <p:spPr>
+          <a:xfrm rot="10800000" flipV="1">
+            <a:off x="2199429" y="3464567"/>
+            <a:ext cx="2289022" cy="1265585"/>
+          </a:xfrm>
+          <a:prstGeom prst="bentConnector3">
+            <a:avLst>
+              <a:gd name="adj1" fmla="val 116645"/>
+            </a:avLst>
+          </a:prstGeom>
+          <a:solidFill>
+            <a:srgbClr val="DBB986"/>
+          </a:solidFill>
+          <a:ln w="6350">
+            <a:solidFill>
+              <a:schemeClr val="tx1"/>
+            </a:solidFill>
+            <a:tailEnd type="triangle"/>
+          </a:ln>
+        </p:spPr>
+        <p:style>
+          <a:lnRef idx="2">
+            <a:schemeClr val="accent1"/>
+          </a:lnRef>
+          <a:fillRef idx="0">
+            <a:schemeClr val="accent1"/>
+          </a:fillRef>
+          <a:effectRef idx="1">
+            <a:schemeClr val="accent1"/>
+          </a:effectRef>
+          <a:fontRef idx="minor">
+            <a:schemeClr val="tx1"/>
+          </a:fontRef>
+        </p:style>
+      </p:cxnSp>
+      <p:cxnSp>
+        <p:nvCxnSpPr>
+          <p:cNvPr id="17" name="Connector: Elbow 16">
+            <a:extLst>
+              <a:ext uri="{FF2B5EF4-FFF2-40B4-BE49-F238E27FC236}">
+                <a16:creationId xmlns:a16="http://schemas.microsoft.com/office/drawing/2014/main" id="{054E590B-E632-AD9B-AF5F-AEC2E418BFB7}"/>
+              </a:ext>
+            </a:extLst>
+          </p:cNvPr>
+          <p:cNvCxnSpPr>
+            <a:cxnSpLocks/>
+            <a:stCxn id="14" idx="3"/>
+            <a:endCxn id="8" idx="1"/>
+          </p:cNvCxnSpPr>
+          <p:nvPr/>
+        </p:nvCxnSpPr>
+        <p:spPr>
+          <a:xfrm>
+            <a:off x="3794508" y="3946050"/>
+            <a:ext cx="693944" cy="1207887"/>
+          </a:xfrm>
+          <a:prstGeom prst="bentConnector3">
+            <a:avLst>
+              <a:gd name="adj1" fmla="val 57094"/>
+            </a:avLst>
+          </a:prstGeom>
+          <a:solidFill>
+            <a:srgbClr val="DBB986"/>
+          </a:solidFill>
+          <a:ln w="6350">
+            <a:solidFill>
+              <a:schemeClr val="tx1"/>
+            </a:solidFill>
+            <a:tailEnd type="triangle"/>
+          </a:ln>
+        </p:spPr>
+        <p:style>
+          <a:lnRef idx="2">
+            <a:schemeClr val="accent1"/>
+          </a:lnRef>
+          <a:fillRef idx="0">
+            <a:schemeClr val="accent1"/>
+          </a:fillRef>
+          <a:effectRef idx="1">
+            <a:schemeClr val="accent1"/>
+          </a:effectRef>
+          <a:fontRef idx="minor">
+            <a:schemeClr val="tx1"/>
+          </a:fontRef>
+        </p:style>
+      </p:cxnSp>
+      <p:cxnSp>
+        <p:nvCxnSpPr>
+          <p:cNvPr id="18" name="Connector: Elbow 17">
+            <a:extLst>
+              <a:ext uri="{FF2B5EF4-FFF2-40B4-BE49-F238E27FC236}">
+                <a16:creationId xmlns:a16="http://schemas.microsoft.com/office/drawing/2014/main" id="{3BB2E7BA-B5F4-E5A7-0E71-124262D31BB6}"/>
+              </a:ext>
+            </a:extLst>
+          </p:cNvPr>
+          <p:cNvCxnSpPr>
+            <a:cxnSpLocks/>
+            <a:stCxn id="13" idx="2"/>
+            <a:endCxn id="8" idx="1"/>
+          </p:cNvCxnSpPr>
+          <p:nvPr/>
+        </p:nvCxnSpPr>
+        <p:spPr>
+          <a:xfrm rot="16200000" flipH="1">
+            <a:off x="3653280" y="4318765"/>
+            <a:ext cx="178860" cy="1491483"/>
+          </a:xfrm>
+          <a:prstGeom prst="bentConnector2">
+            <a:avLst/>
+          </a:prstGeom>
+          <a:solidFill>
+            <a:srgbClr val="DBB986"/>
+          </a:solidFill>
+          <a:ln w="6350">
+            <a:solidFill>
+              <a:schemeClr val="tx1"/>
+            </a:solidFill>
+            <a:tailEnd type="triangle"/>
+          </a:ln>
+        </p:spPr>
+        <p:style>
+          <a:lnRef idx="2">
+            <a:schemeClr val="accent1"/>
+          </a:lnRef>
+          <a:fillRef idx="0">
+            <a:schemeClr val="accent1"/>
+          </a:fillRef>
+          <a:effectRef idx="1">
+            <a:schemeClr val="accent1"/>
+          </a:effectRef>
+          <a:fontRef idx="minor">
+            <a:schemeClr val="tx1"/>
+          </a:fontRef>
+        </p:style>
+      </p:cxnSp>
+      <p:cxnSp>
+        <p:nvCxnSpPr>
+          <p:cNvPr id="19" name="Connector: Elbow 18">
+            <a:extLst>
+              <a:ext uri="{FF2B5EF4-FFF2-40B4-BE49-F238E27FC236}">
+                <a16:creationId xmlns:a16="http://schemas.microsoft.com/office/drawing/2014/main" id="{4473E2A3-C5AB-9239-366F-DC5F1DE35F57}"/>
+              </a:ext>
+            </a:extLst>
+          </p:cNvPr>
+          <p:cNvCxnSpPr>
+            <a:cxnSpLocks/>
+            <a:stCxn id="12" idx="1"/>
+            <a:endCxn id="8" idx="3"/>
+          </p:cNvCxnSpPr>
+          <p:nvPr/>
+        </p:nvCxnSpPr>
+        <p:spPr>
+          <a:xfrm rot="10800000" flipV="1">
+            <a:off x="6083530" y="3989439"/>
+            <a:ext cx="1000668" cy="1164497"/>
+          </a:xfrm>
+          <a:prstGeom prst="bentConnector3">
+            <a:avLst>
+              <a:gd name="adj1" fmla="val 69037"/>
+            </a:avLst>
+          </a:prstGeom>
+          <a:solidFill>
+            <a:srgbClr val="DBB986"/>
+          </a:solidFill>
+          <a:ln w="6350">
+            <a:solidFill>
+              <a:schemeClr val="tx1"/>
+            </a:solidFill>
+            <a:tailEnd type="triangle"/>
+          </a:ln>
+        </p:spPr>
+        <p:style>
+          <a:lnRef idx="2">
+            <a:schemeClr val="accent1"/>
+          </a:lnRef>
+          <a:fillRef idx="0">
+            <a:schemeClr val="accent1"/>
+          </a:fillRef>
+          <a:effectRef idx="1">
+            <a:schemeClr val="accent1"/>
+          </a:effectRef>
+          <a:fontRef idx="minor">
+            <a:schemeClr val="tx1"/>
+          </a:fontRef>
+        </p:style>
+      </p:cxnSp>
+      <p:cxnSp>
+        <p:nvCxnSpPr>
+          <p:cNvPr id="20" name="Connector: Elbow 19">
+            <a:extLst>
+              <a:ext uri="{FF2B5EF4-FFF2-40B4-BE49-F238E27FC236}">
+                <a16:creationId xmlns:a16="http://schemas.microsoft.com/office/drawing/2014/main" id="{F777CBAE-474C-A6EB-6423-5DC62ABDAAB1}"/>
+              </a:ext>
+            </a:extLst>
+          </p:cNvPr>
+          <p:cNvCxnSpPr>
+            <a:cxnSpLocks/>
+            <a:stCxn id="11" idx="1"/>
+            <a:endCxn id="10" idx="3"/>
+          </p:cNvCxnSpPr>
+          <p:nvPr/>
+        </p:nvCxnSpPr>
+        <p:spPr>
+          <a:xfrm rot="10800000">
+            <a:off x="6083530" y="3464568"/>
+            <a:ext cx="1000668" cy="1269278"/>
+          </a:xfrm>
+          <a:prstGeom prst="bentConnector3">
+            <a:avLst>
+              <a:gd name="adj1" fmla="val 40481"/>
+            </a:avLst>
+          </a:prstGeom>
+          <a:solidFill>
+            <a:srgbClr val="DBB986"/>
+          </a:solidFill>
+          <a:ln w="6350" cmpd="sng">
+            <a:solidFill>
+              <a:schemeClr val="tx1"/>
+            </a:solidFill>
+            <a:tailEnd type="triangle"/>
+          </a:ln>
+        </p:spPr>
+        <p:style>
+          <a:lnRef idx="2">
+            <a:schemeClr val="accent1"/>
+          </a:lnRef>
+          <a:fillRef idx="0">
+            <a:schemeClr val="accent1"/>
+          </a:fillRef>
+          <a:effectRef idx="1">
+            <a:schemeClr val="accent1"/>
+          </a:effectRef>
+          <a:fontRef idx="minor">
+            <a:schemeClr val="tx1"/>
+          </a:fontRef>
+        </p:style>
+      </p:cxnSp>
+    </p:spTree>
+    <p:extLst>
+      <p:ext uri="{BB962C8B-B14F-4D97-AF65-F5344CB8AC3E}">
+        <p14:creationId xmlns:p14="http://schemas.microsoft.com/office/powerpoint/2010/main" val="2923093608"/>
       </p:ext>
     </p:extLst>
   </p:cSld>
